--- a/Phase 3/Slides.pptx
+++ b/Phase 3/Slides.pptx
@@ -1,42 +1,42 @@
 
 <file path=ppt/presentation.xml><?xml version="1.0" encoding="utf-8"?>
-<p:presentation xmlns:a="http://schemas.openxmlformats.org/drawingml/2006/main" xmlns:r="http://schemas.openxmlformats.org/officeDocument/2006/relationships" xmlns:p="http://schemas.openxmlformats.org/presentationml/2006/main" showSpecialPlsOnTitleSld="0" strictFirstAndLastChars="0" embedTrueTypeFonts="1" saveSubsetFonts="1" autoCompressPictures="0">
+<p:presentation xmlns:a="http://schemas.openxmlformats.org/drawingml/2006/main" xmlns:r="http://schemas.openxmlformats.org/officeDocument/2006/relationships" xmlns:mc="http://schemas.openxmlformats.org/markup-compatibility/2006" xmlns:mv="urn:schemas-microsoft-com:mac:vml" xmlns:p="http://schemas.openxmlformats.org/presentationml/2006/main" xmlns:c="http://schemas.openxmlformats.org/drawingml/2006/chart" xmlns:dgm="http://schemas.openxmlformats.org/drawingml/2006/diagram" xmlns:o="urn:schemas-microsoft-com:office:office" xmlns:v="urn:schemas-microsoft-com:vml" xmlns:pvml="urn:schemas-microsoft-com:office:powerpoint" xmlns:com="http://schemas.openxmlformats.org/drawingml/2006/compatibility" xmlns:p14="http://schemas.microsoft.com/office/powerpoint/2010/main" xmlns:p15="http://schemas.microsoft.com/office/powerpoint/2012/main" autoCompressPictures="0" embedTrueTypeFonts="1" strictFirstAndLastChars="0" saveSubsetFonts="1" showSpecialPlsOnTitleSld="0">
   <p:sldMasterIdLst>
-    <p:sldMasterId id="2147483658" r:id="rId1"/>
+    <p:sldMasterId id="2147483658" r:id="rId3"/>
   </p:sldMasterIdLst>
   <p:notesMasterIdLst>
-    <p:notesMasterId r:id="rId12"/>
+    <p:notesMasterId r:id="rId4"/>
   </p:notesMasterIdLst>
   <p:sldIdLst>
-    <p:sldId id="256" r:id="rId2"/>
-    <p:sldId id="257" r:id="rId3"/>
-    <p:sldId id="258" r:id="rId4"/>
-    <p:sldId id="259" r:id="rId5"/>
-    <p:sldId id="260" r:id="rId6"/>
-    <p:sldId id="261" r:id="rId7"/>
-    <p:sldId id="262" r:id="rId8"/>
-    <p:sldId id="263" r:id="rId9"/>
-    <p:sldId id="264" r:id="rId10"/>
-    <p:sldId id="265" r:id="rId11"/>
+    <p:sldId id="256" r:id="rId5"/>
+    <p:sldId id="257" r:id="rId6"/>
+    <p:sldId id="258" r:id="rId7"/>
+    <p:sldId id="259" r:id="rId8"/>
+    <p:sldId id="260" r:id="rId9"/>
+    <p:sldId id="261" r:id="rId10"/>
+    <p:sldId id="262" r:id="rId11"/>
+    <p:sldId id="263" r:id="rId12"/>
+    <p:sldId id="264" r:id="rId13"/>
+    <p:sldId id="265" r:id="rId14"/>
   </p:sldIdLst>
-  <p:sldSz cx="9144000" cy="6858000" type="screen4x3"/>
+  <p:sldSz cy="6858000" cx="9144000"/>
   <p:notesSz cx="6858000" cy="9144000"/>
   <p:embeddedFontLst>
     <p:embeddedFont>
-      <p:font typeface="Roboto Slab" pitchFamily="2" charset="0"/>
-      <p:regular r:id="rId13"/>
-      <p:bold r:id="rId14"/>
+      <p:font typeface="Roboto Slab"/>
+      <p:regular r:id="rId15"/>
+      <p:bold r:id="rId16"/>
     </p:embeddedFont>
     <p:embeddedFont>
-      <p:font typeface="Source Sans Pro" charset="0"/>
-      <p:regular r:id="rId15"/>
-      <p:bold r:id="rId16"/>
-      <p:italic r:id="rId17"/>
-      <p:boldItalic r:id="rId18"/>
+      <p:font typeface="Source Sans Pro"/>
+      <p:regular r:id="rId17"/>
+      <p:bold r:id="rId18"/>
+      <p:italic r:id="rId19"/>
+      <p:boldItalic r:id="rId20"/>
     </p:embeddedFont>
   </p:embeddedFontLst>
   <p:defaultTextStyle>
-    <a:defPPr marR="0" lvl="0" algn="l" rtl="0">
+    <a:defPPr lvl="0" marR="0" rtl="0" algn="l">
       <a:lnSpc>
         <a:spcPct val="100000"/>
       </a:lnSpc>
@@ -47,7 +47,7 @@
         <a:spcPts val="0"/>
       </a:spcAft>
     </a:defPPr>
-    <a:lvl1pPr marR="0" lvl="0" algn="l" rtl="0">
+    <a:lvl1pPr lvl="0" marR="0" rtl="0" algn="l">
       <a:lnSpc>
         <a:spcPct val="100000"/>
       </a:lnSpc>
@@ -61,7 +61,7 @@
         <a:srgbClr val="000000"/>
       </a:buClr>
       <a:buFont typeface="Arial"/>
-      <a:defRPr sz="1400" b="0" i="0" u="none" strike="noStrike" cap="none">
+      <a:defRPr b="0" i="0" sz="1400" u="none" cap="none" strike="noStrike">
         <a:solidFill>
           <a:srgbClr val="000000"/>
         </a:solidFill>
@@ -71,7 +71,7 @@
         <a:sym typeface="Arial"/>
       </a:defRPr>
     </a:lvl1pPr>
-    <a:lvl2pPr marR="0" lvl="1" algn="l" rtl="0">
+    <a:lvl2pPr lvl="1" marR="0" rtl="0" algn="l">
       <a:lnSpc>
         <a:spcPct val="100000"/>
       </a:lnSpc>
@@ -85,7 +85,7 @@
         <a:srgbClr val="000000"/>
       </a:buClr>
       <a:buFont typeface="Arial"/>
-      <a:defRPr sz="1400" b="0" i="0" u="none" strike="noStrike" cap="none">
+      <a:defRPr b="0" i="0" sz="1400" u="none" cap="none" strike="noStrike">
         <a:solidFill>
           <a:srgbClr val="000000"/>
         </a:solidFill>
@@ -95,7 +95,7 @@
         <a:sym typeface="Arial"/>
       </a:defRPr>
     </a:lvl2pPr>
-    <a:lvl3pPr marR="0" lvl="2" algn="l" rtl="0">
+    <a:lvl3pPr lvl="2" marR="0" rtl="0" algn="l">
       <a:lnSpc>
         <a:spcPct val="100000"/>
       </a:lnSpc>
@@ -109,7 +109,7 @@
         <a:srgbClr val="000000"/>
       </a:buClr>
       <a:buFont typeface="Arial"/>
-      <a:defRPr sz="1400" b="0" i="0" u="none" strike="noStrike" cap="none">
+      <a:defRPr b="0" i="0" sz="1400" u="none" cap="none" strike="noStrike">
         <a:solidFill>
           <a:srgbClr val="000000"/>
         </a:solidFill>
@@ -119,7 +119,7 @@
         <a:sym typeface="Arial"/>
       </a:defRPr>
     </a:lvl3pPr>
-    <a:lvl4pPr marR="0" lvl="3" algn="l" rtl="0">
+    <a:lvl4pPr lvl="3" marR="0" rtl="0" algn="l">
       <a:lnSpc>
         <a:spcPct val="100000"/>
       </a:lnSpc>
@@ -133,7 +133,7 @@
         <a:srgbClr val="000000"/>
       </a:buClr>
       <a:buFont typeface="Arial"/>
-      <a:defRPr sz="1400" b="0" i="0" u="none" strike="noStrike" cap="none">
+      <a:defRPr b="0" i="0" sz="1400" u="none" cap="none" strike="noStrike">
         <a:solidFill>
           <a:srgbClr val="000000"/>
         </a:solidFill>
@@ -143,7 +143,7 @@
         <a:sym typeface="Arial"/>
       </a:defRPr>
     </a:lvl4pPr>
-    <a:lvl5pPr marR="0" lvl="4" algn="l" rtl="0">
+    <a:lvl5pPr lvl="4" marR="0" rtl="0" algn="l">
       <a:lnSpc>
         <a:spcPct val="100000"/>
       </a:lnSpc>
@@ -157,7 +157,7 @@
         <a:srgbClr val="000000"/>
       </a:buClr>
       <a:buFont typeface="Arial"/>
-      <a:defRPr sz="1400" b="0" i="0" u="none" strike="noStrike" cap="none">
+      <a:defRPr b="0" i="0" sz="1400" u="none" cap="none" strike="noStrike">
         <a:solidFill>
           <a:srgbClr val="000000"/>
         </a:solidFill>
@@ -167,7 +167,7 @@
         <a:sym typeface="Arial"/>
       </a:defRPr>
     </a:lvl5pPr>
-    <a:lvl6pPr marR="0" lvl="5" algn="l" rtl="0">
+    <a:lvl6pPr lvl="5" marR="0" rtl="0" algn="l">
       <a:lnSpc>
         <a:spcPct val="100000"/>
       </a:lnSpc>
@@ -181,7 +181,7 @@
         <a:srgbClr val="000000"/>
       </a:buClr>
       <a:buFont typeface="Arial"/>
-      <a:defRPr sz="1400" b="0" i="0" u="none" strike="noStrike" cap="none">
+      <a:defRPr b="0" i="0" sz="1400" u="none" cap="none" strike="noStrike">
         <a:solidFill>
           <a:srgbClr val="000000"/>
         </a:solidFill>
@@ -191,7 +191,7 @@
         <a:sym typeface="Arial"/>
       </a:defRPr>
     </a:lvl6pPr>
-    <a:lvl7pPr marR="0" lvl="6" algn="l" rtl="0">
+    <a:lvl7pPr lvl="6" marR="0" rtl="0" algn="l">
       <a:lnSpc>
         <a:spcPct val="100000"/>
       </a:lnSpc>
@@ -205,7 +205,7 @@
         <a:srgbClr val="000000"/>
       </a:buClr>
       <a:buFont typeface="Arial"/>
-      <a:defRPr sz="1400" b="0" i="0" u="none" strike="noStrike" cap="none">
+      <a:defRPr b="0" i="0" sz="1400" u="none" cap="none" strike="noStrike">
         <a:solidFill>
           <a:srgbClr val="000000"/>
         </a:solidFill>
@@ -215,7 +215,7 @@
         <a:sym typeface="Arial"/>
       </a:defRPr>
     </a:lvl7pPr>
-    <a:lvl8pPr marR="0" lvl="7" algn="l" rtl="0">
+    <a:lvl8pPr lvl="7" marR="0" rtl="0" algn="l">
       <a:lnSpc>
         <a:spcPct val="100000"/>
       </a:lnSpc>
@@ -229,7 +229,7 @@
         <a:srgbClr val="000000"/>
       </a:buClr>
       <a:buFont typeface="Arial"/>
-      <a:defRPr sz="1400" b="0" i="0" u="none" strike="noStrike" cap="none">
+      <a:defRPr b="0" i="0" sz="1400" u="none" cap="none" strike="noStrike">
         <a:solidFill>
           <a:srgbClr val="000000"/>
         </a:solidFill>
@@ -239,7 +239,7 @@
         <a:sym typeface="Arial"/>
       </a:defRPr>
     </a:lvl8pPr>
-    <a:lvl9pPr marR="0" lvl="8" algn="l" rtl="0">
+    <a:lvl9pPr lvl="8" marR="0" rtl="0" algn="l">
       <a:lnSpc>
         <a:spcPct val="100000"/>
       </a:lnSpc>
@@ -253,7 +253,7 @@
         <a:srgbClr val="000000"/>
       </a:buClr>
       <a:buFont typeface="Arial"/>
-      <a:defRPr sz="1400" b="0" i="0" u="none" strike="noStrike" cap="none">
+      <a:defRPr b="0" i="0" sz="1400" u="none" cap="none" strike="noStrike">
         <a:solidFill>
           <a:srgbClr val="000000"/>
         </a:solidFill>
@@ -268,16 +268,11 @@
 </file>
 
 <file path=ppt/notesMasters/notesMaster1.xml><?xml version="1.0" encoding="utf-8"?>
-<p:notesMaster xmlns:a="http://schemas.openxmlformats.org/drawingml/2006/main" xmlns:r="http://schemas.openxmlformats.org/officeDocument/2006/relationships" xmlns:p="http://schemas.openxmlformats.org/presentationml/2006/main">
+<p:notesMaster xmlns:a="http://schemas.openxmlformats.org/drawingml/2006/main" xmlns:r="http://schemas.openxmlformats.org/officeDocument/2006/relationships" xmlns:mc="http://schemas.openxmlformats.org/markup-compatibility/2006" xmlns:mv="urn:schemas-microsoft-com:mac:vml" xmlns:p="http://schemas.openxmlformats.org/presentationml/2006/main" xmlns:c="http://schemas.openxmlformats.org/drawingml/2006/chart" xmlns:dgm="http://schemas.openxmlformats.org/drawingml/2006/diagram" xmlns:o="urn:schemas-microsoft-com:office:office" xmlns:v="urn:schemas-microsoft-com:vml" xmlns:pvml="urn:schemas-microsoft-com:office:powerpoint" xmlns:com="http://schemas.openxmlformats.org/drawingml/2006/compatibility" xmlns:p14="http://schemas.microsoft.com/office/powerpoint/2010/main" xmlns:p15="http://schemas.microsoft.com/office/powerpoint/2012/main">
   <p:cSld>
-    <p:bg>
-      <p:bgRef idx="1001">
-        <a:schemeClr val="bg1"/>
-      </p:bgRef>
-    </p:bg>
     <p:spTree>
       <p:nvGrpSpPr>
-        <p:cNvPr id="1" name="Shape 2"/>
+        <p:cNvPr id="2" name="Shape 2"/>
         <p:cNvGrpSpPr/>
         <p:nvPr/>
       </p:nvGrpSpPr>
@@ -292,11 +287,9 @@
       <p:sp>
         <p:nvSpPr>
           <p:cNvPr id="3" name="Shape 3"/>
-          <p:cNvSpPr>
-            <a:spLocks noGrp="1" noRot="1" noChangeAspect="1"/>
-          </p:cNvSpPr>
+          <p:cNvSpPr/>
           <p:nvPr>
-            <p:ph type="sldImg" idx="2"/>
+            <p:ph idx="2" type="sldImg"/>
           </p:nvPr>
         </p:nvSpPr>
         <p:spPr>
@@ -305,13 +298,8 @@
             <a:ext cx="4572300" cy="3429000"/>
           </a:xfrm>
           <a:custGeom>
-            <a:avLst/>
-            <a:gdLst/>
-            <a:ahLst/>
-            <a:cxnLst/>
-            <a:rect l="0" t="0" r="0" b="0"/>
             <a:pathLst>
-              <a:path w="120000" h="120000" extrusionOk="0">
+              <a:path extrusionOk="0" h="120000" w="120000">
                 <a:moveTo>
                   <a:pt x="0" y="0"/>
                 </a:moveTo>
@@ -329,25 +317,23 @@
             </a:pathLst>
           </a:custGeom>
           <a:noFill/>
-          <a:ln w="9525" cap="flat" cmpd="sng">
+          <a:ln cap="flat" cmpd="sng" w="9525">
             <a:solidFill>
               <a:srgbClr val="000000"/>
             </a:solidFill>
             <a:prstDash val="solid"/>
             <a:round/>
-            <a:headEnd type="none" w="sm" len="sm"/>
-            <a:tailEnd type="none" w="sm" len="sm"/>
+            <a:headEnd len="sm" w="sm" type="none"/>
+            <a:tailEnd len="sm" w="sm" type="none"/>
           </a:ln>
         </p:spPr>
       </p:sp>
       <p:sp>
         <p:nvSpPr>
           <p:cNvPr id="4" name="Shape 4"/>
-          <p:cNvSpPr txBox="1">
-            <a:spLocks noGrp="1"/>
-          </p:cNvSpPr>
+          <p:cNvSpPr txBox="1"/>
           <p:nvPr>
-            <p:ph type="body" idx="1"/>
+            <p:ph idx="1" type="body"/>
           </p:nvPr>
         </p:nvSpPr>
         <p:spPr>
@@ -364,9 +350,9 @@
           </a:ln>
         </p:spPr>
         <p:txBody>
-          <a:bodyPr spcFirstLastPara="1" wrap="square" lIns="91425" tIns="91425" rIns="91425" bIns="91425" anchor="t" anchorCtr="0"/>
+          <a:bodyPr anchorCtr="0" anchor="t" bIns="91425" lIns="91425" spcFirstLastPara="1" rIns="91425" wrap="square" tIns="91425"/>
           <a:lstStyle>
-            <a:lvl1pPr marL="457200" lvl="0" indent="-317500">
+            <a:lvl1pPr indent="-317500" lvl="0" marL="457200">
               <a:spcBef>
                 <a:spcPts val="0"/>
               </a:spcBef>
@@ -377,7 +363,7 @@
               <a:buChar char="●"/>
               <a:defRPr sz="1100"/>
             </a:lvl1pPr>
-            <a:lvl2pPr marL="914400" lvl="1" indent="-317500">
+            <a:lvl2pPr indent="-317500" lvl="1" marL="914400">
               <a:spcBef>
                 <a:spcPts val="0"/>
               </a:spcBef>
@@ -388,7 +374,7 @@
               <a:buChar char="○"/>
               <a:defRPr sz="1100"/>
             </a:lvl2pPr>
-            <a:lvl3pPr marL="1371600" lvl="2" indent="-317500">
+            <a:lvl3pPr indent="-317500" lvl="2" marL="1371600">
               <a:spcBef>
                 <a:spcPts val="0"/>
               </a:spcBef>
@@ -399,7 +385,7 @@
               <a:buChar char="■"/>
               <a:defRPr sz="1100"/>
             </a:lvl3pPr>
-            <a:lvl4pPr marL="1828800" lvl="3" indent="-317500">
+            <a:lvl4pPr indent="-317500" lvl="3" marL="1828800">
               <a:spcBef>
                 <a:spcPts val="0"/>
               </a:spcBef>
@@ -410,7 +396,7 @@
               <a:buChar char="●"/>
               <a:defRPr sz="1100"/>
             </a:lvl4pPr>
-            <a:lvl5pPr marL="2286000" lvl="4" indent="-317500">
+            <a:lvl5pPr indent="-317500" lvl="4" marL="2286000">
               <a:spcBef>
                 <a:spcPts val="0"/>
               </a:spcBef>
@@ -421,7 +407,7 @@
               <a:buChar char="○"/>
               <a:defRPr sz="1100"/>
             </a:lvl5pPr>
-            <a:lvl6pPr marL="2743200" lvl="5" indent="-317500">
+            <a:lvl6pPr indent="-317500" lvl="5" marL="2743200">
               <a:spcBef>
                 <a:spcPts val="0"/>
               </a:spcBef>
@@ -432,7 +418,7 @@
               <a:buChar char="■"/>
               <a:defRPr sz="1100"/>
             </a:lvl6pPr>
-            <a:lvl7pPr marL="3200400" lvl="6" indent="-317500">
+            <a:lvl7pPr indent="-317500" lvl="6" marL="3200400">
               <a:spcBef>
                 <a:spcPts val="0"/>
               </a:spcBef>
@@ -443,7 +429,7 @@
               <a:buChar char="●"/>
               <a:defRPr sz="1100"/>
             </a:lvl7pPr>
-            <a:lvl8pPr marL="3657600" lvl="7" indent="-317500">
+            <a:lvl8pPr indent="-317500" lvl="7" marL="3657600">
               <a:spcBef>
                 <a:spcPts val="0"/>
               </a:spcBef>
@@ -454,7 +440,7 @@
               <a:buChar char="○"/>
               <a:defRPr sz="1100"/>
             </a:lvl8pPr>
-            <a:lvl9pPr marL="4114800" lvl="8" indent="-317500">
+            <a:lvl9pPr indent="-317500" lvl="8" marL="4114800">
               <a:spcBef>
                 <a:spcPts val="0"/>
               </a:spcBef>
@@ -466,16 +452,14 @@
               <a:defRPr sz="1100"/>
             </a:lvl9pPr>
           </a:lstStyle>
-          <a:p>
-            <a:endParaRPr/>
-          </a:p>
+          <a:p/>
         </p:txBody>
       </p:sp>
     </p:spTree>
   </p:cSld>
-  <p:clrMap bg1="lt1" tx1="dk1" bg2="dk2" tx2="lt2" accent1="accent1" accent2="accent2" accent3="accent3" accent4="accent4" accent5="accent5" accent6="accent6" hlink="hlink" folHlink="folHlink"/>
+  <p:clrMap accent1="accent1" accent2="accent2" accent3="accent3" accent4="accent4" accent5="accent5" accent6="accent6" bg1="lt1" bg2="dk2" tx1="dk1" tx2="lt2" folHlink="folHlink" hlink="hlink"/>
   <p:notesStyle>
-    <a:defPPr marR="0" lvl="0" algn="l" rtl="0">
+    <a:defPPr lvl="0" marR="0" rtl="0" algn="l">
       <a:lnSpc>
         <a:spcPct val="100000"/>
       </a:lnSpc>
@@ -486,7 +470,7 @@
         <a:spcPts val="0"/>
       </a:spcAft>
     </a:defPPr>
-    <a:lvl1pPr marR="0" lvl="0" algn="l" rtl="0">
+    <a:lvl1pPr lvl="0" marR="0" rtl="0" algn="l">
       <a:lnSpc>
         <a:spcPct val="100000"/>
       </a:lnSpc>
@@ -500,7 +484,7 @@
         <a:srgbClr val="000000"/>
       </a:buClr>
       <a:buFont typeface="Arial"/>
-      <a:defRPr sz="1400" b="0" i="0" u="none" strike="noStrike" cap="none">
+      <a:defRPr b="0" i="0" sz="1400" u="none" cap="none" strike="noStrike">
         <a:solidFill>
           <a:srgbClr val="000000"/>
         </a:solidFill>
@@ -510,7 +494,7 @@
         <a:sym typeface="Arial"/>
       </a:defRPr>
     </a:lvl1pPr>
-    <a:lvl2pPr marR="0" lvl="1" algn="l" rtl="0">
+    <a:lvl2pPr lvl="1" marR="0" rtl="0" algn="l">
       <a:lnSpc>
         <a:spcPct val="100000"/>
       </a:lnSpc>
@@ -524,7 +508,7 @@
         <a:srgbClr val="000000"/>
       </a:buClr>
       <a:buFont typeface="Arial"/>
-      <a:defRPr sz="1400" b="0" i="0" u="none" strike="noStrike" cap="none">
+      <a:defRPr b="0" i="0" sz="1400" u="none" cap="none" strike="noStrike">
         <a:solidFill>
           <a:srgbClr val="000000"/>
         </a:solidFill>
@@ -534,7 +518,7 @@
         <a:sym typeface="Arial"/>
       </a:defRPr>
     </a:lvl2pPr>
-    <a:lvl3pPr marR="0" lvl="2" algn="l" rtl="0">
+    <a:lvl3pPr lvl="2" marR="0" rtl="0" algn="l">
       <a:lnSpc>
         <a:spcPct val="100000"/>
       </a:lnSpc>
@@ -548,7 +532,7 @@
         <a:srgbClr val="000000"/>
       </a:buClr>
       <a:buFont typeface="Arial"/>
-      <a:defRPr sz="1400" b="0" i="0" u="none" strike="noStrike" cap="none">
+      <a:defRPr b="0" i="0" sz="1400" u="none" cap="none" strike="noStrike">
         <a:solidFill>
           <a:srgbClr val="000000"/>
         </a:solidFill>
@@ -558,7 +542,7 @@
         <a:sym typeface="Arial"/>
       </a:defRPr>
     </a:lvl3pPr>
-    <a:lvl4pPr marR="0" lvl="3" algn="l" rtl="0">
+    <a:lvl4pPr lvl="3" marR="0" rtl="0" algn="l">
       <a:lnSpc>
         <a:spcPct val="100000"/>
       </a:lnSpc>
@@ -572,7 +556,7 @@
         <a:srgbClr val="000000"/>
       </a:buClr>
       <a:buFont typeface="Arial"/>
-      <a:defRPr sz="1400" b="0" i="0" u="none" strike="noStrike" cap="none">
+      <a:defRPr b="0" i="0" sz="1400" u="none" cap="none" strike="noStrike">
         <a:solidFill>
           <a:srgbClr val="000000"/>
         </a:solidFill>
@@ -582,7 +566,7 @@
         <a:sym typeface="Arial"/>
       </a:defRPr>
     </a:lvl4pPr>
-    <a:lvl5pPr marR="0" lvl="4" algn="l" rtl="0">
+    <a:lvl5pPr lvl="4" marR="0" rtl="0" algn="l">
       <a:lnSpc>
         <a:spcPct val="100000"/>
       </a:lnSpc>
@@ -596,7 +580,7 @@
         <a:srgbClr val="000000"/>
       </a:buClr>
       <a:buFont typeface="Arial"/>
-      <a:defRPr sz="1400" b="0" i="0" u="none" strike="noStrike" cap="none">
+      <a:defRPr b="0" i="0" sz="1400" u="none" cap="none" strike="noStrike">
         <a:solidFill>
           <a:srgbClr val="000000"/>
         </a:solidFill>
@@ -606,7 +590,7 @@
         <a:sym typeface="Arial"/>
       </a:defRPr>
     </a:lvl5pPr>
-    <a:lvl6pPr marR="0" lvl="5" algn="l" rtl="0">
+    <a:lvl6pPr lvl="5" marR="0" rtl="0" algn="l">
       <a:lnSpc>
         <a:spcPct val="100000"/>
       </a:lnSpc>
@@ -620,7 +604,7 @@
         <a:srgbClr val="000000"/>
       </a:buClr>
       <a:buFont typeface="Arial"/>
-      <a:defRPr sz="1400" b="0" i="0" u="none" strike="noStrike" cap="none">
+      <a:defRPr b="0" i="0" sz="1400" u="none" cap="none" strike="noStrike">
         <a:solidFill>
           <a:srgbClr val="000000"/>
         </a:solidFill>
@@ -630,7 +614,7 @@
         <a:sym typeface="Arial"/>
       </a:defRPr>
     </a:lvl6pPr>
-    <a:lvl7pPr marR="0" lvl="6" algn="l" rtl="0">
+    <a:lvl7pPr lvl="6" marR="0" rtl="0" algn="l">
       <a:lnSpc>
         <a:spcPct val="100000"/>
       </a:lnSpc>
@@ -644,7 +628,7 @@
         <a:srgbClr val="000000"/>
       </a:buClr>
       <a:buFont typeface="Arial"/>
-      <a:defRPr sz="1400" b="0" i="0" u="none" strike="noStrike" cap="none">
+      <a:defRPr b="0" i="0" sz="1400" u="none" cap="none" strike="noStrike">
         <a:solidFill>
           <a:srgbClr val="000000"/>
         </a:solidFill>
@@ -654,7 +638,7 @@
         <a:sym typeface="Arial"/>
       </a:defRPr>
     </a:lvl7pPr>
-    <a:lvl8pPr marR="0" lvl="7" algn="l" rtl="0">
+    <a:lvl8pPr lvl="7" marR="0" rtl="0" algn="l">
       <a:lnSpc>
         <a:spcPct val="100000"/>
       </a:lnSpc>
@@ -668,7 +652,7 @@
         <a:srgbClr val="000000"/>
       </a:buClr>
       <a:buFont typeface="Arial"/>
-      <a:defRPr sz="1400" b="0" i="0" u="none" strike="noStrike" cap="none">
+      <a:defRPr b="0" i="0" sz="1400" u="none" cap="none" strike="noStrike">
         <a:solidFill>
           <a:srgbClr val="000000"/>
         </a:solidFill>
@@ -678,7 +662,7 @@
         <a:sym typeface="Arial"/>
       </a:defRPr>
     </a:lvl8pPr>
-    <a:lvl9pPr marR="0" lvl="8" algn="l" rtl="0">
+    <a:lvl9pPr lvl="8" marR="0" rtl="0" algn="l">
       <a:lnSpc>
         <a:spcPct val="100000"/>
       </a:lnSpc>
@@ -692,7 +676,7 @@
         <a:srgbClr val="000000"/>
       </a:buClr>
       <a:buFont typeface="Arial"/>
-      <a:defRPr sz="1400" b="0" i="0" u="none" strike="noStrike" cap="none">
+      <a:defRPr b="0" i="0" sz="1400" u="none" cap="none" strike="noStrike">
         <a:solidFill>
           <a:srgbClr val="000000"/>
         </a:solidFill>
@@ -707,11 +691,11 @@
 </file>
 
 <file path=ppt/notesSlides/notesSlide1.xml><?xml version="1.0" encoding="utf-8"?>
-<p:notes xmlns:a="http://schemas.openxmlformats.org/drawingml/2006/main" xmlns:r="http://schemas.openxmlformats.org/officeDocument/2006/relationships" xmlns:p="http://schemas.openxmlformats.org/presentationml/2006/main" showMasterSp="0" showMasterPhAnim="0">
+<p:notes xmlns:a="http://schemas.openxmlformats.org/drawingml/2006/main" xmlns:r="http://schemas.openxmlformats.org/officeDocument/2006/relationships" xmlns:mc="http://schemas.openxmlformats.org/markup-compatibility/2006" xmlns:mv="urn:schemas-microsoft-com:mac:vml" xmlns:p="http://schemas.openxmlformats.org/presentationml/2006/main" xmlns:c="http://schemas.openxmlformats.org/drawingml/2006/chart" xmlns:dgm="http://schemas.openxmlformats.org/drawingml/2006/diagram" xmlns:o="urn:schemas-microsoft-com:office:office" xmlns:v="urn:schemas-microsoft-com:vml" xmlns:pvml="urn:schemas-microsoft-com:office:powerpoint" xmlns:com="http://schemas.openxmlformats.org/drawingml/2006/compatibility" xmlns:p14="http://schemas.microsoft.com/office/powerpoint/2010/main" xmlns:p15="http://schemas.microsoft.com/office/powerpoint/2012/main" showMasterPhAnim="0" showMasterSp="0">
   <p:cSld>
     <p:spTree>
       <p:nvGrpSpPr>
-        <p:cNvPr id="1" name="Shape 66"/>
+        <p:cNvPr id="66" name="Shape 66"/>
         <p:cNvGrpSpPr/>
         <p:nvPr/>
       </p:nvGrpSpPr>
@@ -726,11 +710,9 @@
       <p:sp>
         <p:nvSpPr>
           <p:cNvPr id="67" name="Shape 67"/>
-          <p:cNvSpPr>
-            <a:spLocks noGrp="1" noRot="1" noChangeAspect="1"/>
-          </p:cNvSpPr>
+          <p:cNvSpPr/>
           <p:nvPr>
-            <p:ph type="sldImg" idx="2"/>
+            <p:ph idx="2" type="sldImg"/>
           </p:nvPr>
         </p:nvSpPr>
         <p:spPr>
@@ -739,13 +721,8 @@
             <a:ext cx="4572300" cy="3429000"/>
           </a:xfrm>
           <a:custGeom>
-            <a:avLst/>
-            <a:gdLst/>
-            <a:ahLst/>
-            <a:cxnLst/>
-            <a:rect l="0" t="0" r="0" b="0"/>
             <a:pathLst>
-              <a:path w="120000" h="120000" extrusionOk="0">
+              <a:path extrusionOk="0" h="120000" w="120000">
                 <a:moveTo>
                   <a:pt x="0" y="0"/>
                 </a:moveTo>
@@ -767,11 +744,9 @@
       <p:sp>
         <p:nvSpPr>
           <p:cNvPr id="68" name="Shape 68"/>
-          <p:cNvSpPr txBox="1">
-            <a:spLocks noGrp="1"/>
-          </p:cNvSpPr>
+          <p:cNvSpPr txBox="1"/>
           <p:nvPr>
-            <p:ph type="body" idx="1"/>
+            <p:ph idx="1" type="body"/>
           </p:nvPr>
         </p:nvSpPr>
         <p:spPr>
@@ -784,12 +759,12 @@
           </a:prstGeom>
         </p:spPr>
         <p:txBody>
-          <a:bodyPr spcFirstLastPara="1" wrap="square" lIns="91425" tIns="91425" rIns="91425" bIns="91425" anchor="t" anchorCtr="0">
+          <a:bodyPr anchorCtr="0" anchor="t" bIns="91425" lIns="91425" spcFirstLastPara="1" rIns="91425" wrap="square" tIns="91425">
             <a:noAutofit/>
           </a:bodyPr>
           <a:lstStyle/>
           <a:p>
-            <a:pPr marL="0" lvl="0" indent="0">
+            <a:pPr indent="0" lvl="0" marL="0">
               <a:spcBef>
                 <a:spcPts val="0"/>
               </a:spcBef>
@@ -815,11 +790,11 @@
 </file>
 
 <file path=ppt/notesSlides/notesSlide10.xml><?xml version="1.0" encoding="utf-8"?>
-<p:notes xmlns:a="http://schemas.openxmlformats.org/drawingml/2006/main" xmlns:r="http://schemas.openxmlformats.org/officeDocument/2006/relationships" xmlns:p="http://schemas.openxmlformats.org/presentationml/2006/main" showMasterSp="0" showMasterPhAnim="0">
+<p:notes xmlns:a="http://schemas.openxmlformats.org/drawingml/2006/main" xmlns:r="http://schemas.openxmlformats.org/officeDocument/2006/relationships" xmlns:mc="http://schemas.openxmlformats.org/markup-compatibility/2006" xmlns:mv="urn:schemas-microsoft-com:mac:vml" xmlns:p="http://schemas.openxmlformats.org/presentationml/2006/main" xmlns:c="http://schemas.openxmlformats.org/drawingml/2006/chart" xmlns:dgm="http://schemas.openxmlformats.org/drawingml/2006/diagram" xmlns:o="urn:schemas-microsoft-com:office:office" xmlns:v="urn:schemas-microsoft-com:vml" xmlns:pvml="urn:schemas-microsoft-com:office:powerpoint" xmlns:com="http://schemas.openxmlformats.org/drawingml/2006/compatibility" xmlns:p14="http://schemas.microsoft.com/office/powerpoint/2010/main" xmlns:p15="http://schemas.microsoft.com/office/powerpoint/2012/main" showMasterPhAnim="0" showMasterSp="0">
   <p:cSld>
     <p:spTree>
       <p:nvGrpSpPr>
-        <p:cNvPr id="1" name="Shape 147"/>
+        <p:cNvPr id="150" name="Shape 150"/>
         <p:cNvGrpSpPr/>
         <p:nvPr/>
       </p:nvGrpSpPr>
@@ -833,12 +808,10 @@
       </p:grpSpPr>
       <p:sp>
         <p:nvSpPr>
-          <p:cNvPr id="148" name="Shape 148"/>
-          <p:cNvSpPr>
-            <a:spLocks noGrp="1" noRot="1" noChangeAspect="1"/>
-          </p:cNvSpPr>
+          <p:cNvPr id="151" name="Shape 151"/>
+          <p:cNvSpPr/>
           <p:nvPr>
-            <p:ph type="sldImg" idx="2"/>
+            <p:ph idx="2" type="sldImg"/>
           </p:nvPr>
         </p:nvSpPr>
         <p:spPr>
@@ -847,13 +820,8 @@
             <a:ext cx="4572300" cy="3429000"/>
           </a:xfrm>
           <a:custGeom>
-            <a:avLst/>
-            <a:gdLst/>
-            <a:ahLst/>
-            <a:cxnLst/>
-            <a:rect l="0" t="0" r="0" b="0"/>
             <a:pathLst>
-              <a:path w="120000" h="120000" extrusionOk="0">
+              <a:path extrusionOk="0" h="120000" w="120000">
                 <a:moveTo>
                   <a:pt x="0" y="0"/>
                 </a:moveTo>
@@ -874,12 +842,10 @@
       </p:sp>
       <p:sp>
         <p:nvSpPr>
-          <p:cNvPr id="149" name="Shape 149"/>
-          <p:cNvSpPr txBox="1">
-            <a:spLocks noGrp="1"/>
-          </p:cNvSpPr>
+          <p:cNvPr id="152" name="Shape 152"/>
+          <p:cNvSpPr txBox="1"/>
           <p:nvPr>
-            <p:ph type="body" idx="1"/>
+            <p:ph idx="1" type="body"/>
           </p:nvPr>
         </p:nvSpPr>
         <p:spPr>
@@ -892,12 +858,12 @@
           </a:prstGeom>
         </p:spPr>
         <p:txBody>
-          <a:bodyPr spcFirstLastPara="1" wrap="square" lIns="91425" tIns="91425" rIns="91425" bIns="91425" anchor="t" anchorCtr="0">
+          <a:bodyPr anchorCtr="0" anchor="t" bIns="91425" lIns="91425" spcFirstLastPara="1" rIns="91425" wrap="square" tIns="91425">
             <a:noAutofit/>
           </a:bodyPr>
           <a:lstStyle/>
           <a:p>
-            <a:pPr marL="0" lvl="0" indent="0" rtl="0">
+            <a:pPr indent="0" lvl="0" marL="0" rtl="0">
               <a:spcBef>
                 <a:spcPts val="0"/>
               </a:spcBef>
@@ -923,11 +889,11 @@
 </file>
 
 <file path=ppt/notesSlides/notesSlide2.xml><?xml version="1.0" encoding="utf-8"?>
-<p:notes xmlns:a="http://schemas.openxmlformats.org/drawingml/2006/main" xmlns:r="http://schemas.openxmlformats.org/officeDocument/2006/relationships" xmlns:p="http://schemas.openxmlformats.org/presentationml/2006/main" showMasterSp="0" showMasterPhAnim="0">
+<p:notes xmlns:a="http://schemas.openxmlformats.org/drawingml/2006/main" xmlns:r="http://schemas.openxmlformats.org/officeDocument/2006/relationships" xmlns:mc="http://schemas.openxmlformats.org/markup-compatibility/2006" xmlns:mv="urn:schemas-microsoft-com:mac:vml" xmlns:p="http://schemas.openxmlformats.org/presentationml/2006/main" xmlns:c="http://schemas.openxmlformats.org/drawingml/2006/chart" xmlns:dgm="http://schemas.openxmlformats.org/drawingml/2006/diagram" xmlns:o="urn:schemas-microsoft-com:office:office" xmlns:v="urn:schemas-microsoft-com:vml" xmlns:pvml="urn:schemas-microsoft-com:office:powerpoint" xmlns:com="http://schemas.openxmlformats.org/drawingml/2006/compatibility" xmlns:p14="http://schemas.microsoft.com/office/powerpoint/2010/main" xmlns:p15="http://schemas.microsoft.com/office/powerpoint/2012/main" showMasterPhAnim="0" showMasterSp="0">
   <p:cSld>
     <p:spTree>
       <p:nvGrpSpPr>
-        <p:cNvPr id="1" name="Shape 73"/>
+        <p:cNvPr id="73" name="Shape 73"/>
         <p:cNvGrpSpPr/>
         <p:nvPr/>
       </p:nvGrpSpPr>
@@ -942,11 +908,9 @@
       <p:sp>
         <p:nvSpPr>
           <p:cNvPr id="74" name="Shape 74"/>
-          <p:cNvSpPr>
-            <a:spLocks noGrp="1" noRot="1" noChangeAspect="1"/>
-          </p:cNvSpPr>
+          <p:cNvSpPr/>
           <p:nvPr>
-            <p:ph type="sldImg" idx="2"/>
+            <p:ph idx="2" type="sldImg"/>
           </p:nvPr>
         </p:nvSpPr>
         <p:spPr>
@@ -955,13 +919,8 @@
             <a:ext cx="4572300" cy="3429000"/>
           </a:xfrm>
           <a:custGeom>
-            <a:avLst/>
-            <a:gdLst/>
-            <a:ahLst/>
-            <a:cxnLst/>
-            <a:rect l="0" t="0" r="0" b="0"/>
             <a:pathLst>
-              <a:path w="120000" h="120000" extrusionOk="0">
+              <a:path extrusionOk="0" h="120000" w="120000">
                 <a:moveTo>
                   <a:pt x="0" y="0"/>
                 </a:moveTo>
@@ -983,11 +942,9 @@
       <p:sp>
         <p:nvSpPr>
           <p:cNvPr id="75" name="Shape 75"/>
-          <p:cNvSpPr txBox="1">
-            <a:spLocks noGrp="1"/>
-          </p:cNvSpPr>
+          <p:cNvSpPr txBox="1"/>
           <p:nvPr>
-            <p:ph type="body" idx="1"/>
+            <p:ph idx="1" type="body"/>
           </p:nvPr>
         </p:nvSpPr>
         <p:spPr>
@@ -1000,12 +957,12 @@
           </a:prstGeom>
         </p:spPr>
         <p:txBody>
-          <a:bodyPr spcFirstLastPara="1" wrap="square" lIns="91425" tIns="91425" rIns="91425" bIns="91425" anchor="t" anchorCtr="0">
+          <a:bodyPr anchorCtr="0" anchor="t" bIns="91425" lIns="91425" spcFirstLastPara="1" rIns="91425" wrap="square" tIns="91425">
             <a:noAutofit/>
           </a:bodyPr>
           <a:lstStyle/>
           <a:p>
-            <a:pPr marL="0" lvl="0" indent="0" rtl="0">
+            <a:pPr indent="0" lvl="0" marL="0" rtl="0">
               <a:spcBef>
                 <a:spcPts val="0"/>
               </a:spcBef>
@@ -1031,11 +988,11 @@
 </file>
 
 <file path=ppt/notesSlides/notesSlide3.xml><?xml version="1.0" encoding="utf-8"?>
-<p:notes xmlns:a="http://schemas.openxmlformats.org/drawingml/2006/main" xmlns:r="http://schemas.openxmlformats.org/officeDocument/2006/relationships" xmlns:p="http://schemas.openxmlformats.org/presentationml/2006/main" showMasterSp="0" showMasterPhAnim="0">
+<p:notes xmlns:a="http://schemas.openxmlformats.org/drawingml/2006/main" xmlns:r="http://schemas.openxmlformats.org/officeDocument/2006/relationships" xmlns:mc="http://schemas.openxmlformats.org/markup-compatibility/2006" xmlns:mv="urn:schemas-microsoft-com:mac:vml" xmlns:p="http://schemas.openxmlformats.org/presentationml/2006/main" xmlns:c="http://schemas.openxmlformats.org/drawingml/2006/chart" xmlns:dgm="http://schemas.openxmlformats.org/drawingml/2006/diagram" xmlns:o="urn:schemas-microsoft-com:office:office" xmlns:v="urn:schemas-microsoft-com:vml" xmlns:pvml="urn:schemas-microsoft-com:office:powerpoint" xmlns:com="http://schemas.openxmlformats.org/drawingml/2006/compatibility" xmlns:p14="http://schemas.microsoft.com/office/powerpoint/2010/main" xmlns:p15="http://schemas.microsoft.com/office/powerpoint/2012/main" showMasterPhAnim="0" showMasterSp="0">
   <p:cSld>
     <p:spTree>
       <p:nvGrpSpPr>
-        <p:cNvPr id="1" name="Shape 86"/>
+        <p:cNvPr id="86" name="Shape 86"/>
         <p:cNvGrpSpPr/>
         <p:nvPr/>
       </p:nvGrpSpPr>
@@ -1050,26 +1007,19 @@
       <p:sp>
         <p:nvSpPr>
           <p:cNvPr id="87" name="Shape 87"/>
-          <p:cNvSpPr>
-            <a:spLocks noGrp="1" noRot="1" noChangeAspect="1"/>
-          </p:cNvSpPr>
+          <p:cNvSpPr/>
           <p:nvPr>
-            <p:ph type="sldImg" idx="2"/>
+            <p:ph idx="2" type="sldImg"/>
           </p:nvPr>
         </p:nvSpPr>
         <p:spPr>
           <a:xfrm>
-            <a:off x="1143000" y="685800"/>
-            <a:ext cx="4572000" cy="3429000"/>
+            <a:off x="1143225" y="685800"/>
+            <a:ext cx="4572300" cy="3429000"/>
           </a:xfrm>
           <a:custGeom>
-            <a:avLst/>
-            <a:gdLst/>
-            <a:ahLst/>
-            <a:cxnLst/>
-            <a:rect l="0" t="0" r="0" b="0"/>
             <a:pathLst>
-              <a:path w="120000" h="120000" extrusionOk="0">
+              <a:path extrusionOk="0" h="120000" w="120000">
                 <a:moveTo>
                   <a:pt x="0" y="0"/>
                 </a:moveTo>
@@ -1091,11 +1041,9 @@
       <p:sp>
         <p:nvSpPr>
           <p:cNvPr id="88" name="Shape 88"/>
-          <p:cNvSpPr txBox="1">
-            <a:spLocks noGrp="1"/>
-          </p:cNvSpPr>
+          <p:cNvSpPr txBox="1"/>
           <p:nvPr>
-            <p:ph type="body" idx="1"/>
+            <p:ph idx="1" type="body"/>
           </p:nvPr>
         </p:nvSpPr>
         <p:spPr>
@@ -1108,12 +1056,12 @@
           </a:prstGeom>
         </p:spPr>
         <p:txBody>
-          <a:bodyPr spcFirstLastPara="1" wrap="square" lIns="91425" tIns="91425" rIns="91425" bIns="91425" anchor="t" anchorCtr="0">
+          <a:bodyPr anchorCtr="0" anchor="t" bIns="91425" lIns="91425" spcFirstLastPara="1" rIns="91425" wrap="square" tIns="91425">
             <a:noAutofit/>
           </a:bodyPr>
           <a:lstStyle/>
           <a:p>
-            <a:pPr marL="0" lvl="0" indent="0">
+            <a:pPr indent="0" lvl="0" marL="0">
               <a:spcBef>
                 <a:spcPts val="0"/>
               </a:spcBef>
@@ -1124,24 +1072,35 @@
             </a:pPr>
             <a:r>
               <a:rPr lang="en"/>
-              <a:t>Avant de commencer la démo, on va juste préciser quelques détails à propos du fonctionnement de l’application. La personne qui perd l’objet est un “publisher”. On va mettre un “range" de 0 mètre sur sa position actuelle. Le problème qui peut se poser dans ce cas, c’est si ladite personne publie cette publication dans un lieu où elle n’a pas perdu l’objet, cela peut poser problème pour trouver des matches. Sa publication va durer 1 jour, ce qui reste raisonnable, car, par exemple, on trouve souvent des posts sur Facebook pour des chargeurs oublié dans une salle, l’heure qui suit la perte de l’objet à l’UNIL.</a:t>
+              <a:t>Avant de commencer la démo, on va juste préciser quelques détails à propos du fonctionnement de l’application. La personne qui perd l’objet est un “publisher”. On va mettre un “range</a:t>
+            </a:r>
+            <a:r>
+              <a:rPr lang="en"/>
+              <a:t>"</a:t>
+            </a:r>
+            <a:r>
+              <a:rPr lang="en"/>
+              <a:t> de 0 mètre sur sa position actuelle. Sa publication va durer 1 jour, ce qui reste raisonnable, car, par exemple, on trouve souvent des posts sur Facebook pour des chargeurs oublié dans une salle, l’heure qui suit la perte de l’objet à l’UNIL.</a:t>
             </a:r>
             <a:endParaRPr/>
           </a:p>
           <a:p>
-            <a:pPr marL="0" lvl="0" indent="0">
-              <a:spcBef>
-                <a:spcPts val="0"/>
-              </a:spcBef>
-              <a:spcAft>
-                <a:spcPts val="0"/>
-              </a:spcAft>
-              <a:buNone/>
-            </a:pPr>
+            <a:pPr indent="0" lvl="0" marL="0">
+              <a:spcBef>
+                <a:spcPts val="0"/>
+              </a:spcBef>
+              <a:spcAft>
+                <a:spcPts val="0"/>
+              </a:spcAft>
+              <a:buNone/>
+            </a:pPr>
+            <a:r>
+              <a:t/>
+            </a:r>
             <a:endParaRPr/>
           </a:p>
           <a:p>
-            <a:pPr marL="0" lvl="0" indent="0">
+            <a:pPr indent="0" lvl="0" marL="0">
               <a:spcBef>
                 <a:spcPts val="0"/>
               </a:spcBef>
@@ -1152,24 +1111,27 @@
             </a:pPr>
             <a:r>
               <a:rPr lang="en"/>
-              <a:t>Le “subscriber” est la personne qui trouve l’objet. C’est lui qui aura les matches et qui sera responsable de rendre l’objet, comme dans la vie réelle. Un problème qui peut se poser à l’état actuel, c’est d’identifier la personne qui a perdu l’objet. Mais c’est un problème qui sera probablement réglé lors de l’implémentation du backend. Sa portée sera de 3 km, ce qui couvre le campus. Il y a eu quelques soucis en mettant le durée de la souscription à 0, c’est pour ça que la souscription dure 1 heure.</a:t>
+              <a:t>Le “subscriber” est la personne qui trouve l’objet. C’est lui qui aura les matches et qui sera responsable de rendre l’objet, comme dans la vie réelle. Sa portée sera de 3 km, ce qui couvre le campus.</a:t>
             </a:r>
             <a:endParaRPr/>
           </a:p>
           <a:p>
-            <a:pPr marL="0" lvl="0" indent="0">
-              <a:spcBef>
-                <a:spcPts val="0"/>
-              </a:spcBef>
-              <a:spcAft>
-                <a:spcPts val="0"/>
-              </a:spcAft>
-              <a:buNone/>
-            </a:pPr>
+            <a:pPr indent="0" lvl="0" marL="0">
+              <a:spcBef>
+                <a:spcPts val="0"/>
+              </a:spcBef>
+              <a:spcAft>
+                <a:spcPts val="0"/>
+              </a:spcAft>
+              <a:buNone/>
+            </a:pPr>
+            <a:r>
+              <a:t/>
+            </a:r>
             <a:endParaRPr/>
           </a:p>
           <a:p>
-            <a:pPr marL="0" lvl="0" indent="0">
+            <a:pPr indent="0" lvl="0" marL="0">
               <a:spcBef>
                 <a:spcPts val="0"/>
               </a:spcBef>
@@ -1185,15 +1147,18 @@
             <a:endParaRPr/>
           </a:p>
           <a:p>
-            <a:pPr marL="0" lvl="0" indent="0" rtl="0">
-              <a:spcBef>
-                <a:spcPts val="0"/>
-              </a:spcBef>
-              <a:spcAft>
-                <a:spcPts val="0"/>
-              </a:spcAft>
-              <a:buNone/>
-            </a:pPr>
+            <a:pPr indent="0" lvl="0" marL="0" rtl="0">
+              <a:spcBef>
+                <a:spcPts val="0"/>
+              </a:spcBef>
+              <a:spcAft>
+                <a:spcPts val="0"/>
+              </a:spcAft>
+              <a:buNone/>
+            </a:pPr>
+            <a:r>
+              <a:t/>
+            </a:r>
             <a:endParaRPr/>
           </a:p>
         </p:txBody>
@@ -1207,11 +1172,11 @@
 </file>
 
 <file path=ppt/notesSlides/notesSlide4.xml><?xml version="1.0" encoding="utf-8"?>
-<p:notes xmlns:a="http://schemas.openxmlformats.org/drawingml/2006/main" xmlns:r="http://schemas.openxmlformats.org/officeDocument/2006/relationships" xmlns:p="http://schemas.openxmlformats.org/presentationml/2006/main" showMasterSp="0" showMasterPhAnim="0">
+<p:notes xmlns:a="http://schemas.openxmlformats.org/drawingml/2006/main" xmlns:r="http://schemas.openxmlformats.org/officeDocument/2006/relationships" xmlns:mc="http://schemas.openxmlformats.org/markup-compatibility/2006" xmlns:mv="urn:schemas-microsoft-com:mac:vml" xmlns:p="http://schemas.openxmlformats.org/presentationml/2006/main" xmlns:c="http://schemas.openxmlformats.org/drawingml/2006/chart" xmlns:dgm="http://schemas.openxmlformats.org/drawingml/2006/diagram" xmlns:o="urn:schemas-microsoft-com:office:office" xmlns:v="urn:schemas-microsoft-com:vml" xmlns:pvml="urn:schemas-microsoft-com:office:powerpoint" xmlns:com="http://schemas.openxmlformats.org/drawingml/2006/compatibility" xmlns:p14="http://schemas.microsoft.com/office/powerpoint/2010/main" xmlns:p15="http://schemas.microsoft.com/office/powerpoint/2012/main" showMasterPhAnim="0" showMasterSp="0">
   <p:cSld>
     <p:spTree>
       <p:nvGrpSpPr>
-        <p:cNvPr id="1" name="Shape 93"/>
+        <p:cNvPr id="93" name="Shape 93"/>
         <p:cNvGrpSpPr/>
         <p:nvPr/>
       </p:nvGrpSpPr>
@@ -1226,26 +1191,19 @@
       <p:sp>
         <p:nvSpPr>
           <p:cNvPr id="94" name="Shape 94"/>
-          <p:cNvSpPr>
-            <a:spLocks noGrp="1" noRot="1" noChangeAspect="1"/>
-          </p:cNvSpPr>
+          <p:cNvSpPr/>
           <p:nvPr>
-            <p:ph type="sldImg" idx="2"/>
+            <p:ph idx="2" type="sldImg"/>
           </p:nvPr>
         </p:nvSpPr>
         <p:spPr>
           <a:xfrm>
-            <a:off x="1143000" y="685800"/>
-            <a:ext cx="4572000" cy="3429000"/>
+            <a:off x="1143225" y="685800"/>
+            <a:ext cx="4572300" cy="3429000"/>
           </a:xfrm>
           <a:custGeom>
-            <a:avLst/>
-            <a:gdLst/>
-            <a:ahLst/>
-            <a:cxnLst/>
-            <a:rect l="0" t="0" r="0" b="0"/>
             <a:pathLst>
-              <a:path w="120000" h="120000" extrusionOk="0">
+              <a:path extrusionOk="0" h="120000" w="120000">
                 <a:moveTo>
                   <a:pt x="0" y="0"/>
                 </a:moveTo>
@@ -1267,11 +1225,9 @@
       <p:sp>
         <p:nvSpPr>
           <p:cNvPr id="95" name="Shape 95"/>
-          <p:cNvSpPr txBox="1">
-            <a:spLocks noGrp="1"/>
-          </p:cNvSpPr>
+          <p:cNvSpPr txBox="1"/>
           <p:nvPr>
-            <p:ph type="body" idx="1"/>
+            <p:ph idx="1" type="body"/>
           </p:nvPr>
         </p:nvSpPr>
         <p:spPr>
@@ -1284,12 +1240,12 @@
           </a:prstGeom>
         </p:spPr>
         <p:txBody>
-          <a:bodyPr spcFirstLastPara="1" wrap="square" lIns="91425" tIns="91425" rIns="91425" bIns="91425" anchor="t" anchorCtr="0">
+          <a:bodyPr anchorCtr="0" anchor="t" bIns="91425" lIns="91425" spcFirstLastPara="1" rIns="91425" wrap="square" tIns="91425">
             <a:noAutofit/>
           </a:bodyPr>
           <a:lstStyle/>
           <a:p>
-            <a:pPr marL="0" lvl="0" indent="0">
+            <a:pPr indent="0" lvl="0" marL="0">
               <a:spcBef>
                 <a:spcPts val="0"/>
               </a:spcBef>
@@ -1300,24 +1256,35 @@
             </a:pPr>
             <a:r>
               <a:rPr lang="en"/>
-              <a:t>Qu’est-ce qui a changé depuis la dernière fois ? Dans le front-end, pas grand chose n’a changé. On a juste ajouté une nouvelle fonctionnalité qui permet d’afficher l'adresse mail du propriétaire de l’objet quand on clique sur un match. On peut désormais créer un compte et on a aussi fini la page des paramètres où l’utilisateur peut modifier ses informations personnelles et ses identifiants.</a:t>
+              <a:t>Qu’est-ce qui a changé depuis la dernière fois ? Dans le front-end, pas grand chose n’a changé. On a juste ajouté une nouvelle fonctionnalité qui permet d’afficher </a:t>
+            </a:r>
+            <a:r>
+              <a:rPr lang="en"/>
+              <a:t>l'adresse</a:t>
+            </a:r>
+            <a:r>
+              <a:rPr lang="en"/>
+              <a:t> mail du propriétaire de l’objet quand on clique sur un match. On peut désormais créer un compte et on a aussi fini la page des paramètres où l’utilisateur peut modifier ses informations personnelles et ses identifiants.</a:t>
             </a:r>
             <a:endParaRPr/>
           </a:p>
           <a:p>
-            <a:pPr marL="0" lvl="0" indent="0">
-              <a:spcBef>
-                <a:spcPts val="0"/>
-              </a:spcBef>
-              <a:spcAft>
-                <a:spcPts val="0"/>
-              </a:spcAft>
-              <a:buNone/>
-            </a:pPr>
+            <a:pPr indent="0" lvl="0" marL="0">
+              <a:spcBef>
+                <a:spcPts val="0"/>
+              </a:spcBef>
+              <a:spcAft>
+                <a:spcPts val="0"/>
+              </a:spcAft>
+              <a:buNone/>
+            </a:pPr>
+            <a:r>
+              <a:t/>
+            </a:r>
             <a:endParaRPr/>
           </a:p>
           <a:p>
-            <a:pPr marL="0" lvl="0" indent="0" rtl="0">
+            <a:pPr indent="0" lvl="0" marL="0" rtl="0">
               <a:spcBef>
                 <a:spcPts val="0"/>
               </a:spcBef>
@@ -1343,11 +1310,11 @@
 </file>
 
 <file path=ppt/notesSlides/notesSlide5.xml><?xml version="1.0" encoding="utf-8"?>
-<p:notes xmlns:a="http://schemas.openxmlformats.org/drawingml/2006/main" xmlns:r="http://schemas.openxmlformats.org/officeDocument/2006/relationships" xmlns:p="http://schemas.openxmlformats.org/presentationml/2006/main" showMasterSp="0" showMasterPhAnim="0">
+<p:notes xmlns:a="http://schemas.openxmlformats.org/drawingml/2006/main" xmlns:r="http://schemas.openxmlformats.org/officeDocument/2006/relationships" xmlns:mc="http://schemas.openxmlformats.org/markup-compatibility/2006" xmlns:mv="urn:schemas-microsoft-com:mac:vml" xmlns:p="http://schemas.openxmlformats.org/presentationml/2006/main" xmlns:c="http://schemas.openxmlformats.org/drawingml/2006/chart" xmlns:dgm="http://schemas.openxmlformats.org/drawingml/2006/diagram" xmlns:o="urn:schemas-microsoft-com:office:office" xmlns:v="urn:schemas-microsoft-com:vml" xmlns:pvml="urn:schemas-microsoft-com:office:powerpoint" xmlns:com="http://schemas.openxmlformats.org/drawingml/2006/compatibility" xmlns:p14="http://schemas.microsoft.com/office/powerpoint/2010/main" xmlns:p15="http://schemas.microsoft.com/office/powerpoint/2012/main" showMasterPhAnim="0" showMasterSp="0">
   <p:cSld>
     <p:spTree>
       <p:nvGrpSpPr>
-        <p:cNvPr id="1" name="Shape 100"/>
+        <p:cNvPr id="100" name="Shape 100"/>
         <p:cNvGrpSpPr/>
         <p:nvPr/>
       </p:nvGrpSpPr>
@@ -1362,11 +1329,9 @@
       <p:sp>
         <p:nvSpPr>
           <p:cNvPr id="101" name="Shape 101"/>
-          <p:cNvSpPr>
-            <a:spLocks noGrp="1" noRot="1" noChangeAspect="1"/>
-          </p:cNvSpPr>
+          <p:cNvSpPr/>
           <p:nvPr>
-            <p:ph type="sldImg" idx="2"/>
+            <p:ph idx="2" type="sldImg"/>
           </p:nvPr>
         </p:nvSpPr>
         <p:spPr>
@@ -1375,13 +1340,8 @@
             <a:ext cx="4572300" cy="3429000"/>
           </a:xfrm>
           <a:custGeom>
-            <a:avLst/>
-            <a:gdLst/>
-            <a:ahLst/>
-            <a:cxnLst/>
-            <a:rect l="0" t="0" r="0" b="0"/>
             <a:pathLst>
-              <a:path w="120000" h="120000" extrusionOk="0">
+              <a:path extrusionOk="0" h="120000" w="120000">
                 <a:moveTo>
                   <a:pt x="0" y="0"/>
                 </a:moveTo>
@@ -1403,11 +1363,9 @@
       <p:sp>
         <p:nvSpPr>
           <p:cNvPr id="102" name="Shape 102"/>
-          <p:cNvSpPr txBox="1">
-            <a:spLocks noGrp="1"/>
-          </p:cNvSpPr>
+          <p:cNvSpPr txBox="1"/>
           <p:nvPr>
-            <p:ph type="body" idx="1"/>
+            <p:ph idx="1" type="body"/>
           </p:nvPr>
         </p:nvSpPr>
         <p:spPr>
@@ -1420,12 +1378,12 @@
           </a:prstGeom>
         </p:spPr>
         <p:txBody>
-          <a:bodyPr spcFirstLastPara="1" wrap="square" lIns="91425" tIns="91425" rIns="91425" bIns="91425" anchor="t" anchorCtr="0">
+          <a:bodyPr anchorCtr="0" anchor="t" bIns="91425" lIns="91425" spcFirstLastPara="1" rIns="91425" wrap="square" tIns="91425">
             <a:noAutofit/>
           </a:bodyPr>
           <a:lstStyle/>
           <a:p>
-            <a:pPr marL="0" lvl="0" indent="0">
+            <a:pPr indent="0" lvl="0" marL="0">
               <a:spcBef>
                 <a:spcPts val="0"/>
               </a:spcBef>
@@ -1451,11 +1409,11 @@
 </file>
 
 <file path=ppt/notesSlides/notesSlide6.xml><?xml version="1.0" encoding="utf-8"?>
-<p:notes xmlns:a="http://schemas.openxmlformats.org/drawingml/2006/main" xmlns:r="http://schemas.openxmlformats.org/officeDocument/2006/relationships" xmlns:p="http://schemas.openxmlformats.org/presentationml/2006/main" showMasterSp="0" showMasterPhAnim="0">
+<p:notes xmlns:a="http://schemas.openxmlformats.org/drawingml/2006/main" xmlns:r="http://schemas.openxmlformats.org/officeDocument/2006/relationships" xmlns:mc="http://schemas.openxmlformats.org/markup-compatibility/2006" xmlns:mv="urn:schemas-microsoft-com:mac:vml" xmlns:p="http://schemas.openxmlformats.org/presentationml/2006/main" xmlns:c="http://schemas.openxmlformats.org/drawingml/2006/chart" xmlns:dgm="http://schemas.openxmlformats.org/drawingml/2006/diagram" xmlns:o="urn:schemas-microsoft-com:office:office" xmlns:v="urn:schemas-microsoft-com:vml" xmlns:pvml="urn:schemas-microsoft-com:office:powerpoint" xmlns:com="http://schemas.openxmlformats.org/drawingml/2006/compatibility" xmlns:p14="http://schemas.microsoft.com/office/powerpoint/2010/main" xmlns:p15="http://schemas.microsoft.com/office/powerpoint/2012/main" showMasterPhAnim="0" showMasterSp="0">
   <p:cSld>
     <p:spTree>
       <p:nvGrpSpPr>
-        <p:cNvPr id="1" name="Shape 106"/>
+        <p:cNvPr id="106" name="Shape 106"/>
         <p:cNvGrpSpPr/>
         <p:nvPr/>
       </p:nvGrpSpPr>
@@ -1470,11 +1428,9 @@
       <p:sp>
         <p:nvSpPr>
           <p:cNvPr id="107" name="Shape 107"/>
-          <p:cNvSpPr>
-            <a:spLocks noGrp="1" noRot="1" noChangeAspect="1"/>
-          </p:cNvSpPr>
+          <p:cNvSpPr/>
           <p:nvPr>
-            <p:ph type="sldImg" idx="2"/>
+            <p:ph idx="2" type="sldImg"/>
           </p:nvPr>
         </p:nvSpPr>
         <p:spPr>
@@ -1483,13 +1439,8 @@
             <a:ext cx="4572300" cy="3429000"/>
           </a:xfrm>
           <a:custGeom>
-            <a:avLst/>
-            <a:gdLst/>
-            <a:ahLst/>
-            <a:cxnLst/>
-            <a:rect l="0" t="0" r="0" b="0"/>
             <a:pathLst>
-              <a:path w="120000" h="120000" extrusionOk="0">
+              <a:path extrusionOk="0" h="120000" w="120000">
                 <a:moveTo>
                   <a:pt x="0" y="0"/>
                 </a:moveTo>
@@ -1511,11 +1462,9 @@
       <p:sp>
         <p:nvSpPr>
           <p:cNvPr id="108" name="Shape 108"/>
-          <p:cNvSpPr txBox="1">
-            <a:spLocks noGrp="1"/>
-          </p:cNvSpPr>
+          <p:cNvSpPr txBox="1"/>
           <p:nvPr>
-            <p:ph type="body" idx="1"/>
+            <p:ph idx="1" type="body"/>
           </p:nvPr>
         </p:nvSpPr>
         <p:spPr>
@@ -1528,12 +1477,12 @@
           </a:prstGeom>
         </p:spPr>
         <p:txBody>
-          <a:bodyPr spcFirstLastPara="1" wrap="square" lIns="91425" tIns="91425" rIns="91425" bIns="91425" anchor="t" anchorCtr="0">
+          <a:bodyPr anchorCtr="0" anchor="t" bIns="91425" lIns="91425" spcFirstLastPara="1" rIns="91425" wrap="square" tIns="91425">
             <a:noAutofit/>
           </a:bodyPr>
           <a:lstStyle/>
           <a:p>
-            <a:pPr marL="0" lvl="0" indent="0">
+            <a:pPr indent="0" lvl="0" marL="0">
               <a:spcBef>
                 <a:spcPts val="0"/>
               </a:spcBef>
@@ -1551,24 +1500,27 @@
             </a:br>
             <a:r>
               <a:rPr lang="en"/>
-              <a:t>Du côté client, on a toujours un téléphone Android avec notre app dessus. On utilise pour l’instant 2 APIs: l’API de MatchMore pour les Match, et l’API de Google Maps pour la carte et notre localisation actuelle. Ces deux APIs utilisent leur propres serveurs pour les requêtes. </a:t>
+              <a:t>Du côté client, on a toujours un téléphone Android avec notre app dessus. On utilise 2 APIs: l’API de MatchMore pour les Match, et l’API de Google Maps pour la carte et notre localisation actuelle. Ces deux APIs utilisent leur propres serveurs pour les requêtes. </a:t>
             </a:r>
             <a:endParaRPr/>
           </a:p>
           <a:p>
-            <a:pPr marL="0" lvl="0" indent="0">
-              <a:spcBef>
-                <a:spcPts val="0"/>
-              </a:spcBef>
-              <a:spcAft>
-                <a:spcPts val="0"/>
-              </a:spcAft>
-              <a:buNone/>
-            </a:pPr>
+            <a:pPr indent="0" lvl="0" marL="0">
+              <a:spcBef>
+                <a:spcPts val="0"/>
+              </a:spcBef>
+              <a:spcAft>
+                <a:spcPts val="0"/>
+              </a:spcAft>
+              <a:buNone/>
+            </a:pPr>
+            <a:r>
+              <a:t/>
+            </a:r>
             <a:endParaRPr/>
           </a:p>
           <a:p>
-            <a:pPr marL="0" lvl="0" indent="0" rtl="0">
+            <a:pPr indent="0" lvl="0" marL="0" rtl="0">
               <a:spcBef>
                 <a:spcPts val="0"/>
               </a:spcBef>
@@ -1594,11 +1546,11 @@
 </file>
 
 <file path=ppt/notesSlides/notesSlide7.xml><?xml version="1.0" encoding="utf-8"?>
-<p:notes xmlns:a="http://schemas.openxmlformats.org/drawingml/2006/main" xmlns:r="http://schemas.openxmlformats.org/officeDocument/2006/relationships" xmlns:p="http://schemas.openxmlformats.org/presentationml/2006/main" showMasterSp="0" showMasterPhAnim="0">
+<p:notes xmlns:a="http://schemas.openxmlformats.org/drawingml/2006/main" xmlns:r="http://schemas.openxmlformats.org/officeDocument/2006/relationships" xmlns:mc="http://schemas.openxmlformats.org/markup-compatibility/2006" xmlns:mv="urn:schemas-microsoft-com:mac:vml" xmlns:p="http://schemas.openxmlformats.org/presentationml/2006/main" xmlns:c="http://schemas.openxmlformats.org/drawingml/2006/chart" xmlns:dgm="http://schemas.openxmlformats.org/drawingml/2006/diagram" xmlns:o="urn:schemas-microsoft-com:office:office" xmlns:v="urn:schemas-microsoft-com:vml" xmlns:pvml="urn:schemas-microsoft-com:office:powerpoint" xmlns:com="http://schemas.openxmlformats.org/drawingml/2006/compatibility" xmlns:p14="http://schemas.microsoft.com/office/powerpoint/2010/main" xmlns:p15="http://schemas.microsoft.com/office/powerpoint/2012/main" showMasterPhAnim="0" showMasterSp="0">
   <p:cSld>
     <p:spTree>
       <p:nvGrpSpPr>
-        <p:cNvPr id="1" name="Shape 114"/>
+        <p:cNvPr id="114" name="Shape 114"/>
         <p:cNvGrpSpPr/>
         <p:nvPr/>
       </p:nvGrpSpPr>
@@ -1613,26 +1565,19 @@
       <p:sp>
         <p:nvSpPr>
           <p:cNvPr id="115" name="Shape 115"/>
-          <p:cNvSpPr>
-            <a:spLocks noGrp="1" noRot="1" noChangeAspect="1"/>
-          </p:cNvSpPr>
+          <p:cNvSpPr/>
           <p:nvPr>
-            <p:ph type="sldImg" idx="2"/>
+            <p:ph idx="2" type="sldImg"/>
           </p:nvPr>
         </p:nvSpPr>
         <p:spPr>
           <a:xfrm>
-            <a:off x="1143000" y="685800"/>
-            <a:ext cx="4572000" cy="3429000"/>
+            <a:off x="1143225" y="685800"/>
+            <a:ext cx="4572300" cy="3429000"/>
           </a:xfrm>
           <a:custGeom>
-            <a:avLst/>
-            <a:gdLst/>
-            <a:ahLst/>
-            <a:cxnLst/>
-            <a:rect l="0" t="0" r="0" b="0"/>
             <a:pathLst>
-              <a:path w="120000" h="120000" extrusionOk="0">
+              <a:path extrusionOk="0" h="120000" w="120000">
                 <a:moveTo>
                   <a:pt x="0" y="0"/>
                 </a:moveTo>
@@ -1654,11 +1599,9 @@
       <p:sp>
         <p:nvSpPr>
           <p:cNvPr id="116" name="Shape 116"/>
-          <p:cNvSpPr txBox="1">
-            <a:spLocks noGrp="1"/>
-          </p:cNvSpPr>
+          <p:cNvSpPr txBox="1"/>
           <p:nvPr>
-            <p:ph type="body" idx="1"/>
+            <p:ph idx="1" type="body"/>
           </p:nvPr>
         </p:nvSpPr>
         <p:spPr>
@@ -1671,12 +1614,12 @@
           </a:prstGeom>
         </p:spPr>
         <p:txBody>
-          <a:bodyPr spcFirstLastPara="1" wrap="square" lIns="91425" tIns="91425" rIns="91425" bIns="91425" anchor="t" anchorCtr="0">
+          <a:bodyPr anchorCtr="0" anchor="t" bIns="91425" lIns="91425" spcFirstLastPara="1" rIns="91425" wrap="square" tIns="91425">
             <a:noAutofit/>
           </a:bodyPr>
           <a:lstStyle/>
           <a:p>
-            <a:pPr marL="457200" lvl="0" indent="-317500">
+            <a:pPr indent="-317500" lvl="0" marL="457200">
               <a:spcBef>
                 <a:spcPts val="0"/>
               </a:spcBef>
@@ -1693,7 +1636,7 @@
             <a:endParaRPr/>
           </a:p>
           <a:p>
-            <a:pPr marL="457200" lvl="0" indent="-317500">
+            <a:pPr indent="-317500" lvl="0" marL="457200">
               <a:spcBef>
                 <a:spcPts val="0"/>
               </a:spcBef>
@@ -1710,7 +1653,7 @@
             <a:endParaRPr/>
           </a:p>
           <a:p>
-            <a:pPr marL="457200" lvl="0" indent="-317500">
+            <a:pPr indent="-317500" lvl="0" marL="457200" rtl="0">
               <a:spcBef>
                 <a:spcPts val="0"/>
               </a:spcBef>
@@ -1722,20 +1665,8 @@
             </a:pPr>
             <a:r>
               <a:rPr lang="en"/>
-              <a:t>Nous utilisons l’API de Google Map pour montrer sur notre apllication une carte avec notre location, et afin de montrer où l’objet se trouve, nous utilisons l’API de MatchMore qui va demander au serveur MatchMore où ledit objet se trouve.</a:t>
+              <a:t>Nous utilisons l’API de Google Map pour montrer sur notre application une carte avec notre location, et afin de montrer où l’objet se trouve, nous utilisons l’API de MatchMore qui va demander au serveur MatchMore où ledit objet se trouve.</a:t>
             </a:r>
-            <a:endParaRPr/>
-          </a:p>
-          <a:p>
-            <a:pPr marL="0" lvl="0" indent="0">
-              <a:spcBef>
-                <a:spcPts val="0"/>
-              </a:spcBef>
-              <a:spcAft>
-                <a:spcPts val="0"/>
-              </a:spcAft>
-              <a:buNone/>
-            </a:pPr>
             <a:endParaRPr>
               <a:solidFill>
                 <a:schemeClr val="dk1"/>
@@ -1743,7 +1674,7 @@
             </a:endParaRPr>
           </a:p>
           <a:p>
-            <a:pPr marL="0" lvl="0" indent="0" rtl="0">
+            <a:pPr indent="-317500" lvl="0" marL="457200" rtl="0">
               <a:spcBef>
                 <a:spcPts val="0"/>
               </a:spcBef>
@@ -1753,9 +1684,8 @@
               <a:buClr>
                 <a:schemeClr val="dk1"/>
               </a:buClr>
-              <a:buSzPts val="1100"/>
-              <a:buFont typeface="Arial"/>
-              <a:buNone/>
+              <a:buSzPts val="1400"/>
+              <a:buChar char="-"/>
             </a:pPr>
             <a:r>
               <a:rPr lang="en">
@@ -1763,7 +1693,43 @@
                   <a:schemeClr val="dk1"/>
                 </a:solidFill>
               </a:rPr>
-              <a:t>Pour récupérer les données de notre base de données, on utilise un EJB et un Servlet. Pour ajouter de nouvelles données ou modifier des données existantes, on utilise en plus un Java Server Pages qui contient un formulaire qui est rempli automatiquement du côté client. Notre serveur se charge d’exécuter le formulaire et de faire les changements nécessaires dans la base de données.</a:t>
+              <a:t>P</a:t>
+            </a:r>
+            <a:r>
+              <a:rPr lang="en">
+                <a:solidFill>
+                  <a:schemeClr val="dk1"/>
+                </a:solidFill>
+              </a:rPr>
+              <a:t>our récupérer les données de notre base de données, on utilise un EJB et un Servlet. </a:t>
+            </a:r>
+            <a:endParaRPr>
+              <a:solidFill>
+                <a:schemeClr val="dk1"/>
+              </a:solidFill>
+            </a:endParaRPr>
+          </a:p>
+          <a:p>
+            <a:pPr indent="-317500" lvl="0" marL="457200" rtl="0">
+              <a:spcBef>
+                <a:spcPts val="0"/>
+              </a:spcBef>
+              <a:spcAft>
+                <a:spcPts val="0"/>
+              </a:spcAft>
+              <a:buClr>
+                <a:schemeClr val="dk1"/>
+              </a:buClr>
+              <a:buSzPts val="1400"/>
+              <a:buChar char="-"/>
+            </a:pPr>
+            <a:r>
+              <a:rPr lang="en">
+                <a:solidFill>
+                  <a:schemeClr val="dk1"/>
+                </a:solidFill>
+              </a:rPr>
+              <a:t>Pour ajouter de nouvelles données ou modifier des données existantes, on utilise en plus un Java Server Page (JSP) qui contient un formulaire. Les données du formulaire se retrouvent dans l’adresse http lors de l’envoi du formulaire, et les informations sont remplis du côté client. Notre serveur se charge d’exécuter le formulaire et de faire les changements nécessaires dans la base de données.</a:t>
             </a:r>
             <a:endParaRPr/>
           </a:p>
@@ -1778,11 +1744,11 @@
 </file>
 
 <file path=ppt/notesSlides/notesSlide8.xml><?xml version="1.0" encoding="utf-8"?>
-<p:notes xmlns:a="http://schemas.openxmlformats.org/drawingml/2006/main" xmlns:r="http://schemas.openxmlformats.org/officeDocument/2006/relationships" xmlns:p="http://schemas.openxmlformats.org/presentationml/2006/main" showMasterSp="0" showMasterPhAnim="0">
+<p:notes xmlns:a="http://schemas.openxmlformats.org/drawingml/2006/main" xmlns:r="http://schemas.openxmlformats.org/officeDocument/2006/relationships" xmlns:mc="http://schemas.openxmlformats.org/markup-compatibility/2006" xmlns:mv="urn:schemas-microsoft-com:mac:vml" xmlns:p="http://schemas.openxmlformats.org/presentationml/2006/main" xmlns:c="http://schemas.openxmlformats.org/drawingml/2006/chart" xmlns:dgm="http://schemas.openxmlformats.org/drawingml/2006/diagram" xmlns:o="urn:schemas-microsoft-com:office:office" xmlns:v="urn:schemas-microsoft-com:vml" xmlns:pvml="urn:schemas-microsoft-com:office:powerpoint" xmlns:com="http://schemas.openxmlformats.org/drawingml/2006/compatibility" xmlns:p14="http://schemas.microsoft.com/office/powerpoint/2010/main" xmlns:p15="http://schemas.microsoft.com/office/powerpoint/2012/main" showMasterPhAnim="0" showMasterSp="0">
   <p:cSld>
     <p:spTree>
       <p:nvGrpSpPr>
-        <p:cNvPr id="1" name="Shape 121"/>
+        <p:cNvPr id="121" name="Shape 121"/>
         <p:cNvGrpSpPr/>
         <p:nvPr/>
       </p:nvGrpSpPr>
@@ -1797,11 +1763,9 @@
       <p:sp>
         <p:nvSpPr>
           <p:cNvPr id="122" name="Shape 122"/>
-          <p:cNvSpPr>
-            <a:spLocks noGrp="1" noRot="1" noChangeAspect="1"/>
-          </p:cNvSpPr>
+          <p:cNvSpPr/>
           <p:nvPr>
-            <p:ph type="sldImg" idx="2"/>
+            <p:ph idx="2" type="sldImg"/>
           </p:nvPr>
         </p:nvSpPr>
         <p:spPr>
@@ -1810,13 +1774,8 @@
             <a:ext cx="4572300" cy="3429000"/>
           </a:xfrm>
           <a:custGeom>
-            <a:avLst/>
-            <a:gdLst/>
-            <a:ahLst/>
-            <a:cxnLst/>
-            <a:rect l="0" t="0" r="0" b="0"/>
             <a:pathLst>
-              <a:path w="120000" h="120000" extrusionOk="0">
+              <a:path extrusionOk="0" h="120000" w="120000">
                 <a:moveTo>
                   <a:pt x="0" y="0"/>
                 </a:moveTo>
@@ -1838,11 +1797,9 @@
       <p:sp>
         <p:nvSpPr>
           <p:cNvPr id="123" name="Shape 123"/>
-          <p:cNvSpPr txBox="1">
-            <a:spLocks noGrp="1"/>
-          </p:cNvSpPr>
+          <p:cNvSpPr txBox="1"/>
           <p:nvPr>
-            <p:ph type="body" idx="1"/>
+            <p:ph idx="1" type="body"/>
           </p:nvPr>
         </p:nvSpPr>
         <p:spPr>
@@ -1855,12 +1812,12 @@
           </a:prstGeom>
         </p:spPr>
         <p:txBody>
-          <a:bodyPr spcFirstLastPara="1" wrap="square" lIns="91425" tIns="91425" rIns="91425" bIns="91425" anchor="t" anchorCtr="0">
+          <a:bodyPr anchorCtr="0" anchor="t" bIns="91425" lIns="91425" spcFirstLastPara="1" rIns="91425" wrap="square" tIns="91425">
             <a:noAutofit/>
           </a:bodyPr>
           <a:lstStyle/>
           <a:p>
-            <a:pPr marL="0" lvl="0" indent="0" rtl="0">
+            <a:pPr indent="0" lvl="0" marL="0" rtl="0">
               <a:spcBef>
                 <a:spcPts val="0"/>
               </a:spcBef>
@@ -1886,11 +1843,11 @@
 </file>
 
 <file path=ppt/notesSlides/notesSlide9.xml><?xml version="1.0" encoding="utf-8"?>
-<p:notes xmlns:a="http://schemas.openxmlformats.org/drawingml/2006/main" xmlns:r="http://schemas.openxmlformats.org/officeDocument/2006/relationships" xmlns:p="http://schemas.openxmlformats.org/presentationml/2006/main" showMasterSp="0" showMasterPhAnim="0">
+<p:notes xmlns:a="http://schemas.openxmlformats.org/drawingml/2006/main" xmlns:r="http://schemas.openxmlformats.org/officeDocument/2006/relationships" xmlns:mc="http://schemas.openxmlformats.org/markup-compatibility/2006" xmlns:mv="urn:schemas-microsoft-com:mac:vml" xmlns:p="http://schemas.openxmlformats.org/presentationml/2006/main" xmlns:c="http://schemas.openxmlformats.org/drawingml/2006/chart" xmlns:dgm="http://schemas.openxmlformats.org/drawingml/2006/diagram" xmlns:o="urn:schemas-microsoft-com:office:office" xmlns:v="urn:schemas-microsoft-com:vml" xmlns:pvml="urn:schemas-microsoft-com:office:powerpoint" xmlns:com="http://schemas.openxmlformats.org/drawingml/2006/compatibility" xmlns:p14="http://schemas.microsoft.com/office/powerpoint/2010/main" xmlns:p15="http://schemas.microsoft.com/office/powerpoint/2012/main" showMasterPhAnim="0" showMasterSp="0">
   <p:cSld>
     <p:spTree>
       <p:nvGrpSpPr>
-        <p:cNvPr id="1" name="Shape 140"/>
+        <p:cNvPr id="143" name="Shape 143"/>
         <p:cNvGrpSpPr/>
         <p:nvPr/>
       </p:nvGrpSpPr>
@@ -1904,12 +1861,10 @@
       </p:grpSpPr>
       <p:sp>
         <p:nvSpPr>
-          <p:cNvPr id="141" name="Shape 141"/>
-          <p:cNvSpPr>
-            <a:spLocks noGrp="1" noRot="1" noChangeAspect="1"/>
-          </p:cNvSpPr>
+          <p:cNvPr id="144" name="Shape 144"/>
+          <p:cNvSpPr/>
           <p:nvPr>
-            <p:ph type="sldImg" idx="2"/>
+            <p:ph idx="2" type="sldImg"/>
           </p:nvPr>
         </p:nvSpPr>
         <p:spPr>
@@ -1918,13 +1873,8 @@
             <a:ext cx="4572300" cy="3429000"/>
           </a:xfrm>
           <a:custGeom>
-            <a:avLst/>
-            <a:gdLst/>
-            <a:ahLst/>
-            <a:cxnLst/>
-            <a:rect l="0" t="0" r="0" b="0"/>
             <a:pathLst>
-              <a:path w="120000" h="120000" extrusionOk="0">
+              <a:path extrusionOk="0" h="120000" w="120000">
                 <a:moveTo>
                   <a:pt x="0" y="0"/>
                 </a:moveTo>
@@ -1945,12 +1895,10 @@
       </p:sp>
       <p:sp>
         <p:nvSpPr>
-          <p:cNvPr id="142" name="Shape 142"/>
-          <p:cNvSpPr txBox="1">
-            <a:spLocks noGrp="1"/>
-          </p:cNvSpPr>
+          <p:cNvPr id="145" name="Shape 145"/>
+          <p:cNvSpPr txBox="1"/>
           <p:nvPr>
-            <p:ph type="body" idx="1"/>
+            <p:ph idx="1" type="body"/>
           </p:nvPr>
         </p:nvSpPr>
         <p:spPr>
@@ -1963,12 +1911,12 @@
           </a:prstGeom>
         </p:spPr>
         <p:txBody>
-          <a:bodyPr spcFirstLastPara="1" wrap="square" lIns="91425" tIns="91425" rIns="91425" bIns="91425" anchor="t" anchorCtr="0">
+          <a:bodyPr anchorCtr="0" anchor="t" bIns="91425" lIns="91425" spcFirstLastPara="1" rIns="91425" wrap="square" tIns="91425">
             <a:noAutofit/>
           </a:bodyPr>
           <a:lstStyle/>
           <a:p>
-            <a:pPr marL="0" lvl="0" indent="0" rtl="0">
+            <a:pPr indent="0" lvl="0" marL="0" rtl="0">
               <a:spcBef>
                 <a:spcPts val="0"/>
               </a:spcBef>
@@ -1979,7 +1927,7 @@
             </a:pPr>
             <a:r>
               <a:rPr lang="en"/>
-              <a:t>Maintenant que tout fonctionne, qu’est-ce qu’on peut faire pour aller plus loin ? L’ajout de notification via firebase par exemple, et la possibilité d’ajouter une photo quand on créé une notice. On peut aussi considérer l’éventualité d’ajouter un système de messagerie instantané dans l’application pour faciliter les rendez-vous.</a:t>
+              <a:t>Maintenant que tout fonctionne, qu’est-ce qu’on peut faire pour aller plus loin ? On pourrait ajouter plus de catégories comme le font les CFF, on pourrait ajouter laisser la possibilité à l’utilisateur de personnaliser la durée de sa publication/souscription par exemple. On devrait ajouter des notifications lors des matches (pour les publishers ET subscribers) grâce à firebase par exemple, et la possibilité d’ajouter une photo quand on créé une notice. On peut aussi considérer l’éventualité d’ajouter un système de messagerie instantané dans l’application pour faciliter les rendez-vous ou s’assurer que l’objet trouvé est le bon.</a:t>
             </a:r>
             <a:endParaRPr/>
           </a:p>
@@ -1994,7 +1942,7 @@
 </file>
 
 <file path=ppt/slideLayouts/slideLayout1.xml><?xml version="1.0" encoding="utf-8"?>
-<p:sldLayout xmlns:a="http://schemas.openxmlformats.org/drawingml/2006/main" xmlns:r="http://schemas.openxmlformats.org/officeDocument/2006/relationships" xmlns:p="http://schemas.openxmlformats.org/presentationml/2006/main" matchingName="Title" type="title">
+<p:sldLayout xmlns:a="http://schemas.openxmlformats.org/drawingml/2006/main" xmlns:r="http://schemas.openxmlformats.org/officeDocument/2006/relationships" xmlns:mc="http://schemas.openxmlformats.org/markup-compatibility/2006" xmlns:mv="urn:schemas-microsoft-com:mac:vml" xmlns:p="http://schemas.openxmlformats.org/presentationml/2006/main" xmlns:c="http://schemas.openxmlformats.org/drawingml/2006/chart" xmlns:dgm="http://schemas.openxmlformats.org/drawingml/2006/diagram" xmlns:o="urn:schemas-microsoft-com:office:office" xmlns:v="urn:schemas-microsoft-com:vml" xmlns:pvml="urn:schemas-microsoft-com:office:powerpoint" xmlns:com="http://schemas.openxmlformats.org/drawingml/2006/compatibility" xmlns:p14="http://schemas.microsoft.com/office/powerpoint/2010/main" xmlns:p15="http://schemas.microsoft.com/office/powerpoint/2012/main" matchingName="Title" type="title">
   <p:cSld name="TITLE">
     <p:bg>
       <p:bgPr>
@@ -2006,12 +1954,11 @@
             <a:fillRect/>
           </a:stretch>
         </a:blipFill>
-        <a:effectLst/>
       </p:bgPr>
     </p:bg>
     <p:spTree>
       <p:nvGrpSpPr>
-        <p:cNvPr id="1" name="Shape 9"/>
+        <p:cNvPr id="9" name="Shape 9"/>
         <p:cNvGrpSpPr/>
         <p:nvPr/>
       </p:nvGrpSpPr>
@@ -2026,9 +1973,7 @@
       <p:sp>
         <p:nvSpPr>
           <p:cNvPr id="10" name="Shape 10"/>
-          <p:cNvSpPr txBox="1">
-            <a:spLocks noGrp="1"/>
-          </p:cNvSpPr>
+          <p:cNvSpPr txBox="1"/>
           <p:nvPr>
             <p:ph type="ctrTitle"/>
           </p:nvPr>
@@ -2043,7 +1988,7 @@
           </a:prstGeom>
         </p:spPr>
         <p:txBody>
-          <a:bodyPr spcFirstLastPara="1" wrap="square" lIns="91425" tIns="91425" rIns="91425" bIns="91425" anchor="t" anchorCtr="0"/>
+          <a:bodyPr anchorCtr="0" anchor="t" bIns="91425" lIns="91425" spcFirstLastPara="1" rIns="91425" wrap="square" tIns="91425"/>
           <a:lstStyle>
             <a:lvl1pPr lvl="0">
               <a:spcBef>
@@ -2057,7 +2002,7 @@
               </a:buClr>
               <a:buSzPts val="6000"/>
               <a:buNone/>
-              <a:defRPr sz="6000" b="1">
+              <a:defRPr b="1" sz="6000">
                 <a:solidFill>
                   <a:srgbClr val="0091EA"/>
                 </a:solidFill>
@@ -2075,7 +2020,7 @@
               </a:buClr>
               <a:buSzPts val="6000"/>
               <a:buNone/>
-              <a:defRPr sz="6000" b="1">
+              <a:defRPr b="1" sz="6000">
                 <a:solidFill>
                   <a:srgbClr val="0091EA"/>
                 </a:solidFill>
@@ -2093,7 +2038,7 @@
               </a:buClr>
               <a:buSzPts val="6000"/>
               <a:buNone/>
-              <a:defRPr sz="6000" b="1">
+              <a:defRPr b="1" sz="6000">
                 <a:solidFill>
                   <a:srgbClr val="0091EA"/>
                 </a:solidFill>
@@ -2111,7 +2056,7 @@
               </a:buClr>
               <a:buSzPts val="6000"/>
               <a:buNone/>
-              <a:defRPr sz="6000" b="1">
+              <a:defRPr b="1" sz="6000">
                 <a:solidFill>
                   <a:srgbClr val="0091EA"/>
                 </a:solidFill>
@@ -2129,7 +2074,7 @@
               </a:buClr>
               <a:buSzPts val="6000"/>
               <a:buNone/>
-              <a:defRPr sz="6000" b="1">
+              <a:defRPr b="1" sz="6000">
                 <a:solidFill>
                   <a:srgbClr val="0091EA"/>
                 </a:solidFill>
@@ -2147,7 +2092,7 @@
               </a:buClr>
               <a:buSzPts val="6000"/>
               <a:buNone/>
-              <a:defRPr sz="6000" b="1">
+              <a:defRPr b="1" sz="6000">
                 <a:solidFill>
                   <a:srgbClr val="0091EA"/>
                 </a:solidFill>
@@ -2165,7 +2110,7 @@
               </a:buClr>
               <a:buSzPts val="6000"/>
               <a:buNone/>
-              <a:defRPr sz="6000" b="1">
+              <a:defRPr b="1" sz="6000">
                 <a:solidFill>
                   <a:srgbClr val="0091EA"/>
                 </a:solidFill>
@@ -2183,7 +2128,7 @@
               </a:buClr>
               <a:buSzPts val="6000"/>
               <a:buNone/>
-              <a:defRPr sz="6000" b="1">
+              <a:defRPr b="1" sz="6000">
                 <a:solidFill>
                   <a:srgbClr val="0091EA"/>
                 </a:solidFill>
@@ -2201,16 +2146,14 @@
               </a:buClr>
               <a:buSzPts val="6000"/>
               <a:buNone/>
-              <a:defRPr sz="6000" b="1">
+              <a:defRPr b="1" sz="6000">
                 <a:solidFill>
                   <a:srgbClr val="0091EA"/>
                 </a:solidFill>
               </a:defRPr>
             </a:lvl9pPr>
           </a:lstStyle>
-          <a:p>
-            <a:endParaRPr/>
-          </a:p>
+          <a:p/>
         </p:txBody>
       </p:sp>
       <p:sp>
@@ -2235,20 +2178,23 @@
           </a:ln>
         </p:spPr>
         <p:txBody>
-          <a:bodyPr spcFirstLastPara="1" wrap="square" lIns="91425" tIns="91425" rIns="91425" bIns="91425" anchor="ctr" anchorCtr="0">
+          <a:bodyPr anchorCtr="0" anchor="ctr" bIns="91425" lIns="91425" spcFirstLastPara="1" rIns="91425" wrap="square" tIns="91425">
             <a:noAutofit/>
           </a:bodyPr>
           <a:lstStyle/>
           <a:p>
-            <a:pPr marL="0" lvl="0" indent="0">
-              <a:spcBef>
-                <a:spcPts val="0"/>
-              </a:spcBef>
-              <a:spcAft>
-                <a:spcPts val="0"/>
-              </a:spcAft>
-              <a:buNone/>
-            </a:pPr>
+            <a:pPr indent="0" lvl="0" marL="0">
+              <a:spcBef>
+                <a:spcPts val="0"/>
+              </a:spcBef>
+              <a:spcAft>
+                <a:spcPts val="0"/>
+              </a:spcAft>
+              <a:buNone/>
+            </a:pPr>
+            <a:r>
+              <a:t/>
+            </a:r>
             <a:endParaRPr/>
           </a:p>
         </p:txBody>
@@ -2275,20 +2221,23 @@
           </a:ln>
         </p:spPr>
         <p:txBody>
-          <a:bodyPr spcFirstLastPara="1" wrap="square" lIns="91425" tIns="91425" rIns="91425" bIns="91425" anchor="ctr" anchorCtr="0">
+          <a:bodyPr anchorCtr="0" anchor="ctr" bIns="91425" lIns="91425" spcFirstLastPara="1" rIns="91425" wrap="square" tIns="91425">
             <a:noAutofit/>
           </a:bodyPr>
           <a:lstStyle/>
           <a:p>
-            <a:pPr marL="0" lvl="0" indent="0">
-              <a:spcBef>
-                <a:spcPts val="0"/>
-              </a:spcBef>
-              <a:spcAft>
-                <a:spcPts val="0"/>
-              </a:spcAft>
-              <a:buNone/>
-            </a:pPr>
+            <a:pPr indent="0" lvl="0" marL="0">
+              <a:spcBef>
+                <a:spcPts val="0"/>
+              </a:spcBef>
+              <a:spcAft>
+                <a:spcPts val="0"/>
+              </a:spcAft>
+              <a:buNone/>
+            </a:pPr>
+            <a:r>
+              <a:t/>
+            </a:r>
             <a:endParaRPr/>
           </a:p>
         </p:txBody>
@@ -2315,20 +2264,23 @@
           </a:ln>
         </p:spPr>
         <p:txBody>
-          <a:bodyPr spcFirstLastPara="1" wrap="square" lIns="91425" tIns="91425" rIns="91425" bIns="91425" anchor="ctr" anchorCtr="0">
+          <a:bodyPr anchorCtr="0" anchor="ctr" bIns="91425" lIns="91425" spcFirstLastPara="1" rIns="91425" wrap="square" tIns="91425">
             <a:noAutofit/>
           </a:bodyPr>
           <a:lstStyle/>
           <a:p>
-            <a:pPr marL="0" lvl="0" indent="0">
-              <a:spcBef>
-                <a:spcPts val="0"/>
-              </a:spcBef>
-              <a:spcAft>
-                <a:spcPts val="0"/>
-              </a:spcAft>
-              <a:buNone/>
-            </a:pPr>
+            <a:pPr indent="0" lvl="0" marL="0">
+              <a:spcBef>
+                <a:spcPts val="0"/>
+              </a:spcBef>
+              <a:spcAft>
+                <a:spcPts val="0"/>
+              </a:spcAft>
+              <a:buNone/>
+            </a:pPr>
+            <a:r>
+              <a:t/>
+            </a:r>
             <a:endParaRPr/>
           </a:p>
         </p:txBody>
@@ -2355,20 +2307,23 @@
           </a:ln>
         </p:spPr>
         <p:txBody>
-          <a:bodyPr spcFirstLastPara="1" wrap="square" lIns="91425" tIns="91425" rIns="91425" bIns="91425" anchor="ctr" anchorCtr="0">
+          <a:bodyPr anchorCtr="0" anchor="ctr" bIns="91425" lIns="91425" spcFirstLastPara="1" rIns="91425" wrap="square" tIns="91425">
             <a:noAutofit/>
           </a:bodyPr>
           <a:lstStyle/>
           <a:p>
-            <a:pPr marL="0" lvl="0" indent="0">
-              <a:spcBef>
-                <a:spcPts val="0"/>
-              </a:spcBef>
-              <a:spcAft>
-                <a:spcPts val="0"/>
-              </a:spcAft>
-              <a:buNone/>
-            </a:pPr>
+            <a:pPr indent="0" lvl="0" marL="0">
+              <a:spcBef>
+                <a:spcPts val="0"/>
+              </a:spcBef>
+              <a:spcAft>
+                <a:spcPts val="0"/>
+              </a:spcAft>
+              <a:buNone/>
+            </a:pPr>
+            <a:r>
+              <a:t/>
+            </a:r>
             <a:endParaRPr/>
           </a:p>
         </p:txBody>
@@ -2395,20 +2350,23 @@
           </a:ln>
         </p:spPr>
         <p:txBody>
-          <a:bodyPr spcFirstLastPara="1" wrap="square" lIns="91425" tIns="91425" rIns="91425" bIns="91425" anchor="ctr" anchorCtr="0">
+          <a:bodyPr anchorCtr="0" anchor="ctr" bIns="91425" lIns="91425" spcFirstLastPara="1" rIns="91425" wrap="square" tIns="91425">
             <a:noAutofit/>
           </a:bodyPr>
           <a:lstStyle/>
           <a:p>
-            <a:pPr marL="0" lvl="0" indent="0">
-              <a:spcBef>
-                <a:spcPts val="0"/>
-              </a:spcBef>
-              <a:spcAft>
-                <a:spcPts val="0"/>
-              </a:spcAft>
-              <a:buNone/>
-            </a:pPr>
+            <a:pPr indent="0" lvl="0" marL="0">
+              <a:spcBef>
+                <a:spcPts val="0"/>
+              </a:spcBef>
+              <a:spcAft>
+                <a:spcPts val="0"/>
+              </a:spcAft>
+              <a:buNone/>
+            </a:pPr>
+            <a:r>
+              <a:t/>
+            </a:r>
             <a:endParaRPr/>
           </a:p>
         </p:txBody>
@@ -2435,20 +2393,23 @@
           </a:ln>
         </p:spPr>
         <p:txBody>
-          <a:bodyPr spcFirstLastPara="1" wrap="square" lIns="91425" tIns="91425" rIns="91425" bIns="91425" anchor="ctr" anchorCtr="0">
+          <a:bodyPr anchorCtr="0" anchor="ctr" bIns="91425" lIns="91425" spcFirstLastPara="1" rIns="91425" wrap="square" tIns="91425">
             <a:noAutofit/>
           </a:bodyPr>
           <a:lstStyle/>
           <a:p>
-            <a:pPr marL="0" lvl="0" indent="0">
-              <a:spcBef>
-                <a:spcPts val="0"/>
-              </a:spcBef>
-              <a:spcAft>
-                <a:spcPts val="0"/>
-              </a:spcAft>
-              <a:buNone/>
-            </a:pPr>
+            <a:pPr indent="0" lvl="0" marL="0">
+              <a:spcBef>
+                <a:spcPts val="0"/>
+              </a:spcBef>
+              <a:spcAft>
+                <a:spcPts val="0"/>
+              </a:spcAft>
+              <a:buNone/>
+            </a:pPr>
+            <a:r>
+              <a:t/>
+            </a:r>
             <a:endParaRPr/>
           </a:p>
         </p:txBody>
@@ -2475,20 +2436,23 @@
           </a:ln>
         </p:spPr>
         <p:txBody>
-          <a:bodyPr spcFirstLastPara="1" wrap="square" lIns="91425" tIns="91425" rIns="91425" bIns="91425" anchor="ctr" anchorCtr="0">
+          <a:bodyPr anchorCtr="0" anchor="ctr" bIns="91425" lIns="91425" spcFirstLastPara="1" rIns="91425" wrap="square" tIns="91425">
             <a:noAutofit/>
           </a:bodyPr>
           <a:lstStyle/>
           <a:p>
-            <a:pPr marL="0" lvl="0" indent="0">
-              <a:spcBef>
-                <a:spcPts val="0"/>
-              </a:spcBef>
-              <a:spcAft>
-                <a:spcPts val="0"/>
-              </a:spcAft>
-              <a:buNone/>
-            </a:pPr>
+            <a:pPr indent="0" lvl="0" marL="0">
+              <a:spcBef>
+                <a:spcPts val="0"/>
+              </a:spcBef>
+              <a:spcAft>
+                <a:spcPts val="0"/>
+              </a:spcAft>
+              <a:buNone/>
+            </a:pPr>
+            <a:r>
+              <a:t/>
+            </a:r>
             <a:endParaRPr/>
           </a:p>
         </p:txBody>
@@ -2508,31 +2472,34 @@
             <a:avLst/>
           </a:prstGeom>
           <a:noFill/>
-          <a:ln w="19050" cap="flat" cmpd="sng">
+          <a:ln cap="flat" cmpd="sng" w="19050">
             <a:solidFill>
               <a:srgbClr val="0091EA"/>
             </a:solidFill>
             <a:prstDash val="solid"/>
             <a:round/>
-            <a:headEnd type="none" w="sm" len="sm"/>
-            <a:tailEnd type="none" w="sm" len="sm"/>
+            <a:headEnd len="sm" w="sm" type="none"/>
+            <a:tailEnd len="sm" w="sm" type="none"/>
           </a:ln>
         </p:spPr>
         <p:txBody>
-          <a:bodyPr spcFirstLastPara="1" wrap="square" lIns="91425" tIns="91425" rIns="91425" bIns="91425" anchor="ctr" anchorCtr="0">
+          <a:bodyPr anchorCtr="0" anchor="ctr" bIns="91425" lIns="91425" spcFirstLastPara="1" rIns="91425" wrap="square" tIns="91425">
             <a:noAutofit/>
           </a:bodyPr>
           <a:lstStyle/>
           <a:p>
-            <a:pPr marL="0" lvl="0" indent="0">
-              <a:spcBef>
-                <a:spcPts val="0"/>
-              </a:spcBef>
-              <a:spcAft>
-                <a:spcPts val="0"/>
-              </a:spcAft>
-              <a:buNone/>
-            </a:pPr>
+            <a:pPr indent="0" lvl="0" marL="0">
+              <a:spcBef>
+                <a:spcPts val="0"/>
+              </a:spcBef>
+              <a:spcAft>
+                <a:spcPts val="0"/>
+              </a:spcAft>
+              <a:buNone/>
+            </a:pPr>
+            <a:r>
+              <a:t/>
+            </a:r>
             <a:endParaRPr/>
           </a:p>
         </p:txBody>
@@ -2552,31 +2519,34 @@
             <a:avLst/>
           </a:prstGeom>
           <a:noFill/>
-          <a:ln w="19050" cap="flat" cmpd="sng">
+          <a:ln cap="flat" cmpd="sng" w="19050">
             <a:solidFill>
               <a:srgbClr val="0091EA"/>
             </a:solidFill>
             <a:prstDash val="solid"/>
             <a:round/>
-            <a:headEnd type="none" w="sm" len="sm"/>
-            <a:tailEnd type="none" w="sm" len="sm"/>
+            <a:headEnd len="sm" w="sm" type="none"/>
+            <a:tailEnd len="sm" w="sm" type="none"/>
           </a:ln>
         </p:spPr>
         <p:txBody>
-          <a:bodyPr spcFirstLastPara="1" wrap="square" lIns="91425" tIns="91425" rIns="91425" bIns="91425" anchor="ctr" anchorCtr="0">
+          <a:bodyPr anchorCtr="0" anchor="ctr" bIns="91425" lIns="91425" spcFirstLastPara="1" rIns="91425" wrap="square" tIns="91425">
             <a:noAutofit/>
           </a:bodyPr>
           <a:lstStyle/>
           <a:p>
-            <a:pPr marL="0" lvl="0" indent="0">
-              <a:spcBef>
-                <a:spcPts val="0"/>
-              </a:spcBef>
-              <a:spcAft>
-                <a:spcPts val="0"/>
-              </a:spcAft>
-              <a:buNone/>
-            </a:pPr>
+            <a:pPr indent="0" lvl="0" marL="0">
+              <a:spcBef>
+                <a:spcPts val="0"/>
+              </a:spcBef>
+              <a:spcAft>
+                <a:spcPts val="0"/>
+              </a:spcAft>
+              <a:buNone/>
+            </a:pPr>
+            <a:r>
+              <a:t/>
+            </a:r>
             <a:endParaRPr/>
           </a:p>
         </p:txBody>
@@ -2596,31 +2566,34 @@
             <a:avLst/>
           </a:prstGeom>
           <a:noFill/>
-          <a:ln w="19050" cap="flat" cmpd="sng">
+          <a:ln cap="flat" cmpd="sng" w="19050">
             <a:solidFill>
               <a:srgbClr val="0091EA"/>
             </a:solidFill>
             <a:prstDash val="solid"/>
             <a:round/>
-            <a:headEnd type="none" w="sm" len="sm"/>
-            <a:tailEnd type="none" w="sm" len="sm"/>
+            <a:headEnd len="sm" w="sm" type="none"/>
+            <a:tailEnd len="sm" w="sm" type="none"/>
           </a:ln>
         </p:spPr>
         <p:txBody>
-          <a:bodyPr spcFirstLastPara="1" wrap="square" lIns="91425" tIns="91425" rIns="91425" bIns="91425" anchor="ctr" anchorCtr="0">
+          <a:bodyPr anchorCtr="0" anchor="ctr" bIns="91425" lIns="91425" spcFirstLastPara="1" rIns="91425" wrap="square" tIns="91425">
             <a:noAutofit/>
           </a:bodyPr>
           <a:lstStyle/>
           <a:p>
-            <a:pPr marL="0" lvl="0" indent="0">
-              <a:spcBef>
-                <a:spcPts val="0"/>
-              </a:spcBef>
-              <a:spcAft>
-                <a:spcPts val="0"/>
-              </a:spcAft>
-              <a:buNone/>
-            </a:pPr>
+            <a:pPr indent="0" lvl="0" marL="0">
+              <a:spcBef>
+                <a:spcPts val="0"/>
+              </a:spcBef>
+              <a:spcAft>
+                <a:spcPts val="0"/>
+              </a:spcAft>
+              <a:buNone/>
+            </a:pPr>
+            <a:r>
+              <a:t/>
+            </a:r>
             <a:endParaRPr/>
           </a:p>
         </p:txBody>
@@ -2647,20 +2620,23 @@
           </a:ln>
         </p:spPr>
         <p:txBody>
-          <a:bodyPr spcFirstLastPara="1" wrap="square" lIns="91425" tIns="91425" rIns="91425" bIns="91425" anchor="ctr" anchorCtr="0">
+          <a:bodyPr anchorCtr="0" anchor="ctr" bIns="91425" lIns="91425" spcFirstLastPara="1" rIns="91425" wrap="square" tIns="91425">
             <a:noAutofit/>
           </a:bodyPr>
           <a:lstStyle/>
           <a:p>
-            <a:pPr marL="0" lvl="0" indent="0">
-              <a:spcBef>
-                <a:spcPts val="0"/>
-              </a:spcBef>
-              <a:spcAft>
-                <a:spcPts val="0"/>
-              </a:spcAft>
-              <a:buNone/>
-            </a:pPr>
+            <a:pPr indent="0" lvl="0" marL="0">
+              <a:spcBef>
+                <a:spcPts val="0"/>
+              </a:spcBef>
+              <a:spcAft>
+                <a:spcPts val="0"/>
+              </a:spcAft>
+              <a:buNone/>
+            </a:pPr>
+            <a:r>
+              <a:t/>
+            </a:r>
             <a:endParaRPr/>
           </a:p>
         </p:txBody>
@@ -2680,31 +2656,34 @@
             <a:avLst/>
           </a:prstGeom>
           <a:noFill/>
-          <a:ln w="19050" cap="flat" cmpd="sng">
+          <a:ln cap="flat" cmpd="sng" w="19050">
             <a:solidFill>
               <a:srgbClr val="0091EA"/>
             </a:solidFill>
             <a:prstDash val="solid"/>
             <a:round/>
-            <a:headEnd type="none" w="sm" len="sm"/>
-            <a:tailEnd type="none" w="sm" len="sm"/>
+            <a:headEnd len="sm" w="sm" type="none"/>
+            <a:tailEnd len="sm" w="sm" type="none"/>
           </a:ln>
         </p:spPr>
         <p:txBody>
-          <a:bodyPr spcFirstLastPara="1" wrap="square" lIns="91425" tIns="91425" rIns="91425" bIns="91425" anchor="ctr" anchorCtr="0">
+          <a:bodyPr anchorCtr="0" anchor="ctr" bIns="91425" lIns="91425" spcFirstLastPara="1" rIns="91425" wrap="square" tIns="91425">
             <a:noAutofit/>
           </a:bodyPr>
           <a:lstStyle/>
           <a:p>
-            <a:pPr marL="0" lvl="0" indent="0">
-              <a:spcBef>
-                <a:spcPts val="0"/>
-              </a:spcBef>
-              <a:spcAft>
-                <a:spcPts val="0"/>
-              </a:spcAft>
-              <a:buNone/>
-            </a:pPr>
+            <a:pPr indent="0" lvl="0" marL="0">
+              <a:spcBef>
+                <a:spcPts val="0"/>
+              </a:spcBef>
+              <a:spcAft>
+                <a:spcPts val="0"/>
+              </a:spcAft>
+              <a:buNone/>
+            </a:pPr>
+            <a:r>
+              <a:t/>
+            </a:r>
             <a:endParaRPr/>
           </a:p>
         </p:txBody>
@@ -2731,20 +2710,23 @@
           </a:ln>
         </p:spPr>
         <p:txBody>
-          <a:bodyPr spcFirstLastPara="1" wrap="square" lIns="91425" tIns="91425" rIns="91425" bIns="91425" anchor="ctr" anchorCtr="0">
+          <a:bodyPr anchorCtr="0" anchor="ctr" bIns="91425" lIns="91425" spcFirstLastPara="1" rIns="91425" wrap="square" tIns="91425">
             <a:noAutofit/>
           </a:bodyPr>
           <a:lstStyle/>
           <a:p>
-            <a:pPr marL="0" lvl="0" indent="0">
-              <a:spcBef>
-                <a:spcPts val="0"/>
-              </a:spcBef>
-              <a:spcAft>
-                <a:spcPts val="0"/>
-              </a:spcAft>
-              <a:buNone/>
-            </a:pPr>
+            <a:pPr indent="0" lvl="0" marL="0">
+              <a:spcBef>
+                <a:spcPts val="0"/>
+              </a:spcBef>
+              <a:spcAft>
+                <a:spcPts val="0"/>
+              </a:spcAft>
+              <a:buNone/>
+            </a:pPr>
+            <a:r>
+              <a:t/>
+            </a:r>
             <a:endParaRPr/>
           </a:p>
         </p:txBody>
@@ -2771,20 +2753,23 @@
           </a:ln>
         </p:spPr>
         <p:txBody>
-          <a:bodyPr spcFirstLastPara="1" wrap="square" lIns="91425" tIns="91425" rIns="91425" bIns="91425" anchor="ctr" anchorCtr="0">
+          <a:bodyPr anchorCtr="0" anchor="ctr" bIns="91425" lIns="91425" spcFirstLastPara="1" rIns="91425" wrap="square" tIns="91425">
             <a:noAutofit/>
           </a:bodyPr>
           <a:lstStyle/>
           <a:p>
-            <a:pPr marL="0" lvl="0" indent="0">
-              <a:spcBef>
-                <a:spcPts val="0"/>
-              </a:spcBef>
-              <a:spcAft>
-                <a:spcPts val="0"/>
-              </a:spcAft>
-              <a:buNone/>
-            </a:pPr>
+            <a:pPr indent="0" lvl="0" marL="0">
+              <a:spcBef>
+                <a:spcPts val="0"/>
+              </a:spcBef>
+              <a:spcAft>
+                <a:spcPts val="0"/>
+              </a:spcAft>
+              <a:buNone/>
+            </a:pPr>
+            <a:r>
+              <a:t/>
+            </a:r>
             <a:endParaRPr/>
           </a:p>
         </p:txBody>
@@ -2804,31 +2789,34 @@
             <a:avLst/>
           </a:prstGeom>
           <a:noFill/>
-          <a:ln w="19050" cap="flat" cmpd="sng">
+          <a:ln cap="flat" cmpd="sng" w="19050">
             <a:solidFill>
               <a:srgbClr val="0091EA"/>
             </a:solidFill>
             <a:prstDash val="solid"/>
             <a:round/>
-            <a:headEnd type="none" w="sm" len="sm"/>
-            <a:tailEnd type="none" w="sm" len="sm"/>
+            <a:headEnd len="sm" w="sm" type="none"/>
+            <a:tailEnd len="sm" w="sm" type="none"/>
           </a:ln>
         </p:spPr>
         <p:txBody>
-          <a:bodyPr spcFirstLastPara="1" wrap="square" lIns="91425" tIns="91425" rIns="91425" bIns="91425" anchor="ctr" anchorCtr="0">
+          <a:bodyPr anchorCtr="0" anchor="ctr" bIns="91425" lIns="91425" spcFirstLastPara="1" rIns="91425" wrap="square" tIns="91425">
             <a:noAutofit/>
           </a:bodyPr>
           <a:lstStyle/>
           <a:p>
-            <a:pPr marL="0" lvl="0" indent="0">
-              <a:spcBef>
-                <a:spcPts val="0"/>
-              </a:spcBef>
-              <a:spcAft>
-                <a:spcPts val="0"/>
-              </a:spcAft>
-              <a:buNone/>
-            </a:pPr>
+            <a:pPr indent="0" lvl="0" marL="0">
+              <a:spcBef>
+                <a:spcPts val="0"/>
+              </a:spcBef>
+              <a:spcAft>
+                <a:spcPts val="0"/>
+              </a:spcAft>
+              <a:buNone/>
+            </a:pPr>
+            <a:r>
+              <a:t/>
+            </a:r>
             <a:endParaRPr/>
           </a:p>
         </p:txBody>
@@ -2842,7 +2830,7 @@
 </file>
 
 <file path=ppt/slideLayouts/slideLayout10.xml><?xml version="1.0" encoding="utf-8"?>
-<p:sldLayout xmlns:a="http://schemas.openxmlformats.org/drawingml/2006/main" xmlns:r="http://schemas.openxmlformats.org/officeDocument/2006/relationships" xmlns:p="http://schemas.openxmlformats.org/presentationml/2006/main" matchingName="Blank complete pattern">
+<p:sldLayout xmlns:a="http://schemas.openxmlformats.org/drawingml/2006/main" xmlns:r="http://schemas.openxmlformats.org/officeDocument/2006/relationships" xmlns:mc="http://schemas.openxmlformats.org/markup-compatibility/2006" xmlns:mv="urn:schemas-microsoft-com:mac:vml" xmlns:p="http://schemas.openxmlformats.org/presentationml/2006/main" xmlns:c="http://schemas.openxmlformats.org/drawingml/2006/chart" xmlns:dgm="http://schemas.openxmlformats.org/drawingml/2006/diagram" xmlns:o="urn:schemas-microsoft-com:office:office" xmlns:v="urn:schemas-microsoft-com:vml" xmlns:pvml="urn:schemas-microsoft-com:office:powerpoint" xmlns:com="http://schemas.openxmlformats.org/drawingml/2006/compatibility" xmlns:p14="http://schemas.microsoft.com/office/powerpoint/2010/main" xmlns:p15="http://schemas.microsoft.com/office/powerpoint/2012/main" matchingName="Blank complete pattern">
   <p:cSld name="BLANK_1">
     <p:bg>
       <p:bgPr>
@@ -2854,12 +2842,11 @@
             <a:fillRect/>
           </a:stretch>
         </a:blipFill>
-        <a:effectLst/>
       </p:bgPr>
     </p:bg>
     <p:spTree>
       <p:nvGrpSpPr>
-        <p:cNvPr id="1" name="Shape 63"/>
+        <p:cNvPr id="63" name="Shape 63"/>
         <p:cNvGrpSpPr/>
         <p:nvPr/>
       </p:nvGrpSpPr>
@@ -2895,20 +2882,23 @@
           </a:ln>
         </p:spPr>
         <p:txBody>
-          <a:bodyPr spcFirstLastPara="1" wrap="square" lIns="91425" tIns="91425" rIns="91425" bIns="91425" anchor="ctr" anchorCtr="0">
+          <a:bodyPr anchorCtr="0" anchor="ctr" bIns="91425" lIns="91425" spcFirstLastPara="1" rIns="91425" wrap="square" tIns="91425">
             <a:noAutofit/>
           </a:bodyPr>
           <a:lstStyle/>
           <a:p>
-            <a:pPr marL="0" lvl="0" indent="0">
-              <a:spcBef>
-                <a:spcPts val="0"/>
-              </a:spcBef>
-              <a:spcAft>
-                <a:spcPts val="0"/>
-              </a:spcAft>
-              <a:buNone/>
-            </a:pPr>
+            <a:pPr indent="0" lvl="0" marL="0">
+              <a:spcBef>
+                <a:spcPts val="0"/>
+              </a:spcBef>
+              <a:spcAft>
+                <a:spcPts val="0"/>
+              </a:spcAft>
+              <a:buNone/>
+            </a:pPr>
+            <a:r>
+              <a:t/>
+            </a:r>
             <a:endParaRPr/>
           </a:p>
         </p:txBody>
@@ -2916,11 +2906,9 @@
       <p:sp>
         <p:nvSpPr>
           <p:cNvPr id="65" name="Shape 65"/>
-          <p:cNvSpPr txBox="1">
-            <a:spLocks noGrp="1"/>
-          </p:cNvSpPr>
+          <p:cNvSpPr txBox="1"/>
           <p:nvPr>
-            <p:ph type="sldNum" idx="12"/>
+            <p:ph idx="12" type="sldNum"/>
           </p:nvPr>
         </p:nvSpPr>
         <p:spPr>
@@ -2933,7 +2921,7 @@
           </a:prstGeom>
         </p:spPr>
         <p:txBody>
-          <a:bodyPr spcFirstLastPara="1" wrap="square" lIns="91425" tIns="91425" rIns="91425" bIns="91425" anchor="t" anchorCtr="0">
+          <a:bodyPr anchorCtr="0" anchor="t" bIns="91425" lIns="91425" spcFirstLastPara="1" rIns="91425" wrap="square" tIns="91425">
             <a:noAutofit/>
           </a:bodyPr>
           <a:lstStyle>
@@ -2975,7 +2963,7 @@
             </a:lvl9pPr>
           </a:lstStyle>
           <a:p>
-            <a:pPr marL="0" lvl="0" indent="0">
+            <a:pPr indent="0" lvl="0" marL="0">
               <a:spcBef>
                 <a:spcPts val="0"/>
               </a:spcBef>
@@ -2986,16 +2974,7 @@
             </a:pPr>
             <a:fld id="{00000000-1234-1234-1234-123412341234}" type="slidenum">
               <a:rPr lang="en"/>
-              <a:pPr marL="0" lvl="0" indent="0">
-                <a:spcBef>
-                  <a:spcPts val="0"/>
-                </a:spcBef>
-                <a:spcAft>
-                  <a:spcPts val="0"/>
-                </a:spcAft>
-                <a:buNone/>
-              </a:pPr>
-              <a:t>‹N°›</a:t>
+              <a:t>‹#›</a:t>
             </a:fld>
             <a:endParaRPr/>
           </a:p>
@@ -3010,7 +2989,7 @@
 </file>
 
 <file path=ppt/slideLayouts/slideLayout2.xml><?xml version="1.0" encoding="utf-8"?>
-<p:sldLayout xmlns:a="http://schemas.openxmlformats.org/drawingml/2006/main" xmlns:r="http://schemas.openxmlformats.org/officeDocument/2006/relationships" xmlns:p="http://schemas.openxmlformats.org/presentationml/2006/main" matchingName="Subtitle">
+<p:sldLayout xmlns:a="http://schemas.openxmlformats.org/drawingml/2006/main" xmlns:r="http://schemas.openxmlformats.org/officeDocument/2006/relationships" xmlns:mc="http://schemas.openxmlformats.org/markup-compatibility/2006" xmlns:mv="urn:schemas-microsoft-com:mac:vml" xmlns:p="http://schemas.openxmlformats.org/presentationml/2006/main" xmlns:c="http://schemas.openxmlformats.org/drawingml/2006/chart" xmlns:dgm="http://schemas.openxmlformats.org/drawingml/2006/diagram" xmlns:o="urn:schemas-microsoft-com:office:office" xmlns:v="urn:schemas-microsoft-com:vml" xmlns:pvml="urn:schemas-microsoft-com:office:powerpoint" xmlns:com="http://schemas.openxmlformats.org/drawingml/2006/compatibility" xmlns:p14="http://schemas.microsoft.com/office/powerpoint/2010/main" xmlns:p15="http://schemas.microsoft.com/office/powerpoint/2012/main" matchingName="Subtitle">
   <p:cSld name="TITLE_1">
     <p:bg>
       <p:bgPr>
@@ -3022,12 +3001,11 @@
             <a:fillRect/>
           </a:stretch>
         </a:blipFill>
-        <a:effectLst/>
       </p:bgPr>
     </p:bg>
     <p:spTree>
       <p:nvGrpSpPr>
-        <p:cNvPr id="1" name="Shape 26"/>
+        <p:cNvPr id="26" name="Shape 26"/>
         <p:cNvGrpSpPr/>
         <p:nvPr/>
       </p:nvGrpSpPr>
@@ -3042,9 +3020,7 @@
       <p:sp>
         <p:nvSpPr>
           <p:cNvPr id="27" name="Shape 27"/>
-          <p:cNvSpPr txBox="1">
-            <a:spLocks noGrp="1"/>
-          </p:cNvSpPr>
+          <p:cNvSpPr txBox="1"/>
           <p:nvPr>
             <p:ph type="ctrTitle"/>
           </p:nvPr>
@@ -3059,7 +3035,7 @@
           </a:prstGeom>
         </p:spPr>
         <p:txBody>
-          <a:bodyPr spcFirstLastPara="1" wrap="square" lIns="91425" tIns="91425" rIns="91425" bIns="91425" anchor="b" anchorCtr="0"/>
+          <a:bodyPr anchorCtr="0" anchor="b" bIns="91425" lIns="91425" spcFirstLastPara="1" rIns="91425" wrap="square" tIns="91425"/>
           <a:lstStyle>
             <a:lvl1pPr lvl="0" rtl="0">
               <a:spcBef>
@@ -3070,7 +3046,7 @@
               </a:spcAft>
               <a:buSzPts val="4800"/>
               <a:buNone/>
-              <a:defRPr sz="4800" b="1"/>
+              <a:defRPr b="1" sz="4800"/>
             </a:lvl1pPr>
             <a:lvl2pPr lvl="1" rtl="0">
               <a:spcBef>
@@ -3081,7 +3057,7 @@
               </a:spcAft>
               <a:buSzPts val="4800"/>
               <a:buNone/>
-              <a:defRPr sz="4800" b="1"/>
+              <a:defRPr b="1" sz="4800"/>
             </a:lvl2pPr>
             <a:lvl3pPr lvl="2" rtl="0">
               <a:spcBef>
@@ -3092,7 +3068,7 @@
               </a:spcAft>
               <a:buSzPts val="4800"/>
               <a:buNone/>
-              <a:defRPr sz="4800" b="1"/>
+              <a:defRPr b="1" sz="4800"/>
             </a:lvl3pPr>
             <a:lvl4pPr lvl="3" rtl="0">
               <a:spcBef>
@@ -3103,7 +3079,7 @@
               </a:spcAft>
               <a:buSzPts val="4800"/>
               <a:buNone/>
-              <a:defRPr sz="4800" b="1"/>
+              <a:defRPr b="1" sz="4800"/>
             </a:lvl4pPr>
             <a:lvl5pPr lvl="4" rtl="0">
               <a:spcBef>
@@ -3114,7 +3090,7 @@
               </a:spcAft>
               <a:buSzPts val="4800"/>
               <a:buNone/>
-              <a:defRPr sz="4800" b="1"/>
+              <a:defRPr b="1" sz="4800"/>
             </a:lvl5pPr>
             <a:lvl6pPr lvl="5" rtl="0">
               <a:spcBef>
@@ -3125,7 +3101,7 @@
               </a:spcAft>
               <a:buSzPts val="4800"/>
               <a:buNone/>
-              <a:defRPr sz="4800" b="1"/>
+              <a:defRPr b="1" sz="4800"/>
             </a:lvl6pPr>
             <a:lvl7pPr lvl="6" rtl="0">
               <a:spcBef>
@@ -3136,7 +3112,7 @@
               </a:spcAft>
               <a:buSzPts val="4800"/>
               <a:buNone/>
-              <a:defRPr sz="4800" b="1"/>
+              <a:defRPr b="1" sz="4800"/>
             </a:lvl7pPr>
             <a:lvl8pPr lvl="7" rtl="0">
               <a:spcBef>
@@ -3147,7 +3123,7 @@
               </a:spcAft>
               <a:buSzPts val="4800"/>
               <a:buNone/>
-              <a:defRPr sz="4800" b="1"/>
+              <a:defRPr b="1" sz="4800"/>
             </a:lvl8pPr>
             <a:lvl9pPr lvl="8" rtl="0">
               <a:spcBef>
@@ -3158,22 +3134,18 @@
               </a:spcAft>
               <a:buSzPts val="4800"/>
               <a:buNone/>
-              <a:defRPr sz="4800" b="1"/>
+              <a:defRPr b="1" sz="4800"/>
             </a:lvl9pPr>
           </a:lstStyle>
-          <a:p>
-            <a:endParaRPr/>
-          </a:p>
+          <a:p/>
         </p:txBody>
       </p:sp>
       <p:sp>
         <p:nvSpPr>
           <p:cNvPr id="28" name="Shape 28"/>
-          <p:cNvSpPr txBox="1">
-            <a:spLocks noGrp="1"/>
-          </p:cNvSpPr>
+          <p:cNvSpPr txBox="1"/>
           <p:nvPr>
-            <p:ph type="subTitle" idx="1"/>
+            <p:ph idx="1" type="subTitle"/>
           </p:nvPr>
         </p:nvSpPr>
         <p:spPr>
@@ -3186,7 +3158,7 @@
           </a:prstGeom>
         </p:spPr>
         <p:txBody>
-          <a:bodyPr spcFirstLastPara="1" wrap="square" lIns="91425" tIns="91425" rIns="91425" bIns="91425" anchor="t" anchorCtr="0"/>
+          <a:bodyPr anchorCtr="0" anchor="t" bIns="91425" lIns="91425" spcFirstLastPara="1" rIns="91425" wrap="square" tIns="91425"/>
           <a:lstStyle>
             <a:lvl1pPr lvl="0" rtl="0">
               <a:spcBef>
@@ -3351,9 +3323,7 @@
               </a:defRPr>
             </a:lvl9pPr>
           </a:lstStyle>
-          <a:p>
-            <a:endParaRPr/>
-          </a:p>
+          <a:p/>
         </p:txBody>
       </p:sp>
     </p:spTree>
@@ -3365,11 +3335,11 @@
 </file>
 
 <file path=ppt/slideLayouts/slideLayout3.xml><?xml version="1.0" encoding="utf-8"?>
-<p:sldLayout xmlns:a="http://schemas.openxmlformats.org/drawingml/2006/main" xmlns:r="http://schemas.openxmlformats.org/officeDocument/2006/relationships" xmlns:p="http://schemas.openxmlformats.org/presentationml/2006/main" matchingName="Quote">
+<p:sldLayout xmlns:a="http://schemas.openxmlformats.org/drawingml/2006/main" xmlns:r="http://schemas.openxmlformats.org/officeDocument/2006/relationships" xmlns:mc="http://schemas.openxmlformats.org/markup-compatibility/2006" xmlns:mv="urn:schemas-microsoft-com:mac:vml" xmlns:p="http://schemas.openxmlformats.org/presentationml/2006/main" xmlns:c="http://schemas.openxmlformats.org/drawingml/2006/chart" xmlns:dgm="http://schemas.openxmlformats.org/drawingml/2006/diagram" xmlns:o="urn:schemas-microsoft-com:office:office" xmlns:v="urn:schemas-microsoft-com:vml" xmlns:pvml="urn:schemas-microsoft-com:office:powerpoint" xmlns:com="http://schemas.openxmlformats.org/drawingml/2006/compatibility" xmlns:p14="http://schemas.microsoft.com/office/powerpoint/2010/main" xmlns:p15="http://schemas.microsoft.com/office/powerpoint/2012/main" matchingName="Quote">
   <p:cSld name="TITLE_1_1">
     <p:spTree>
       <p:nvGrpSpPr>
-        <p:cNvPr id="1" name="Shape 29"/>
+        <p:cNvPr id="29" name="Shape 29"/>
         <p:cNvGrpSpPr/>
         <p:nvPr/>
       </p:nvGrpSpPr>
@@ -3383,7 +3353,7 @@
       </p:grpSpPr>
       <p:pic>
         <p:nvPicPr>
-          <p:cNvPr id="30" name="Shape 30" descr="connections-05.png"/>
+          <p:cNvPr descr="connections-05.png" id="30" name="Shape 30"/>
           <p:cNvPicPr preferRelativeResize="0"/>
           <p:nvPr/>
         </p:nvPicPr>
@@ -3396,7 +3366,7 @@
           </a:stretch>
         </p:blipFill>
         <p:spPr>
-          <a:xfrm rot="10800000" flipH="1">
+          <a:xfrm flipH="1" rot="10800000">
             <a:off x="5945" y="0"/>
             <a:ext cx="9132109" cy="6858000"/>
           </a:xfrm>
@@ -3412,11 +3382,9 @@
       <p:sp>
         <p:nvSpPr>
           <p:cNvPr id="31" name="Shape 31"/>
-          <p:cNvSpPr txBox="1">
-            <a:spLocks noGrp="1"/>
-          </p:cNvSpPr>
+          <p:cNvSpPr txBox="1"/>
           <p:nvPr>
-            <p:ph type="body" idx="1"/>
+            <p:ph idx="1" type="body"/>
           </p:nvPr>
         </p:nvSpPr>
         <p:spPr>
@@ -3429,9 +3397,9 @@
           </a:prstGeom>
         </p:spPr>
         <p:txBody>
-          <a:bodyPr spcFirstLastPara="1" wrap="square" lIns="91425" tIns="91425" rIns="91425" bIns="91425" anchor="t" anchorCtr="0"/>
+          <a:bodyPr anchorCtr="0" anchor="t" bIns="91425" lIns="91425" spcFirstLastPara="1" rIns="91425" wrap="square" tIns="91425"/>
           <a:lstStyle>
-            <a:lvl1pPr marL="457200" lvl="0" indent="-457200" algn="ctr" rtl="0">
+            <a:lvl1pPr indent="-457200" lvl="0" marL="457200" rtl="0" algn="ctr">
               <a:spcBef>
                 <a:spcPts val="600"/>
               </a:spcBef>
@@ -3443,9 +3411,9 @@
               </a:buClr>
               <a:buSzPts val="3600"/>
               <a:buChar char="◎"/>
-              <a:defRPr sz="3600" i="1"/>
+              <a:defRPr i="1" sz="3600"/>
             </a:lvl1pPr>
-            <a:lvl2pPr marL="914400" lvl="1" indent="-457200" algn="ctr" rtl="0">
+            <a:lvl2pPr indent="-457200" lvl="1" marL="914400" rtl="0" algn="ctr">
               <a:spcBef>
                 <a:spcPts val="0"/>
               </a:spcBef>
@@ -3457,9 +3425,9 @@
               </a:buClr>
               <a:buSzPts val="3600"/>
               <a:buChar char="○"/>
-              <a:defRPr sz="3600" i="1"/>
+              <a:defRPr i="1" sz="3600"/>
             </a:lvl2pPr>
-            <a:lvl3pPr marL="1371600" lvl="2" indent="-457200" algn="ctr" rtl="0">
+            <a:lvl3pPr indent="-457200" lvl="2" marL="1371600" rtl="0" algn="ctr">
               <a:spcBef>
                 <a:spcPts val="0"/>
               </a:spcBef>
@@ -3471,9 +3439,9 @@
               </a:buClr>
               <a:buSzPts val="3600"/>
               <a:buChar char="◉"/>
-              <a:defRPr sz="3600" i="1"/>
+              <a:defRPr i="1" sz="3600"/>
             </a:lvl3pPr>
-            <a:lvl4pPr marL="1828800" lvl="3" indent="-457200" algn="ctr" rtl="0">
+            <a:lvl4pPr indent="-457200" lvl="3" marL="1828800" rtl="0" algn="ctr">
               <a:spcBef>
                 <a:spcPts val="0"/>
               </a:spcBef>
@@ -3485,9 +3453,9 @@
               </a:buClr>
               <a:buSzPts val="3600"/>
               <a:buChar char="●"/>
-              <a:defRPr sz="3600" i="1"/>
+              <a:defRPr i="1" sz="3600"/>
             </a:lvl4pPr>
-            <a:lvl5pPr marL="2286000" lvl="4" indent="-457200" algn="ctr" rtl="0">
+            <a:lvl5pPr indent="-457200" lvl="4" marL="2286000" rtl="0" algn="ctr">
               <a:spcBef>
                 <a:spcPts val="0"/>
               </a:spcBef>
@@ -3499,9 +3467,9 @@
               </a:buClr>
               <a:buSzPts val="3600"/>
               <a:buChar char="○"/>
-              <a:defRPr sz="3600" i="1"/>
+              <a:defRPr i="1" sz="3600"/>
             </a:lvl5pPr>
-            <a:lvl6pPr marL="2743200" lvl="5" indent="-457200" algn="ctr" rtl="0">
+            <a:lvl6pPr indent="-457200" lvl="5" marL="2743200" rtl="0" algn="ctr">
               <a:spcBef>
                 <a:spcPts val="0"/>
               </a:spcBef>
@@ -3513,9 +3481,9 @@
               </a:buClr>
               <a:buSzPts val="3600"/>
               <a:buChar char="■"/>
-              <a:defRPr sz="3600" i="1"/>
+              <a:defRPr i="1" sz="3600"/>
             </a:lvl6pPr>
-            <a:lvl7pPr marL="3200400" lvl="6" indent="-457200" algn="ctr" rtl="0">
+            <a:lvl7pPr indent="-457200" lvl="6" marL="3200400" rtl="0" algn="ctr">
               <a:spcBef>
                 <a:spcPts val="0"/>
               </a:spcBef>
@@ -3527,9 +3495,9 @@
               </a:buClr>
               <a:buSzPts val="3600"/>
               <a:buChar char="●"/>
-              <a:defRPr sz="3600" i="1"/>
+              <a:defRPr i="1" sz="3600"/>
             </a:lvl7pPr>
-            <a:lvl8pPr marL="3657600" lvl="7" indent="-457200" algn="ctr" rtl="0">
+            <a:lvl8pPr indent="-457200" lvl="7" marL="3657600" rtl="0" algn="ctr">
               <a:spcBef>
                 <a:spcPts val="0"/>
               </a:spcBef>
@@ -3541,9 +3509,9 @@
               </a:buClr>
               <a:buSzPts val="3600"/>
               <a:buChar char="○"/>
-              <a:defRPr sz="3600" i="1"/>
+              <a:defRPr i="1" sz="3600"/>
             </a:lvl8pPr>
-            <a:lvl9pPr marL="4114800" lvl="8" indent="-457200" algn="ctr">
+            <a:lvl9pPr indent="-457200" lvl="8" marL="4114800" algn="ctr">
               <a:spcBef>
                 <a:spcPts val="0"/>
               </a:spcBef>
@@ -3555,12 +3523,10 @@
               </a:buClr>
               <a:buSzPts val="3600"/>
               <a:buChar char="■"/>
-              <a:defRPr sz="3600" i="1"/>
+              <a:defRPr i="1" sz="3600"/>
             </a:lvl9pPr>
           </a:lstStyle>
-          <a:p>
-            <a:endParaRPr/>
-          </a:p>
+          <a:p/>
         </p:txBody>
       </p:sp>
       <p:grpSp>
@@ -3597,12 +3563,12 @@
             </a:ln>
           </p:spPr>
           <p:txBody>
-            <a:bodyPr spcFirstLastPara="1" wrap="square" lIns="91425" tIns="91425" rIns="91425" bIns="91425" anchor="t" anchorCtr="0">
+            <a:bodyPr anchorCtr="0" anchor="t" bIns="91425" lIns="91425" spcFirstLastPara="1" rIns="91425" wrap="square" tIns="91425">
               <a:noAutofit/>
             </a:bodyPr>
             <a:lstStyle/>
             <a:p>
-              <a:pPr marL="0" lvl="0" indent="0" algn="ctr">
+              <a:pPr indent="0" lvl="0" marL="0" algn="ctr">
                 <a:spcBef>
                   <a:spcPts val="0"/>
                 </a:spcBef>
@@ -3612,7 +3578,7 @@
                 <a:buNone/>
               </a:pPr>
               <a:r>
-                <a:rPr lang="en" sz="6000" b="1">
+                <a:rPr b="1" lang="en" sz="6000">
                   <a:solidFill>
                     <a:srgbClr val="0091EA"/>
                   </a:solidFill>
@@ -3623,7 +3589,7 @@
                 </a:rPr>
                 <a:t>“</a:t>
               </a:r>
-              <a:endParaRPr sz="6000" b="1">
+              <a:endParaRPr b="1" sz="6000">
                 <a:solidFill>
                   <a:srgbClr val="0091EA"/>
                 </a:solidFill>
@@ -3650,23 +3616,23 @@
               <a:avLst/>
             </a:prstGeom>
             <a:noFill/>
-            <a:ln w="9525" cap="flat" cmpd="sng">
+            <a:ln cap="flat" cmpd="sng" w="9525">
               <a:solidFill>
                 <a:srgbClr val="CFD8DC"/>
               </a:solidFill>
               <a:prstDash val="dash"/>
               <a:round/>
-              <a:headEnd type="none" w="sm" len="sm"/>
-              <a:tailEnd type="none" w="sm" len="sm"/>
+              <a:headEnd len="sm" w="sm" type="none"/>
+              <a:tailEnd len="sm" w="sm" type="none"/>
             </a:ln>
           </p:spPr>
           <p:txBody>
-            <a:bodyPr spcFirstLastPara="1" wrap="square" lIns="91425" tIns="91425" rIns="91425" bIns="91425" anchor="ctr" anchorCtr="0">
+            <a:bodyPr anchorCtr="0" anchor="ctr" bIns="91425" lIns="91425" spcFirstLastPara="1" rIns="91425" wrap="square" tIns="91425">
               <a:noAutofit/>
             </a:bodyPr>
             <a:lstStyle/>
             <a:p>
-              <a:pPr marL="0" lvl="0" indent="0">
+              <a:pPr indent="0" lvl="0" marL="0">
                 <a:spcBef>
                   <a:spcPts val="0"/>
                 </a:spcBef>
@@ -3675,6 +3641,9 @@
                 </a:spcAft>
                 <a:buNone/>
               </a:pPr>
+              <a:r>
+                <a:t/>
+              </a:r>
               <a:endParaRPr/>
             </a:p>
           </p:txBody>
@@ -3694,23 +3663,23 @@
               <a:avLst/>
             </a:prstGeom>
             <a:noFill/>
-            <a:ln w="19050" cap="flat" cmpd="sng">
+            <a:ln cap="flat" cmpd="sng" w="19050">
               <a:solidFill>
                 <a:srgbClr val="CFD8DC"/>
               </a:solidFill>
               <a:prstDash val="solid"/>
               <a:round/>
-              <a:headEnd type="none" w="sm" len="sm"/>
-              <a:tailEnd type="none" w="sm" len="sm"/>
+              <a:headEnd len="sm" w="sm" type="none"/>
+              <a:tailEnd len="sm" w="sm" type="none"/>
             </a:ln>
           </p:spPr>
           <p:txBody>
-            <a:bodyPr spcFirstLastPara="1" wrap="square" lIns="91425" tIns="91425" rIns="91425" bIns="91425" anchor="ctr" anchorCtr="0">
+            <a:bodyPr anchorCtr="0" anchor="ctr" bIns="91425" lIns="91425" spcFirstLastPara="1" rIns="91425" wrap="square" tIns="91425">
               <a:noAutofit/>
             </a:bodyPr>
             <a:lstStyle/>
             <a:p>
-              <a:pPr marL="0" lvl="0" indent="0">
+              <a:pPr indent="0" lvl="0" marL="0">
                 <a:spcBef>
                   <a:spcPts val="0"/>
                 </a:spcBef>
@@ -3719,6 +3688,9 @@
                 </a:spcAft>
                 <a:buNone/>
               </a:pPr>
+              <a:r>
+                <a:t/>
+              </a:r>
               <a:endParaRPr/>
             </a:p>
           </p:txBody>
@@ -3741,14 +3713,14 @@
             <a:avLst/>
           </a:prstGeom>
           <a:noFill/>
-          <a:ln w="9525" cap="flat" cmpd="sng">
+          <a:ln cap="flat" cmpd="sng" w="9525">
             <a:solidFill>
               <a:srgbClr val="CFD8DC"/>
             </a:solidFill>
             <a:prstDash val="solid"/>
             <a:round/>
-            <a:headEnd type="none" w="med" len="med"/>
-            <a:tailEnd type="none" w="med" len="med"/>
+            <a:headEnd len="med" w="med" type="none"/>
+            <a:tailEnd len="med" w="med" type="none"/>
           </a:ln>
         </p:spPr>
       </p:cxnSp>
@@ -3767,14 +3739,14 @@
             <a:avLst/>
           </a:prstGeom>
           <a:noFill/>
-          <a:ln w="9525" cap="flat" cmpd="sng">
+          <a:ln cap="flat" cmpd="sng" w="9525">
             <a:solidFill>
               <a:srgbClr val="CFD8DC"/>
             </a:solidFill>
             <a:prstDash val="solid"/>
             <a:round/>
-            <a:headEnd type="none" w="med" len="med"/>
-            <a:tailEnd type="none" w="med" len="med"/>
+            <a:headEnd len="med" w="med" type="none"/>
+            <a:tailEnd len="med" w="med" type="none"/>
           </a:ln>
         </p:spPr>
       </p:cxnSp>
@@ -3785,7 +3757,7 @@
           <p:nvPr/>
         </p:nvCxnSpPr>
         <p:spPr>
-          <a:xfrm rot="10800000" flipH="1">
+          <a:xfrm flipH="1" rot="10800000">
             <a:off x="4749075" y="753125"/>
             <a:ext cx="95100" cy="348900"/>
           </a:xfrm>
@@ -3793,25 +3765,23 @@
             <a:avLst/>
           </a:prstGeom>
           <a:noFill/>
-          <a:ln w="9525" cap="flat" cmpd="sng">
+          <a:ln cap="flat" cmpd="sng" w="9525">
             <a:solidFill>
               <a:srgbClr val="CFD8DC"/>
             </a:solidFill>
             <a:prstDash val="solid"/>
             <a:round/>
-            <a:headEnd type="none" w="med" len="med"/>
-            <a:tailEnd type="none" w="med" len="med"/>
+            <a:headEnd len="med" w="med" type="none"/>
+            <a:tailEnd len="med" w="med" type="none"/>
           </a:ln>
         </p:spPr>
       </p:cxnSp>
       <p:sp>
         <p:nvSpPr>
           <p:cNvPr id="39" name="Shape 39"/>
-          <p:cNvSpPr txBox="1">
-            <a:spLocks noGrp="1"/>
-          </p:cNvSpPr>
+          <p:cNvSpPr txBox="1"/>
           <p:nvPr>
-            <p:ph type="sldNum" idx="12"/>
+            <p:ph idx="12" type="sldNum"/>
           </p:nvPr>
         </p:nvSpPr>
         <p:spPr>
@@ -3824,7 +3794,7 @@
           </a:prstGeom>
         </p:spPr>
         <p:txBody>
-          <a:bodyPr spcFirstLastPara="1" wrap="square" lIns="91425" tIns="91425" rIns="91425" bIns="91425" anchor="t" anchorCtr="0">
+          <a:bodyPr anchorCtr="0" anchor="t" bIns="91425" lIns="91425" spcFirstLastPara="1" rIns="91425" wrap="square" tIns="91425">
             <a:noAutofit/>
           </a:bodyPr>
           <a:lstStyle>
@@ -3866,7 +3836,7 @@
             </a:lvl9pPr>
           </a:lstStyle>
           <a:p>
-            <a:pPr marL="0" lvl="0" indent="0">
+            <a:pPr indent="0" lvl="0" marL="0">
               <a:spcBef>
                 <a:spcPts val="0"/>
               </a:spcBef>
@@ -3877,16 +3847,7 @@
             </a:pPr>
             <a:fld id="{00000000-1234-1234-1234-123412341234}" type="slidenum">
               <a:rPr lang="en"/>
-              <a:pPr marL="0" lvl="0" indent="0">
-                <a:spcBef>
-                  <a:spcPts val="0"/>
-                </a:spcBef>
-                <a:spcAft>
-                  <a:spcPts val="0"/>
-                </a:spcAft>
-                <a:buNone/>
-              </a:pPr>
-              <a:t>‹N°›</a:t>
+              <a:t>‹#›</a:t>
             </a:fld>
             <a:endParaRPr/>
           </a:p>
@@ -3901,11 +3862,11 @@
 </file>
 
 <file path=ppt/slideLayouts/slideLayout4.xml><?xml version="1.0" encoding="utf-8"?>
-<p:sldLayout xmlns:a="http://schemas.openxmlformats.org/drawingml/2006/main" xmlns:r="http://schemas.openxmlformats.org/officeDocument/2006/relationships" xmlns:p="http://schemas.openxmlformats.org/presentationml/2006/main" matchingName="Title + 1 column" type="tx">
+<p:sldLayout xmlns:a="http://schemas.openxmlformats.org/drawingml/2006/main" xmlns:r="http://schemas.openxmlformats.org/officeDocument/2006/relationships" xmlns:mc="http://schemas.openxmlformats.org/markup-compatibility/2006" xmlns:mv="urn:schemas-microsoft-com:mac:vml" xmlns:p="http://schemas.openxmlformats.org/presentationml/2006/main" xmlns:c="http://schemas.openxmlformats.org/drawingml/2006/chart" xmlns:dgm="http://schemas.openxmlformats.org/drawingml/2006/diagram" xmlns:o="urn:schemas-microsoft-com:office:office" xmlns:v="urn:schemas-microsoft-com:vml" xmlns:pvml="urn:schemas-microsoft-com:office:powerpoint" xmlns:com="http://schemas.openxmlformats.org/drawingml/2006/compatibility" xmlns:p14="http://schemas.microsoft.com/office/powerpoint/2010/main" xmlns:p15="http://schemas.microsoft.com/office/powerpoint/2012/main" matchingName="Title + 1 column" type="tx">
   <p:cSld name="TITLE_AND_BODY">
     <p:spTree>
       <p:nvGrpSpPr>
-        <p:cNvPr id="1" name="Shape 40"/>
+        <p:cNvPr id="40" name="Shape 40"/>
         <p:cNvGrpSpPr/>
         <p:nvPr/>
       </p:nvGrpSpPr>
@@ -3920,9 +3881,7 @@
       <p:sp>
         <p:nvSpPr>
           <p:cNvPr id="41" name="Shape 41"/>
-          <p:cNvSpPr txBox="1">
-            <a:spLocks noGrp="1"/>
-          </p:cNvSpPr>
+          <p:cNvSpPr txBox="1"/>
           <p:nvPr>
             <p:ph type="title"/>
           </p:nvPr>
@@ -3937,7 +3896,7 @@
           </a:prstGeom>
         </p:spPr>
         <p:txBody>
-          <a:bodyPr spcFirstLastPara="1" wrap="square" lIns="91425" tIns="91425" rIns="91425" bIns="91425" anchor="b" anchorCtr="0"/>
+          <a:bodyPr anchorCtr="0" anchor="b" bIns="91425" lIns="91425" spcFirstLastPara="1" rIns="91425" wrap="square" tIns="91425"/>
           <a:lstStyle>
             <a:lvl1pPr lvl="0">
               <a:spcBef>
@@ -4039,19 +3998,15 @@
               <a:defRPr/>
             </a:lvl9pPr>
           </a:lstStyle>
-          <a:p>
-            <a:endParaRPr/>
-          </a:p>
+          <a:p/>
         </p:txBody>
       </p:sp>
       <p:sp>
         <p:nvSpPr>
           <p:cNvPr id="42" name="Shape 42"/>
-          <p:cNvSpPr txBox="1">
-            <a:spLocks noGrp="1"/>
-          </p:cNvSpPr>
+          <p:cNvSpPr txBox="1"/>
           <p:nvPr>
-            <p:ph type="body" idx="1"/>
+            <p:ph idx="1" type="body"/>
           </p:nvPr>
         </p:nvSpPr>
         <p:spPr>
@@ -4064,9 +4019,9 @@
           </a:prstGeom>
         </p:spPr>
         <p:txBody>
-          <a:bodyPr spcFirstLastPara="1" wrap="square" lIns="91425" tIns="91425" rIns="91425" bIns="91425" anchor="t" anchorCtr="0"/>
+          <a:bodyPr anchorCtr="0" anchor="t" bIns="91425" lIns="91425" spcFirstLastPara="1" rIns="91425" wrap="square" tIns="91425"/>
           <a:lstStyle>
-            <a:lvl1pPr marL="457200" lvl="0" indent="-419100">
+            <a:lvl1pPr indent="-419100" lvl="0" marL="457200">
               <a:spcBef>
                 <a:spcPts val="600"/>
               </a:spcBef>
@@ -4077,7 +4032,7 @@
               <a:buChar char="◎"/>
               <a:defRPr/>
             </a:lvl1pPr>
-            <a:lvl2pPr marL="914400" lvl="1" indent="-381000">
+            <a:lvl2pPr indent="-381000" lvl="1" marL="914400">
               <a:spcBef>
                 <a:spcPts val="0"/>
               </a:spcBef>
@@ -4088,7 +4043,7 @@
               <a:buChar char="○"/>
               <a:defRPr/>
             </a:lvl2pPr>
-            <a:lvl3pPr marL="1371600" lvl="2" indent="-381000">
+            <a:lvl3pPr indent="-381000" lvl="2" marL="1371600">
               <a:spcBef>
                 <a:spcPts val="0"/>
               </a:spcBef>
@@ -4099,7 +4054,7 @@
               <a:buChar char="◉"/>
               <a:defRPr/>
             </a:lvl3pPr>
-            <a:lvl4pPr marL="1828800" lvl="3" indent="-342900">
+            <a:lvl4pPr indent="-342900" lvl="3" marL="1828800">
               <a:spcBef>
                 <a:spcPts val="0"/>
               </a:spcBef>
@@ -4110,7 +4065,7 @@
               <a:buChar char="●"/>
               <a:defRPr/>
             </a:lvl4pPr>
-            <a:lvl5pPr marL="2286000" lvl="4" indent="-342900">
+            <a:lvl5pPr indent="-342900" lvl="4" marL="2286000">
               <a:spcBef>
                 <a:spcPts val="0"/>
               </a:spcBef>
@@ -4121,7 +4076,7 @@
               <a:buChar char="○"/>
               <a:defRPr/>
             </a:lvl5pPr>
-            <a:lvl6pPr marL="2743200" lvl="5" indent="-342900">
+            <a:lvl6pPr indent="-342900" lvl="5" marL="2743200">
               <a:spcBef>
                 <a:spcPts val="0"/>
               </a:spcBef>
@@ -4132,7 +4087,7 @@
               <a:buChar char="■"/>
               <a:defRPr/>
             </a:lvl6pPr>
-            <a:lvl7pPr marL="3200400" lvl="6" indent="-342900">
+            <a:lvl7pPr indent="-342900" lvl="6" marL="3200400">
               <a:spcBef>
                 <a:spcPts val="0"/>
               </a:spcBef>
@@ -4143,7 +4098,7 @@
               <a:buChar char="●"/>
               <a:defRPr/>
             </a:lvl7pPr>
-            <a:lvl8pPr marL="3657600" lvl="7" indent="-342900">
+            <a:lvl8pPr indent="-342900" lvl="7" marL="3657600">
               <a:spcBef>
                 <a:spcPts val="0"/>
               </a:spcBef>
@@ -4154,7 +4109,7 @@
               <a:buChar char="○"/>
               <a:defRPr/>
             </a:lvl8pPr>
-            <a:lvl9pPr marL="4114800" lvl="8" indent="-342900">
+            <a:lvl9pPr indent="-342900" lvl="8" marL="4114800">
               <a:spcBef>
                 <a:spcPts val="0"/>
               </a:spcBef>
@@ -4166,19 +4121,15 @@
               <a:defRPr/>
             </a:lvl9pPr>
           </a:lstStyle>
-          <a:p>
-            <a:endParaRPr/>
-          </a:p>
+          <a:p/>
         </p:txBody>
       </p:sp>
       <p:sp>
         <p:nvSpPr>
           <p:cNvPr id="43" name="Shape 43"/>
-          <p:cNvSpPr txBox="1">
-            <a:spLocks noGrp="1"/>
-          </p:cNvSpPr>
+          <p:cNvSpPr txBox="1"/>
           <p:nvPr>
-            <p:ph type="sldNum" idx="12"/>
+            <p:ph idx="12" type="sldNum"/>
           </p:nvPr>
         </p:nvSpPr>
         <p:spPr>
@@ -4191,7 +4142,7 @@
           </a:prstGeom>
         </p:spPr>
         <p:txBody>
-          <a:bodyPr spcFirstLastPara="1" wrap="square" lIns="91425" tIns="91425" rIns="91425" bIns="91425" anchor="t" anchorCtr="0">
+          <a:bodyPr anchorCtr="0" anchor="t" bIns="91425" lIns="91425" spcFirstLastPara="1" rIns="91425" wrap="square" tIns="91425">
             <a:noAutofit/>
           </a:bodyPr>
           <a:lstStyle>
@@ -4233,7 +4184,7 @@
             </a:lvl9pPr>
           </a:lstStyle>
           <a:p>
-            <a:pPr marL="0" lvl="0" indent="0">
+            <a:pPr indent="0" lvl="0" marL="0">
               <a:spcBef>
                 <a:spcPts val="0"/>
               </a:spcBef>
@@ -4244,16 +4195,7 @@
             </a:pPr>
             <a:fld id="{00000000-1234-1234-1234-123412341234}" type="slidenum">
               <a:rPr lang="en"/>
-              <a:pPr marL="0" lvl="0" indent="0">
-                <a:spcBef>
-                  <a:spcPts val="0"/>
-                </a:spcBef>
-                <a:spcAft>
-                  <a:spcPts val="0"/>
-                </a:spcAft>
-                <a:buNone/>
-              </a:pPr>
-              <a:t>‹N°›</a:t>
+              <a:t>‹#›</a:t>
             </a:fld>
             <a:endParaRPr/>
           </a:p>
@@ -4268,11 +4210,11 @@
 </file>
 
 <file path=ppt/slideLayouts/slideLayout5.xml><?xml version="1.0" encoding="utf-8"?>
-<p:sldLayout xmlns:a="http://schemas.openxmlformats.org/drawingml/2006/main" xmlns:r="http://schemas.openxmlformats.org/officeDocument/2006/relationships" xmlns:p="http://schemas.openxmlformats.org/presentationml/2006/main" matchingName="Title + 2 columns" type="twoColTx">
+<p:sldLayout xmlns:a="http://schemas.openxmlformats.org/drawingml/2006/main" xmlns:r="http://schemas.openxmlformats.org/officeDocument/2006/relationships" xmlns:mc="http://schemas.openxmlformats.org/markup-compatibility/2006" xmlns:mv="urn:schemas-microsoft-com:mac:vml" xmlns:p="http://schemas.openxmlformats.org/presentationml/2006/main" xmlns:c="http://schemas.openxmlformats.org/drawingml/2006/chart" xmlns:dgm="http://schemas.openxmlformats.org/drawingml/2006/diagram" xmlns:o="urn:schemas-microsoft-com:office:office" xmlns:v="urn:schemas-microsoft-com:vml" xmlns:pvml="urn:schemas-microsoft-com:office:powerpoint" xmlns:com="http://schemas.openxmlformats.org/drawingml/2006/compatibility" xmlns:p14="http://schemas.microsoft.com/office/powerpoint/2010/main" xmlns:p15="http://schemas.microsoft.com/office/powerpoint/2012/main" matchingName="Title + 2 columns" type="twoColTx">
   <p:cSld name="TITLE_AND_TWO_COLUMNS">
     <p:spTree>
       <p:nvGrpSpPr>
-        <p:cNvPr id="1" name="Shape 44"/>
+        <p:cNvPr id="44" name="Shape 44"/>
         <p:cNvGrpSpPr/>
         <p:nvPr/>
       </p:nvGrpSpPr>
@@ -4287,9 +4229,7 @@
       <p:sp>
         <p:nvSpPr>
           <p:cNvPr id="45" name="Shape 45"/>
-          <p:cNvSpPr txBox="1">
-            <a:spLocks noGrp="1"/>
-          </p:cNvSpPr>
+          <p:cNvSpPr txBox="1"/>
           <p:nvPr>
             <p:ph type="title"/>
           </p:nvPr>
@@ -4304,7 +4244,7 @@
           </a:prstGeom>
         </p:spPr>
         <p:txBody>
-          <a:bodyPr spcFirstLastPara="1" wrap="square" lIns="91425" tIns="91425" rIns="91425" bIns="91425" anchor="b" anchorCtr="0"/>
+          <a:bodyPr anchorCtr="0" anchor="b" bIns="91425" lIns="91425" spcFirstLastPara="1" rIns="91425" wrap="square" tIns="91425"/>
           <a:lstStyle>
             <a:lvl1pPr lvl="0">
               <a:spcBef>
@@ -4406,19 +4346,15 @@
               <a:defRPr/>
             </a:lvl9pPr>
           </a:lstStyle>
-          <a:p>
-            <a:endParaRPr/>
-          </a:p>
+          <a:p/>
         </p:txBody>
       </p:sp>
       <p:sp>
         <p:nvSpPr>
           <p:cNvPr id="46" name="Shape 46"/>
-          <p:cNvSpPr txBox="1">
-            <a:spLocks noGrp="1"/>
-          </p:cNvSpPr>
+          <p:cNvSpPr txBox="1"/>
           <p:nvPr>
-            <p:ph type="body" idx="1"/>
+            <p:ph idx="1" type="body"/>
           </p:nvPr>
         </p:nvSpPr>
         <p:spPr>
@@ -4431,9 +4367,9 @@
           </a:prstGeom>
         </p:spPr>
         <p:txBody>
-          <a:bodyPr spcFirstLastPara="1" wrap="square" lIns="91425" tIns="91425" rIns="91425" bIns="91425" anchor="t" anchorCtr="0"/>
+          <a:bodyPr anchorCtr="0" anchor="t" bIns="91425" lIns="91425" spcFirstLastPara="1" rIns="91425" wrap="square" tIns="91425"/>
           <a:lstStyle>
-            <a:lvl1pPr marL="457200" lvl="0" indent="-393700">
+            <a:lvl1pPr indent="-393700" lvl="0" marL="457200">
               <a:spcBef>
                 <a:spcPts val="600"/>
               </a:spcBef>
@@ -4444,7 +4380,7 @@
               <a:buChar char="◎"/>
               <a:defRPr sz="2600"/>
             </a:lvl1pPr>
-            <a:lvl2pPr marL="914400" lvl="1" indent="-393700">
+            <a:lvl2pPr indent="-393700" lvl="1" marL="914400">
               <a:spcBef>
                 <a:spcPts val="0"/>
               </a:spcBef>
@@ -4455,7 +4391,7 @@
               <a:buChar char="○"/>
               <a:defRPr sz="2600"/>
             </a:lvl2pPr>
-            <a:lvl3pPr marL="1371600" lvl="2" indent="-393700">
+            <a:lvl3pPr indent="-393700" lvl="2" marL="1371600">
               <a:spcBef>
                 <a:spcPts val="0"/>
               </a:spcBef>
@@ -4466,7 +4402,7 @@
               <a:buChar char="◉"/>
               <a:defRPr sz="2600"/>
             </a:lvl3pPr>
-            <a:lvl4pPr marL="1828800" lvl="3" indent="-393700">
+            <a:lvl4pPr indent="-393700" lvl="3" marL="1828800">
               <a:spcBef>
                 <a:spcPts val="0"/>
               </a:spcBef>
@@ -4477,7 +4413,7 @@
               <a:buChar char="●"/>
               <a:defRPr sz="2600"/>
             </a:lvl4pPr>
-            <a:lvl5pPr marL="2286000" lvl="4" indent="-393700">
+            <a:lvl5pPr indent="-393700" lvl="4" marL="2286000">
               <a:spcBef>
                 <a:spcPts val="0"/>
               </a:spcBef>
@@ -4488,7 +4424,7 @@
               <a:buChar char="○"/>
               <a:defRPr sz="2600"/>
             </a:lvl5pPr>
-            <a:lvl6pPr marL="2743200" lvl="5" indent="-393700">
+            <a:lvl6pPr indent="-393700" lvl="5" marL="2743200">
               <a:spcBef>
                 <a:spcPts val="0"/>
               </a:spcBef>
@@ -4499,7 +4435,7 @@
               <a:buChar char="■"/>
               <a:defRPr sz="2600"/>
             </a:lvl6pPr>
-            <a:lvl7pPr marL="3200400" lvl="6" indent="-393700">
+            <a:lvl7pPr indent="-393700" lvl="6" marL="3200400">
               <a:spcBef>
                 <a:spcPts val="0"/>
               </a:spcBef>
@@ -4510,7 +4446,7 @@
               <a:buChar char="●"/>
               <a:defRPr sz="2600"/>
             </a:lvl7pPr>
-            <a:lvl8pPr marL="3657600" lvl="7" indent="-393700">
+            <a:lvl8pPr indent="-393700" lvl="7" marL="3657600">
               <a:spcBef>
                 <a:spcPts val="0"/>
               </a:spcBef>
@@ -4521,7 +4457,7 @@
               <a:buChar char="○"/>
               <a:defRPr sz="2600"/>
             </a:lvl8pPr>
-            <a:lvl9pPr marL="4114800" lvl="8" indent="-393700">
+            <a:lvl9pPr indent="-393700" lvl="8" marL="4114800">
               <a:spcBef>
                 <a:spcPts val="0"/>
               </a:spcBef>
@@ -4533,19 +4469,15 @@
               <a:defRPr sz="2600"/>
             </a:lvl9pPr>
           </a:lstStyle>
-          <a:p>
-            <a:endParaRPr/>
-          </a:p>
+          <a:p/>
         </p:txBody>
       </p:sp>
       <p:sp>
         <p:nvSpPr>
           <p:cNvPr id="47" name="Shape 47"/>
-          <p:cNvSpPr txBox="1">
-            <a:spLocks noGrp="1"/>
-          </p:cNvSpPr>
+          <p:cNvSpPr txBox="1"/>
           <p:nvPr>
-            <p:ph type="body" idx="2"/>
+            <p:ph idx="2" type="body"/>
           </p:nvPr>
         </p:nvSpPr>
         <p:spPr>
@@ -4558,9 +4490,9 @@
           </a:prstGeom>
         </p:spPr>
         <p:txBody>
-          <a:bodyPr spcFirstLastPara="1" wrap="square" lIns="91425" tIns="91425" rIns="91425" bIns="91425" anchor="t" anchorCtr="0"/>
+          <a:bodyPr anchorCtr="0" anchor="t" bIns="91425" lIns="91425" spcFirstLastPara="1" rIns="91425" wrap="square" tIns="91425"/>
           <a:lstStyle>
-            <a:lvl1pPr marL="457200" lvl="0" indent="-393700">
+            <a:lvl1pPr indent="-393700" lvl="0" marL="457200">
               <a:spcBef>
                 <a:spcPts val="600"/>
               </a:spcBef>
@@ -4571,7 +4503,7 @@
               <a:buChar char="◎"/>
               <a:defRPr sz="2600"/>
             </a:lvl1pPr>
-            <a:lvl2pPr marL="914400" lvl="1" indent="-393700">
+            <a:lvl2pPr indent="-393700" lvl="1" marL="914400">
               <a:spcBef>
                 <a:spcPts val="0"/>
               </a:spcBef>
@@ -4582,7 +4514,7 @@
               <a:buChar char="○"/>
               <a:defRPr sz="2600"/>
             </a:lvl2pPr>
-            <a:lvl3pPr marL="1371600" lvl="2" indent="-393700">
+            <a:lvl3pPr indent="-393700" lvl="2" marL="1371600">
               <a:spcBef>
                 <a:spcPts val="0"/>
               </a:spcBef>
@@ -4593,7 +4525,7 @@
               <a:buChar char="◉"/>
               <a:defRPr sz="2600"/>
             </a:lvl3pPr>
-            <a:lvl4pPr marL="1828800" lvl="3" indent="-393700">
+            <a:lvl4pPr indent="-393700" lvl="3" marL="1828800">
               <a:spcBef>
                 <a:spcPts val="0"/>
               </a:spcBef>
@@ -4604,7 +4536,7 @@
               <a:buChar char="●"/>
               <a:defRPr sz="2600"/>
             </a:lvl4pPr>
-            <a:lvl5pPr marL="2286000" lvl="4" indent="-393700">
+            <a:lvl5pPr indent="-393700" lvl="4" marL="2286000">
               <a:spcBef>
                 <a:spcPts val="0"/>
               </a:spcBef>
@@ -4615,7 +4547,7 @@
               <a:buChar char="○"/>
               <a:defRPr sz="2600"/>
             </a:lvl5pPr>
-            <a:lvl6pPr marL="2743200" lvl="5" indent="-393700">
+            <a:lvl6pPr indent="-393700" lvl="5" marL="2743200">
               <a:spcBef>
                 <a:spcPts val="0"/>
               </a:spcBef>
@@ -4626,7 +4558,7 @@
               <a:buChar char="■"/>
               <a:defRPr sz="2600"/>
             </a:lvl6pPr>
-            <a:lvl7pPr marL="3200400" lvl="6" indent="-393700">
+            <a:lvl7pPr indent="-393700" lvl="6" marL="3200400">
               <a:spcBef>
                 <a:spcPts val="0"/>
               </a:spcBef>
@@ -4637,7 +4569,7 @@
               <a:buChar char="●"/>
               <a:defRPr sz="2600"/>
             </a:lvl7pPr>
-            <a:lvl8pPr marL="3657600" lvl="7" indent="-393700">
+            <a:lvl8pPr indent="-393700" lvl="7" marL="3657600">
               <a:spcBef>
                 <a:spcPts val="0"/>
               </a:spcBef>
@@ -4648,7 +4580,7 @@
               <a:buChar char="○"/>
               <a:defRPr sz="2600"/>
             </a:lvl8pPr>
-            <a:lvl9pPr marL="4114800" lvl="8" indent="-393700">
+            <a:lvl9pPr indent="-393700" lvl="8" marL="4114800">
               <a:spcBef>
                 <a:spcPts val="0"/>
               </a:spcBef>
@@ -4660,19 +4592,15 @@
               <a:defRPr sz="2600"/>
             </a:lvl9pPr>
           </a:lstStyle>
-          <a:p>
-            <a:endParaRPr/>
-          </a:p>
+          <a:p/>
         </p:txBody>
       </p:sp>
       <p:sp>
         <p:nvSpPr>
           <p:cNvPr id="48" name="Shape 48"/>
-          <p:cNvSpPr txBox="1">
-            <a:spLocks noGrp="1"/>
-          </p:cNvSpPr>
+          <p:cNvSpPr txBox="1"/>
           <p:nvPr>
-            <p:ph type="sldNum" idx="12"/>
+            <p:ph idx="12" type="sldNum"/>
           </p:nvPr>
         </p:nvSpPr>
         <p:spPr>
@@ -4685,7 +4613,7 @@
           </a:prstGeom>
         </p:spPr>
         <p:txBody>
-          <a:bodyPr spcFirstLastPara="1" wrap="square" lIns="91425" tIns="91425" rIns="91425" bIns="91425" anchor="t" anchorCtr="0">
+          <a:bodyPr anchorCtr="0" anchor="t" bIns="91425" lIns="91425" spcFirstLastPara="1" rIns="91425" wrap="square" tIns="91425">
             <a:noAutofit/>
           </a:bodyPr>
           <a:lstStyle>
@@ -4727,7 +4655,7 @@
             </a:lvl9pPr>
           </a:lstStyle>
           <a:p>
-            <a:pPr marL="0" lvl="0" indent="0">
+            <a:pPr indent="0" lvl="0" marL="0">
               <a:spcBef>
                 <a:spcPts val="0"/>
               </a:spcBef>
@@ -4738,16 +4666,7 @@
             </a:pPr>
             <a:fld id="{00000000-1234-1234-1234-123412341234}" type="slidenum">
               <a:rPr lang="en"/>
-              <a:pPr marL="0" lvl="0" indent="0">
-                <a:spcBef>
-                  <a:spcPts val="0"/>
-                </a:spcBef>
-                <a:spcAft>
-                  <a:spcPts val="0"/>
-                </a:spcAft>
-                <a:buNone/>
-              </a:pPr>
-              <a:t>‹N°›</a:t>
+              <a:t>‹#›</a:t>
             </a:fld>
             <a:endParaRPr/>
           </a:p>
@@ -4762,11 +4681,11 @@
 </file>
 
 <file path=ppt/slideLayouts/slideLayout6.xml><?xml version="1.0" encoding="utf-8"?>
-<p:sldLayout xmlns:a="http://schemas.openxmlformats.org/drawingml/2006/main" xmlns:r="http://schemas.openxmlformats.org/officeDocument/2006/relationships" xmlns:p="http://schemas.openxmlformats.org/presentationml/2006/main" matchingName="Title + 3 columns">
+<p:sldLayout xmlns:a="http://schemas.openxmlformats.org/drawingml/2006/main" xmlns:r="http://schemas.openxmlformats.org/officeDocument/2006/relationships" xmlns:mc="http://schemas.openxmlformats.org/markup-compatibility/2006" xmlns:mv="urn:schemas-microsoft-com:mac:vml" xmlns:p="http://schemas.openxmlformats.org/presentationml/2006/main" xmlns:c="http://schemas.openxmlformats.org/drawingml/2006/chart" xmlns:dgm="http://schemas.openxmlformats.org/drawingml/2006/diagram" xmlns:o="urn:schemas-microsoft-com:office:office" xmlns:v="urn:schemas-microsoft-com:vml" xmlns:pvml="urn:schemas-microsoft-com:office:powerpoint" xmlns:com="http://schemas.openxmlformats.org/drawingml/2006/compatibility" xmlns:p14="http://schemas.microsoft.com/office/powerpoint/2010/main" xmlns:p15="http://schemas.microsoft.com/office/powerpoint/2012/main" matchingName="Title + 3 columns">
   <p:cSld name="TITLE_AND_TWO_COLUMNS_1">
     <p:spTree>
       <p:nvGrpSpPr>
-        <p:cNvPr id="1" name="Shape 49"/>
+        <p:cNvPr id="49" name="Shape 49"/>
         <p:cNvGrpSpPr/>
         <p:nvPr/>
       </p:nvGrpSpPr>
@@ -4781,9 +4700,7 @@
       <p:sp>
         <p:nvSpPr>
           <p:cNvPr id="50" name="Shape 50"/>
-          <p:cNvSpPr txBox="1">
-            <a:spLocks noGrp="1"/>
-          </p:cNvSpPr>
+          <p:cNvSpPr txBox="1"/>
           <p:nvPr>
             <p:ph type="title"/>
           </p:nvPr>
@@ -4798,7 +4715,7 @@
           </a:prstGeom>
         </p:spPr>
         <p:txBody>
-          <a:bodyPr spcFirstLastPara="1" wrap="square" lIns="91425" tIns="91425" rIns="91425" bIns="91425" anchor="b" anchorCtr="0"/>
+          <a:bodyPr anchorCtr="0" anchor="b" bIns="91425" lIns="91425" spcFirstLastPara="1" rIns="91425" wrap="square" tIns="91425"/>
           <a:lstStyle>
             <a:lvl1pPr lvl="0" rtl="0">
               <a:spcBef>
@@ -4900,19 +4817,15 @@
               <a:defRPr/>
             </a:lvl9pPr>
           </a:lstStyle>
-          <a:p>
-            <a:endParaRPr/>
-          </a:p>
+          <a:p/>
         </p:txBody>
       </p:sp>
       <p:sp>
         <p:nvSpPr>
           <p:cNvPr id="51" name="Shape 51"/>
-          <p:cNvSpPr txBox="1">
-            <a:spLocks noGrp="1"/>
-          </p:cNvSpPr>
+          <p:cNvSpPr txBox="1"/>
           <p:nvPr>
-            <p:ph type="body" idx="1"/>
+            <p:ph idx="1" type="body"/>
           </p:nvPr>
         </p:nvSpPr>
         <p:spPr>
@@ -4925,9 +4838,9 @@
           </a:prstGeom>
         </p:spPr>
         <p:txBody>
-          <a:bodyPr spcFirstLastPara="1" wrap="square" lIns="91425" tIns="91425" rIns="91425" bIns="91425" anchor="t" anchorCtr="0"/>
+          <a:bodyPr anchorCtr="0" anchor="t" bIns="91425" lIns="91425" spcFirstLastPara="1" rIns="91425" wrap="square" tIns="91425"/>
           <a:lstStyle>
-            <a:lvl1pPr marL="457200" lvl="0" indent="-355600" rtl="0">
+            <a:lvl1pPr indent="-355600" lvl="0" marL="457200" rtl="0">
               <a:spcBef>
                 <a:spcPts val="600"/>
               </a:spcBef>
@@ -4938,7 +4851,7 @@
               <a:buChar char="◎"/>
               <a:defRPr sz="2000"/>
             </a:lvl1pPr>
-            <a:lvl2pPr marL="914400" lvl="1" indent="-355600" rtl="0">
+            <a:lvl2pPr indent="-355600" lvl="1" marL="914400" rtl="0">
               <a:spcBef>
                 <a:spcPts val="0"/>
               </a:spcBef>
@@ -4949,7 +4862,7 @@
               <a:buChar char="○"/>
               <a:defRPr sz="2000"/>
             </a:lvl2pPr>
-            <a:lvl3pPr marL="1371600" lvl="2" indent="-355600" rtl="0">
+            <a:lvl3pPr indent="-355600" lvl="2" marL="1371600" rtl="0">
               <a:spcBef>
                 <a:spcPts val="0"/>
               </a:spcBef>
@@ -4960,7 +4873,7 @@
               <a:buChar char="◉"/>
               <a:defRPr sz="2000"/>
             </a:lvl3pPr>
-            <a:lvl4pPr marL="1828800" lvl="3" indent="-355600" rtl="0">
+            <a:lvl4pPr indent="-355600" lvl="3" marL="1828800" rtl="0">
               <a:spcBef>
                 <a:spcPts val="0"/>
               </a:spcBef>
@@ -4971,7 +4884,7 @@
               <a:buChar char="●"/>
               <a:defRPr sz="2000"/>
             </a:lvl4pPr>
-            <a:lvl5pPr marL="2286000" lvl="4" indent="-355600" rtl="0">
+            <a:lvl5pPr indent="-355600" lvl="4" marL="2286000" rtl="0">
               <a:spcBef>
                 <a:spcPts val="0"/>
               </a:spcBef>
@@ -4982,7 +4895,7 @@
               <a:buChar char="○"/>
               <a:defRPr sz="2000"/>
             </a:lvl5pPr>
-            <a:lvl6pPr marL="2743200" lvl="5" indent="-355600" rtl="0">
+            <a:lvl6pPr indent="-355600" lvl="5" marL="2743200" rtl="0">
               <a:spcBef>
                 <a:spcPts val="0"/>
               </a:spcBef>
@@ -4993,7 +4906,7 @@
               <a:buChar char="■"/>
               <a:defRPr sz="2000"/>
             </a:lvl6pPr>
-            <a:lvl7pPr marL="3200400" lvl="6" indent="-355600" rtl="0">
+            <a:lvl7pPr indent="-355600" lvl="6" marL="3200400" rtl="0">
               <a:spcBef>
                 <a:spcPts val="0"/>
               </a:spcBef>
@@ -5004,7 +4917,7 @@
               <a:buChar char="●"/>
               <a:defRPr sz="2000"/>
             </a:lvl7pPr>
-            <a:lvl8pPr marL="3657600" lvl="7" indent="-355600" rtl="0">
+            <a:lvl8pPr indent="-355600" lvl="7" marL="3657600" rtl="0">
               <a:spcBef>
                 <a:spcPts val="0"/>
               </a:spcBef>
@@ -5015,7 +4928,7 @@
               <a:buChar char="○"/>
               <a:defRPr sz="2000"/>
             </a:lvl8pPr>
-            <a:lvl9pPr marL="4114800" lvl="8" indent="-355600" rtl="0">
+            <a:lvl9pPr indent="-355600" lvl="8" marL="4114800" rtl="0">
               <a:spcBef>
                 <a:spcPts val="0"/>
               </a:spcBef>
@@ -5027,19 +4940,15 @@
               <a:defRPr sz="2000"/>
             </a:lvl9pPr>
           </a:lstStyle>
-          <a:p>
-            <a:endParaRPr/>
-          </a:p>
+          <a:p/>
         </p:txBody>
       </p:sp>
       <p:sp>
         <p:nvSpPr>
           <p:cNvPr id="52" name="Shape 52"/>
-          <p:cNvSpPr txBox="1">
-            <a:spLocks noGrp="1"/>
-          </p:cNvSpPr>
+          <p:cNvSpPr txBox="1"/>
           <p:nvPr>
-            <p:ph type="body" idx="2"/>
+            <p:ph idx="2" type="body"/>
           </p:nvPr>
         </p:nvSpPr>
         <p:spPr>
@@ -5052,9 +4961,9 @@
           </a:prstGeom>
         </p:spPr>
         <p:txBody>
-          <a:bodyPr spcFirstLastPara="1" wrap="square" lIns="91425" tIns="91425" rIns="91425" bIns="91425" anchor="t" anchorCtr="0"/>
+          <a:bodyPr anchorCtr="0" anchor="t" bIns="91425" lIns="91425" spcFirstLastPara="1" rIns="91425" wrap="square" tIns="91425"/>
           <a:lstStyle>
-            <a:lvl1pPr marL="457200" lvl="0" indent="-355600" rtl="0">
+            <a:lvl1pPr indent="-355600" lvl="0" marL="457200" rtl="0">
               <a:spcBef>
                 <a:spcPts val="600"/>
               </a:spcBef>
@@ -5065,7 +4974,7 @@
               <a:buChar char="◎"/>
               <a:defRPr sz="2000"/>
             </a:lvl1pPr>
-            <a:lvl2pPr marL="914400" lvl="1" indent="-355600" rtl="0">
+            <a:lvl2pPr indent="-355600" lvl="1" marL="914400" rtl="0">
               <a:spcBef>
                 <a:spcPts val="0"/>
               </a:spcBef>
@@ -5076,7 +4985,7 @@
               <a:buChar char="○"/>
               <a:defRPr sz="2000"/>
             </a:lvl2pPr>
-            <a:lvl3pPr marL="1371600" lvl="2" indent="-355600" rtl="0">
+            <a:lvl3pPr indent="-355600" lvl="2" marL="1371600" rtl="0">
               <a:spcBef>
                 <a:spcPts val="0"/>
               </a:spcBef>
@@ -5087,7 +4996,7 @@
               <a:buChar char="◉"/>
               <a:defRPr sz="2000"/>
             </a:lvl3pPr>
-            <a:lvl4pPr marL="1828800" lvl="3" indent="-355600" rtl="0">
+            <a:lvl4pPr indent="-355600" lvl="3" marL="1828800" rtl="0">
               <a:spcBef>
                 <a:spcPts val="0"/>
               </a:spcBef>
@@ -5098,7 +5007,7 @@
               <a:buChar char="●"/>
               <a:defRPr sz="2000"/>
             </a:lvl4pPr>
-            <a:lvl5pPr marL="2286000" lvl="4" indent="-355600" rtl="0">
+            <a:lvl5pPr indent="-355600" lvl="4" marL="2286000" rtl="0">
               <a:spcBef>
                 <a:spcPts val="0"/>
               </a:spcBef>
@@ -5109,7 +5018,7 @@
               <a:buChar char="○"/>
               <a:defRPr sz="2000"/>
             </a:lvl5pPr>
-            <a:lvl6pPr marL="2743200" lvl="5" indent="-355600" rtl="0">
+            <a:lvl6pPr indent="-355600" lvl="5" marL="2743200" rtl="0">
               <a:spcBef>
                 <a:spcPts val="0"/>
               </a:spcBef>
@@ -5120,7 +5029,7 @@
               <a:buChar char="■"/>
               <a:defRPr sz="2000"/>
             </a:lvl6pPr>
-            <a:lvl7pPr marL="3200400" lvl="6" indent="-355600" rtl="0">
+            <a:lvl7pPr indent="-355600" lvl="6" marL="3200400" rtl="0">
               <a:spcBef>
                 <a:spcPts val="0"/>
               </a:spcBef>
@@ -5131,7 +5040,7 @@
               <a:buChar char="●"/>
               <a:defRPr sz="2000"/>
             </a:lvl7pPr>
-            <a:lvl8pPr marL="3657600" lvl="7" indent="-355600" rtl="0">
+            <a:lvl8pPr indent="-355600" lvl="7" marL="3657600" rtl="0">
               <a:spcBef>
                 <a:spcPts val="0"/>
               </a:spcBef>
@@ -5142,7 +5051,7 @@
               <a:buChar char="○"/>
               <a:defRPr sz="2000"/>
             </a:lvl8pPr>
-            <a:lvl9pPr marL="4114800" lvl="8" indent="-355600" rtl="0">
+            <a:lvl9pPr indent="-355600" lvl="8" marL="4114800" rtl="0">
               <a:spcBef>
                 <a:spcPts val="0"/>
               </a:spcBef>
@@ -5154,19 +5063,15 @@
               <a:defRPr sz="2000"/>
             </a:lvl9pPr>
           </a:lstStyle>
-          <a:p>
-            <a:endParaRPr/>
-          </a:p>
+          <a:p/>
         </p:txBody>
       </p:sp>
       <p:sp>
         <p:nvSpPr>
           <p:cNvPr id="53" name="Shape 53"/>
-          <p:cNvSpPr txBox="1">
-            <a:spLocks noGrp="1"/>
-          </p:cNvSpPr>
+          <p:cNvSpPr txBox="1"/>
           <p:nvPr>
-            <p:ph type="body" idx="3"/>
+            <p:ph idx="3" type="body"/>
           </p:nvPr>
         </p:nvSpPr>
         <p:spPr>
@@ -5179,9 +5084,9 @@
           </a:prstGeom>
         </p:spPr>
         <p:txBody>
-          <a:bodyPr spcFirstLastPara="1" wrap="square" lIns="91425" tIns="91425" rIns="91425" bIns="91425" anchor="t" anchorCtr="0"/>
+          <a:bodyPr anchorCtr="0" anchor="t" bIns="91425" lIns="91425" spcFirstLastPara="1" rIns="91425" wrap="square" tIns="91425"/>
           <a:lstStyle>
-            <a:lvl1pPr marL="457200" lvl="0" indent="-355600" rtl="0">
+            <a:lvl1pPr indent="-355600" lvl="0" marL="457200" rtl="0">
               <a:spcBef>
                 <a:spcPts val="600"/>
               </a:spcBef>
@@ -5192,7 +5097,7 @@
               <a:buChar char="◎"/>
               <a:defRPr sz="2000"/>
             </a:lvl1pPr>
-            <a:lvl2pPr marL="914400" lvl="1" indent="-355600" rtl="0">
+            <a:lvl2pPr indent="-355600" lvl="1" marL="914400" rtl="0">
               <a:spcBef>
                 <a:spcPts val="0"/>
               </a:spcBef>
@@ -5203,7 +5108,7 @@
               <a:buChar char="○"/>
               <a:defRPr sz="2000"/>
             </a:lvl2pPr>
-            <a:lvl3pPr marL="1371600" lvl="2" indent="-355600" rtl="0">
+            <a:lvl3pPr indent="-355600" lvl="2" marL="1371600" rtl="0">
               <a:spcBef>
                 <a:spcPts val="0"/>
               </a:spcBef>
@@ -5214,7 +5119,7 @@
               <a:buChar char="◉"/>
               <a:defRPr sz="2000"/>
             </a:lvl3pPr>
-            <a:lvl4pPr marL="1828800" lvl="3" indent="-355600" rtl="0">
+            <a:lvl4pPr indent="-355600" lvl="3" marL="1828800" rtl="0">
               <a:spcBef>
                 <a:spcPts val="0"/>
               </a:spcBef>
@@ -5225,7 +5130,7 @@
               <a:buChar char="●"/>
               <a:defRPr sz="2000"/>
             </a:lvl4pPr>
-            <a:lvl5pPr marL="2286000" lvl="4" indent="-355600" rtl="0">
+            <a:lvl5pPr indent="-355600" lvl="4" marL="2286000" rtl="0">
               <a:spcBef>
                 <a:spcPts val="0"/>
               </a:spcBef>
@@ -5236,7 +5141,7 @@
               <a:buChar char="○"/>
               <a:defRPr sz="2000"/>
             </a:lvl5pPr>
-            <a:lvl6pPr marL="2743200" lvl="5" indent="-355600" rtl="0">
+            <a:lvl6pPr indent="-355600" lvl="5" marL="2743200" rtl="0">
               <a:spcBef>
                 <a:spcPts val="0"/>
               </a:spcBef>
@@ -5247,7 +5152,7 @@
               <a:buChar char="■"/>
               <a:defRPr sz="2000"/>
             </a:lvl6pPr>
-            <a:lvl7pPr marL="3200400" lvl="6" indent="-355600" rtl="0">
+            <a:lvl7pPr indent="-355600" lvl="6" marL="3200400" rtl="0">
               <a:spcBef>
                 <a:spcPts val="0"/>
               </a:spcBef>
@@ -5258,7 +5163,7 @@
               <a:buChar char="●"/>
               <a:defRPr sz="2000"/>
             </a:lvl7pPr>
-            <a:lvl8pPr marL="3657600" lvl="7" indent="-355600" rtl="0">
+            <a:lvl8pPr indent="-355600" lvl="7" marL="3657600" rtl="0">
               <a:spcBef>
                 <a:spcPts val="0"/>
               </a:spcBef>
@@ -5269,7 +5174,7 @@
               <a:buChar char="○"/>
               <a:defRPr sz="2000"/>
             </a:lvl8pPr>
-            <a:lvl9pPr marL="4114800" lvl="8" indent="-355600" rtl="0">
+            <a:lvl9pPr indent="-355600" lvl="8" marL="4114800" rtl="0">
               <a:spcBef>
                 <a:spcPts val="0"/>
               </a:spcBef>
@@ -5281,19 +5186,15 @@
               <a:defRPr sz="2000"/>
             </a:lvl9pPr>
           </a:lstStyle>
-          <a:p>
-            <a:endParaRPr/>
-          </a:p>
+          <a:p/>
         </p:txBody>
       </p:sp>
       <p:sp>
         <p:nvSpPr>
           <p:cNvPr id="54" name="Shape 54"/>
-          <p:cNvSpPr txBox="1">
-            <a:spLocks noGrp="1"/>
-          </p:cNvSpPr>
+          <p:cNvSpPr txBox="1"/>
           <p:nvPr>
-            <p:ph type="sldNum" idx="12"/>
+            <p:ph idx="12" type="sldNum"/>
           </p:nvPr>
         </p:nvSpPr>
         <p:spPr>
@@ -5306,7 +5207,7 @@
           </a:prstGeom>
         </p:spPr>
         <p:txBody>
-          <a:bodyPr spcFirstLastPara="1" wrap="square" lIns="91425" tIns="91425" rIns="91425" bIns="91425" anchor="t" anchorCtr="0">
+          <a:bodyPr anchorCtr="0" anchor="t" bIns="91425" lIns="91425" spcFirstLastPara="1" rIns="91425" wrap="square" tIns="91425">
             <a:noAutofit/>
           </a:bodyPr>
           <a:lstStyle>
@@ -5348,7 +5249,7 @@
             </a:lvl9pPr>
           </a:lstStyle>
           <a:p>
-            <a:pPr marL="0" lvl="0" indent="0">
+            <a:pPr indent="0" lvl="0" marL="0">
               <a:spcBef>
                 <a:spcPts val="0"/>
               </a:spcBef>
@@ -5359,16 +5260,7 @@
             </a:pPr>
             <a:fld id="{00000000-1234-1234-1234-123412341234}" type="slidenum">
               <a:rPr lang="en"/>
-              <a:pPr marL="0" lvl="0" indent="0">
-                <a:spcBef>
-                  <a:spcPts val="0"/>
-                </a:spcBef>
-                <a:spcAft>
-                  <a:spcPts val="0"/>
-                </a:spcAft>
-                <a:buNone/>
-              </a:pPr>
-              <a:t>‹N°›</a:t>
+              <a:t>‹#›</a:t>
             </a:fld>
             <a:endParaRPr/>
           </a:p>
@@ -5383,7 +5275,7 @@
 </file>
 
 <file path=ppt/slideLayouts/slideLayout7.xml><?xml version="1.0" encoding="utf-8"?>
-<p:sldLayout xmlns:a="http://schemas.openxmlformats.org/drawingml/2006/main" xmlns:r="http://schemas.openxmlformats.org/officeDocument/2006/relationships" xmlns:p="http://schemas.openxmlformats.org/presentationml/2006/main" matchingName="Title only" type="titleOnly">
+<p:sldLayout xmlns:a="http://schemas.openxmlformats.org/drawingml/2006/main" xmlns:r="http://schemas.openxmlformats.org/officeDocument/2006/relationships" xmlns:mc="http://schemas.openxmlformats.org/markup-compatibility/2006" xmlns:mv="urn:schemas-microsoft-com:mac:vml" xmlns:p="http://schemas.openxmlformats.org/presentationml/2006/main" xmlns:c="http://schemas.openxmlformats.org/drawingml/2006/chart" xmlns:dgm="http://schemas.openxmlformats.org/drawingml/2006/diagram" xmlns:o="urn:schemas-microsoft-com:office:office" xmlns:v="urn:schemas-microsoft-com:vml" xmlns:pvml="urn:schemas-microsoft-com:office:powerpoint" xmlns:com="http://schemas.openxmlformats.org/drawingml/2006/compatibility" xmlns:p14="http://schemas.microsoft.com/office/powerpoint/2010/main" xmlns:p15="http://schemas.microsoft.com/office/powerpoint/2012/main" matchingName="Title only" type="titleOnly">
   <p:cSld name="TITLE_ONLY">
     <p:bg>
       <p:bgPr>
@@ -5395,12 +5287,11 @@
             <a:fillRect/>
           </a:stretch>
         </a:blipFill>
-        <a:effectLst/>
       </p:bgPr>
     </p:bg>
     <p:spTree>
       <p:nvGrpSpPr>
-        <p:cNvPr id="1" name="Shape 55"/>
+        <p:cNvPr id="55" name="Shape 55"/>
         <p:cNvGrpSpPr/>
         <p:nvPr/>
       </p:nvGrpSpPr>
@@ -5415,9 +5306,7 @@
       <p:sp>
         <p:nvSpPr>
           <p:cNvPr id="56" name="Shape 56"/>
-          <p:cNvSpPr txBox="1">
-            <a:spLocks noGrp="1"/>
-          </p:cNvSpPr>
+          <p:cNvSpPr txBox="1"/>
           <p:nvPr>
             <p:ph type="title"/>
           </p:nvPr>
@@ -5432,7 +5321,7 @@
           </a:prstGeom>
         </p:spPr>
         <p:txBody>
-          <a:bodyPr spcFirstLastPara="1" wrap="square" lIns="91425" tIns="91425" rIns="91425" bIns="91425" anchor="b" anchorCtr="0"/>
+          <a:bodyPr anchorCtr="0" anchor="b" bIns="91425" lIns="91425" spcFirstLastPara="1" rIns="91425" wrap="square" tIns="91425"/>
           <a:lstStyle>
             <a:lvl1pPr lvl="0">
               <a:spcBef>
@@ -5534,19 +5423,15 @@
               <a:defRPr/>
             </a:lvl9pPr>
           </a:lstStyle>
-          <a:p>
-            <a:endParaRPr/>
-          </a:p>
+          <a:p/>
         </p:txBody>
       </p:sp>
       <p:sp>
         <p:nvSpPr>
           <p:cNvPr id="57" name="Shape 57"/>
-          <p:cNvSpPr txBox="1">
-            <a:spLocks noGrp="1"/>
-          </p:cNvSpPr>
+          <p:cNvSpPr txBox="1"/>
           <p:nvPr>
-            <p:ph type="sldNum" idx="12"/>
+            <p:ph idx="12" type="sldNum"/>
           </p:nvPr>
         </p:nvSpPr>
         <p:spPr>
@@ -5559,7 +5444,7 @@
           </a:prstGeom>
         </p:spPr>
         <p:txBody>
-          <a:bodyPr spcFirstLastPara="1" wrap="square" lIns="91425" tIns="91425" rIns="91425" bIns="91425" anchor="t" anchorCtr="0">
+          <a:bodyPr anchorCtr="0" anchor="t" bIns="91425" lIns="91425" spcFirstLastPara="1" rIns="91425" wrap="square" tIns="91425">
             <a:noAutofit/>
           </a:bodyPr>
           <a:lstStyle>
@@ -5601,7 +5486,7 @@
             </a:lvl9pPr>
           </a:lstStyle>
           <a:p>
-            <a:pPr marL="0" lvl="0" indent="0">
+            <a:pPr indent="0" lvl="0" marL="0">
               <a:spcBef>
                 <a:spcPts val="0"/>
               </a:spcBef>
@@ -5612,16 +5497,7 @@
             </a:pPr>
             <a:fld id="{00000000-1234-1234-1234-123412341234}" type="slidenum">
               <a:rPr lang="en"/>
-              <a:pPr marL="0" lvl="0" indent="0">
-                <a:spcBef>
-                  <a:spcPts val="0"/>
-                </a:spcBef>
-                <a:spcAft>
-                  <a:spcPts val="0"/>
-                </a:spcAft>
-                <a:buNone/>
-              </a:pPr>
-              <a:t>‹N°›</a:t>
+              <a:t>‹#›</a:t>
             </a:fld>
             <a:endParaRPr/>
           </a:p>
@@ -5636,7 +5512,7 @@
 </file>
 
 <file path=ppt/slideLayouts/slideLayout8.xml><?xml version="1.0" encoding="utf-8"?>
-<p:sldLayout xmlns:a="http://schemas.openxmlformats.org/drawingml/2006/main" xmlns:r="http://schemas.openxmlformats.org/officeDocument/2006/relationships" xmlns:p="http://schemas.openxmlformats.org/presentationml/2006/main" matchingName="Caption">
+<p:sldLayout xmlns:a="http://schemas.openxmlformats.org/drawingml/2006/main" xmlns:r="http://schemas.openxmlformats.org/officeDocument/2006/relationships" xmlns:mc="http://schemas.openxmlformats.org/markup-compatibility/2006" xmlns:mv="urn:schemas-microsoft-com:mac:vml" xmlns:p="http://schemas.openxmlformats.org/presentationml/2006/main" xmlns:c="http://schemas.openxmlformats.org/drawingml/2006/chart" xmlns:dgm="http://schemas.openxmlformats.org/drawingml/2006/diagram" xmlns:o="urn:schemas-microsoft-com:office:office" xmlns:v="urn:schemas-microsoft-com:vml" xmlns:pvml="urn:schemas-microsoft-com:office:powerpoint" xmlns:com="http://schemas.openxmlformats.org/drawingml/2006/compatibility" xmlns:p14="http://schemas.microsoft.com/office/powerpoint/2010/main" xmlns:p15="http://schemas.microsoft.com/office/powerpoint/2012/main" matchingName="Caption">
   <p:cSld name="CAPTION_ONLY">
     <p:bg>
       <p:bgPr>
@@ -5648,12 +5524,11 @@
             <a:fillRect/>
           </a:stretch>
         </a:blipFill>
-        <a:effectLst/>
       </p:bgPr>
     </p:bg>
     <p:spTree>
       <p:nvGrpSpPr>
-        <p:cNvPr id="1" name="Shape 58"/>
+        <p:cNvPr id="58" name="Shape 58"/>
         <p:cNvGrpSpPr/>
         <p:nvPr/>
       </p:nvGrpSpPr>
@@ -5668,11 +5543,9 @@
       <p:sp>
         <p:nvSpPr>
           <p:cNvPr id="59" name="Shape 59"/>
-          <p:cNvSpPr txBox="1">
-            <a:spLocks noGrp="1"/>
-          </p:cNvSpPr>
+          <p:cNvSpPr txBox="1"/>
           <p:nvPr>
-            <p:ph type="body" idx="1"/>
+            <p:ph idx="1" type="body"/>
           </p:nvPr>
         </p:nvSpPr>
         <p:spPr>
@@ -5685,9 +5558,9 @@
           </a:prstGeom>
         </p:spPr>
         <p:txBody>
-          <a:bodyPr spcFirstLastPara="1" wrap="square" lIns="91425" tIns="91425" rIns="91425" bIns="91425" anchor="t" anchorCtr="0"/>
+          <a:bodyPr anchorCtr="0" anchor="t" bIns="91425" lIns="91425" spcFirstLastPara="1" rIns="91425" wrap="square" tIns="91425"/>
           <a:lstStyle>
-            <a:lvl1pPr marL="457200" lvl="0" indent="-228600" algn="ctr">
+            <a:lvl1pPr indent="-228600" lvl="0" marL="457200" algn="ctr">
               <a:spcBef>
                 <a:spcPts val="360"/>
               </a:spcBef>
@@ -5699,19 +5572,15 @@
               <a:defRPr sz="1800"/>
             </a:lvl1pPr>
           </a:lstStyle>
-          <a:p>
-            <a:endParaRPr/>
-          </a:p>
+          <a:p/>
         </p:txBody>
       </p:sp>
       <p:sp>
         <p:nvSpPr>
           <p:cNvPr id="60" name="Shape 60"/>
-          <p:cNvSpPr txBox="1">
-            <a:spLocks noGrp="1"/>
-          </p:cNvSpPr>
+          <p:cNvSpPr txBox="1"/>
           <p:nvPr>
-            <p:ph type="sldNum" idx="12"/>
+            <p:ph idx="12" type="sldNum"/>
           </p:nvPr>
         </p:nvSpPr>
         <p:spPr>
@@ -5724,7 +5593,7 @@
           </a:prstGeom>
         </p:spPr>
         <p:txBody>
-          <a:bodyPr spcFirstLastPara="1" wrap="square" lIns="91425" tIns="91425" rIns="91425" bIns="91425" anchor="t" anchorCtr="0">
+          <a:bodyPr anchorCtr="0" anchor="t" bIns="91425" lIns="91425" spcFirstLastPara="1" rIns="91425" wrap="square" tIns="91425">
             <a:noAutofit/>
           </a:bodyPr>
           <a:lstStyle>
@@ -5766,7 +5635,7 @@
             </a:lvl9pPr>
           </a:lstStyle>
           <a:p>
-            <a:pPr marL="0" lvl="0" indent="0">
+            <a:pPr indent="0" lvl="0" marL="0">
               <a:spcBef>
                 <a:spcPts val="0"/>
               </a:spcBef>
@@ -5777,16 +5646,7 @@
             </a:pPr>
             <a:fld id="{00000000-1234-1234-1234-123412341234}" type="slidenum">
               <a:rPr lang="en"/>
-              <a:pPr marL="0" lvl="0" indent="0">
-                <a:spcBef>
-                  <a:spcPts val="0"/>
-                </a:spcBef>
-                <a:spcAft>
-                  <a:spcPts val="0"/>
-                </a:spcAft>
-                <a:buNone/>
-              </a:pPr>
-              <a:t>‹N°›</a:t>
+              <a:t>‹#›</a:t>
             </a:fld>
             <a:endParaRPr/>
           </a:p>
@@ -5801,7 +5661,7 @@
 </file>
 
 <file path=ppt/slideLayouts/slideLayout9.xml><?xml version="1.0" encoding="utf-8"?>
-<p:sldLayout xmlns:a="http://schemas.openxmlformats.org/drawingml/2006/main" xmlns:r="http://schemas.openxmlformats.org/officeDocument/2006/relationships" xmlns:p="http://schemas.openxmlformats.org/presentationml/2006/main" matchingName="Blank" type="blank">
+<p:sldLayout xmlns:a="http://schemas.openxmlformats.org/drawingml/2006/main" xmlns:r="http://schemas.openxmlformats.org/officeDocument/2006/relationships" xmlns:mc="http://schemas.openxmlformats.org/markup-compatibility/2006" xmlns:mv="urn:schemas-microsoft-com:mac:vml" xmlns:p="http://schemas.openxmlformats.org/presentationml/2006/main" xmlns:c="http://schemas.openxmlformats.org/drawingml/2006/chart" xmlns:dgm="http://schemas.openxmlformats.org/drawingml/2006/diagram" xmlns:o="urn:schemas-microsoft-com:office:office" xmlns:v="urn:schemas-microsoft-com:vml" xmlns:pvml="urn:schemas-microsoft-com:office:powerpoint" xmlns:com="http://schemas.openxmlformats.org/drawingml/2006/compatibility" xmlns:p14="http://schemas.microsoft.com/office/powerpoint/2010/main" xmlns:p15="http://schemas.microsoft.com/office/powerpoint/2012/main" matchingName="Blank" type="blank">
   <p:cSld name="BLANK">
     <p:bg>
       <p:bgPr>
@@ -5813,12 +5673,11 @@
             <a:fillRect/>
           </a:stretch>
         </a:blipFill>
-        <a:effectLst/>
       </p:bgPr>
     </p:bg>
     <p:spTree>
       <p:nvGrpSpPr>
-        <p:cNvPr id="1" name="Shape 61"/>
+        <p:cNvPr id="61" name="Shape 61"/>
         <p:cNvGrpSpPr/>
         <p:nvPr/>
       </p:nvGrpSpPr>
@@ -5833,11 +5692,9 @@
       <p:sp>
         <p:nvSpPr>
           <p:cNvPr id="62" name="Shape 62"/>
-          <p:cNvSpPr txBox="1">
-            <a:spLocks noGrp="1"/>
-          </p:cNvSpPr>
+          <p:cNvSpPr txBox="1"/>
           <p:nvPr>
-            <p:ph type="sldNum" idx="12"/>
+            <p:ph idx="12" type="sldNum"/>
           </p:nvPr>
         </p:nvSpPr>
         <p:spPr>
@@ -5850,7 +5707,7 @@
           </a:prstGeom>
         </p:spPr>
         <p:txBody>
-          <a:bodyPr spcFirstLastPara="1" wrap="square" lIns="91425" tIns="91425" rIns="91425" bIns="91425" anchor="t" anchorCtr="0">
+          <a:bodyPr anchorCtr="0" anchor="t" bIns="91425" lIns="91425" spcFirstLastPara="1" rIns="91425" wrap="square" tIns="91425">
             <a:noAutofit/>
           </a:bodyPr>
           <a:lstStyle>
@@ -5892,7 +5749,7 @@
             </a:lvl9pPr>
           </a:lstStyle>
           <a:p>
-            <a:pPr marL="0" lvl="0" indent="0">
+            <a:pPr indent="0" lvl="0" marL="0">
               <a:spcBef>
                 <a:spcPts val="0"/>
               </a:spcBef>
@@ -5903,16 +5760,7 @@
             </a:pPr>
             <a:fld id="{00000000-1234-1234-1234-123412341234}" type="slidenum">
               <a:rPr lang="en"/>
-              <a:pPr marL="0" lvl="0" indent="0">
-                <a:spcBef>
-                  <a:spcPts val="0"/>
-                </a:spcBef>
-                <a:spcAft>
-                  <a:spcPts val="0"/>
-                </a:spcAft>
-                <a:buNone/>
-              </a:pPr>
-              <a:t>‹N°›</a:t>
+              <a:t>‹#›</a:t>
             </a:fld>
             <a:endParaRPr/>
           </a:p>
@@ -5927,24 +5775,23 @@
 </file>
 
 <file path=ppt/slideMasters/slideMaster1.xml><?xml version="1.0" encoding="utf-8"?>
-<p:sldMaster xmlns:a="http://schemas.openxmlformats.org/drawingml/2006/main" xmlns:r="http://schemas.openxmlformats.org/officeDocument/2006/relationships" xmlns:p="http://schemas.openxmlformats.org/presentationml/2006/main">
+<p:sldMaster xmlns:a="http://schemas.openxmlformats.org/drawingml/2006/main" xmlns:r="http://schemas.openxmlformats.org/officeDocument/2006/relationships" xmlns:mc="http://schemas.openxmlformats.org/markup-compatibility/2006" xmlns:mv="urn:schemas-microsoft-com:mac:vml" xmlns:p="http://schemas.openxmlformats.org/presentationml/2006/main" xmlns:c="http://schemas.openxmlformats.org/drawingml/2006/chart" xmlns:dgm="http://schemas.openxmlformats.org/drawingml/2006/diagram" xmlns:o="urn:schemas-microsoft-com:office:office" xmlns:v="urn:schemas-microsoft-com:vml" xmlns:pvml="urn:schemas-microsoft-com:office:powerpoint" xmlns:com="http://schemas.openxmlformats.org/drawingml/2006/compatibility" xmlns:p14="http://schemas.microsoft.com/office/powerpoint/2010/main" xmlns:p15="http://schemas.microsoft.com/office/powerpoint/2012/main">
   <p:cSld name="simple-light">
     <p:bg>
       <p:bgPr>
         <a:blipFill>
-          <a:blip r:embed="rId12">
+          <a:blip r:embed="rId1">
             <a:alphaModFix/>
           </a:blip>
           <a:stretch>
             <a:fillRect/>
           </a:stretch>
         </a:blipFill>
-        <a:effectLst/>
       </p:bgPr>
     </p:bg>
     <p:spTree>
       <p:nvGrpSpPr>
-        <p:cNvPr id="1" name="Shape 5"/>
+        <p:cNvPr id="5" name="Shape 5"/>
         <p:cNvGrpSpPr/>
         <p:nvPr/>
       </p:nvGrpSpPr>
@@ -5959,9 +5806,7 @@
       <p:sp>
         <p:nvSpPr>
           <p:cNvPr id="6" name="Shape 6"/>
-          <p:cNvSpPr txBox="1">
-            <a:spLocks noGrp="1"/>
-          </p:cNvSpPr>
+          <p:cNvSpPr txBox="1"/>
           <p:nvPr>
             <p:ph type="title"/>
           </p:nvPr>
@@ -5980,7 +5825,7 @@
           </a:ln>
         </p:spPr>
         <p:txBody>
-          <a:bodyPr spcFirstLastPara="1" wrap="square" lIns="91425" tIns="91425" rIns="91425" bIns="91425" anchor="b" anchorCtr="0"/>
+          <a:bodyPr anchorCtr="0" anchor="b" bIns="91425" lIns="91425" spcFirstLastPara="1" rIns="91425" wrap="square" tIns="91425"/>
           <a:lstStyle>
             <a:lvl1pPr lvl="0">
               <a:spcBef>
@@ -6190,19 +6035,15 @@
               </a:defRPr>
             </a:lvl9pPr>
           </a:lstStyle>
-          <a:p>
-            <a:endParaRPr/>
-          </a:p>
+          <a:p/>
         </p:txBody>
       </p:sp>
       <p:sp>
         <p:nvSpPr>
           <p:cNvPr id="7" name="Shape 7"/>
-          <p:cNvSpPr txBox="1">
-            <a:spLocks noGrp="1"/>
-          </p:cNvSpPr>
+          <p:cNvSpPr txBox="1"/>
           <p:nvPr>
-            <p:ph type="body" idx="1"/>
+            <p:ph idx="1" type="body"/>
           </p:nvPr>
         </p:nvSpPr>
         <p:spPr>
@@ -6219,9 +6060,9 @@
           </a:ln>
         </p:spPr>
         <p:txBody>
-          <a:bodyPr spcFirstLastPara="1" wrap="square" lIns="91425" tIns="91425" rIns="91425" bIns="91425" anchor="t" anchorCtr="0"/>
+          <a:bodyPr anchorCtr="0" anchor="t" bIns="91425" lIns="91425" spcFirstLastPara="1" rIns="91425" wrap="square" tIns="91425"/>
           <a:lstStyle>
-            <a:lvl1pPr marL="457200" lvl="0" indent="-419100">
+            <a:lvl1pPr indent="-419100" lvl="0" marL="457200">
               <a:spcBef>
                 <a:spcPts val="600"/>
               </a:spcBef>
@@ -6244,7 +6085,7 @@
                 <a:sym typeface="Source Sans Pro"/>
               </a:defRPr>
             </a:lvl1pPr>
-            <a:lvl2pPr marL="914400" lvl="1" indent="-381000">
+            <a:lvl2pPr indent="-381000" lvl="1" marL="914400">
               <a:spcBef>
                 <a:spcPts val="0"/>
               </a:spcBef>
@@ -6267,7 +6108,7 @@
                 <a:sym typeface="Source Sans Pro"/>
               </a:defRPr>
             </a:lvl2pPr>
-            <a:lvl3pPr marL="1371600" lvl="2" indent="-381000">
+            <a:lvl3pPr indent="-381000" lvl="2" marL="1371600">
               <a:spcBef>
                 <a:spcPts val="0"/>
               </a:spcBef>
@@ -6290,7 +6131,7 @@
                 <a:sym typeface="Source Sans Pro"/>
               </a:defRPr>
             </a:lvl3pPr>
-            <a:lvl4pPr marL="1828800" lvl="3" indent="-342900">
+            <a:lvl4pPr indent="-342900" lvl="3" marL="1828800">
               <a:spcBef>
                 <a:spcPts val="0"/>
               </a:spcBef>
@@ -6313,7 +6154,7 @@
                 <a:sym typeface="Source Sans Pro"/>
               </a:defRPr>
             </a:lvl4pPr>
-            <a:lvl5pPr marL="2286000" lvl="4" indent="-342900">
+            <a:lvl5pPr indent="-342900" lvl="4" marL="2286000">
               <a:spcBef>
                 <a:spcPts val="0"/>
               </a:spcBef>
@@ -6336,7 +6177,7 @@
                 <a:sym typeface="Source Sans Pro"/>
               </a:defRPr>
             </a:lvl5pPr>
-            <a:lvl6pPr marL="2743200" lvl="5" indent="-342900">
+            <a:lvl6pPr indent="-342900" lvl="5" marL="2743200">
               <a:spcBef>
                 <a:spcPts val="0"/>
               </a:spcBef>
@@ -6359,7 +6200,7 @@
                 <a:sym typeface="Source Sans Pro"/>
               </a:defRPr>
             </a:lvl6pPr>
-            <a:lvl7pPr marL="3200400" lvl="6" indent="-342900">
+            <a:lvl7pPr indent="-342900" lvl="6" marL="3200400">
               <a:spcBef>
                 <a:spcPts val="0"/>
               </a:spcBef>
@@ -6382,7 +6223,7 @@
                 <a:sym typeface="Source Sans Pro"/>
               </a:defRPr>
             </a:lvl7pPr>
-            <a:lvl8pPr marL="3657600" lvl="7" indent="-342900">
+            <a:lvl8pPr indent="-342900" lvl="7" marL="3657600">
               <a:spcBef>
                 <a:spcPts val="0"/>
               </a:spcBef>
@@ -6405,7 +6246,7 @@
                 <a:sym typeface="Source Sans Pro"/>
               </a:defRPr>
             </a:lvl8pPr>
-            <a:lvl9pPr marL="4114800" lvl="8" indent="-342900">
+            <a:lvl9pPr indent="-342900" lvl="8" marL="4114800">
               <a:spcBef>
                 <a:spcPts val="0"/>
               </a:spcBef>
@@ -6429,19 +6270,15 @@
               </a:defRPr>
             </a:lvl9pPr>
           </a:lstStyle>
-          <a:p>
-            <a:endParaRPr/>
-          </a:p>
+          <a:p/>
         </p:txBody>
       </p:sp>
       <p:sp>
         <p:nvSpPr>
           <p:cNvPr id="8" name="Shape 8"/>
-          <p:cNvSpPr txBox="1">
-            <a:spLocks noGrp="1"/>
-          </p:cNvSpPr>
+          <p:cNvSpPr txBox="1"/>
           <p:nvPr>
-            <p:ph type="sldNum" idx="12"/>
+            <p:ph idx="12" type="sldNum"/>
           </p:nvPr>
         </p:nvSpPr>
         <p:spPr>
@@ -6458,13 +6295,13 @@
           </a:ln>
         </p:spPr>
         <p:txBody>
-          <a:bodyPr spcFirstLastPara="1" wrap="square" lIns="91425" tIns="91425" rIns="91425" bIns="91425" anchor="t" anchorCtr="0">
+          <a:bodyPr anchorCtr="0" anchor="t" bIns="91425" lIns="91425" spcFirstLastPara="1" rIns="91425" wrap="square" tIns="91425">
             <a:noAutofit/>
           </a:bodyPr>
           <a:lstStyle>
             <a:lvl1pPr lvl="0" algn="r">
               <a:buNone/>
-              <a:defRPr sz="1300" b="1">
+              <a:defRPr b="1" sz="1300">
                 <a:solidFill>
                   <a:srgbClr val="0091EA"/>
                 </a:solidFill>
@@ -6476,7 +6313,7 @@
             </a:lvl1pPr>
             <a:lvl2pPr lvl="1" algn="r">
               <a:buNone/>
-              <a:defRPr sz="1300" b="1">
+              <a:defRPr b="1" sz="1300">
                 <a:solidFill>
                   <a:srgbClr val="0091EA"/>
                 </a:solidFill>
@@ -6488,7 +6325,7 @@
             </a:lvl2pPr>
             <a:lvl3pPr lvl="2" algn="r">
               <a:buNone/>
-              <a:defRPr sz="1300" b="1">
+              <a:defRPr b="1" sz="1300">
                 <a:solidFill>
                   <a:srgbClr val="0091EA"/>
                 </a:solidFill>
@@ -6500,7 +6337,7 @@
             </a:lvl3pPr>
             <a:lvl4pPr lvl="3" algn="r">
               <a:buNone/>
-              <a:defRPr sz="1300" b="1">
+              <a:defRPr b="1" sz="1300">
                 <a:solidFill>
                   <a:srgbClr val="0091EA"/>
                 </a:solidFill>
@@ -6512,7 +6349,7 @@
             </a:lvl4pPr>
             <a:lvl5pPr lvl="4" algn="r">
               <a:buNone/>
-              <a:defRPr sz="1300" b="1">
+              <a:defRPr b="1" sz="1300">
                 <a:solidFill>
                   <a:srgbClr val="0091EA"/>
                 </a:solidFill>
@@ -6524,7 +6361,7 @@
             </a:lvl5pPr>
             <a:lvl6pPr lvl="5" algn="r">
               <a:buNone/>
-              <a:defRPr sz="1300" b="1">
+              <a:defRPr b="1" sz="1300">
                 <a:solidFill>
                   <a:srgbClr val="0091EA"/>
                 </a:solidFill>
@@ -6536,7 +6373,7 @@
             </a:lvl6pPr>
             <a:lvl7pPr lvl="6" algn="r">
               <a:buNone/>
-              <a:defRPr sz="1300" b="1">
+              <a:defRPr b="1" sz="1300">
                 <a:solidFill>
                   <a:srgbClr val="0091EA"/>
                 </a:solidFill>
@@ -6548,7 +6385,7 @@
             </a:lvl7pPr>
             <a:lvl8pPr lvl="7" algn="r">
               <a:buNone/>
-              <a:defRPr sz="1300" b="1">
+              <a:defRPr b="1" sz="1300">
                 <a:solidFill>
                   <a:srgbClr val="0091EA"/>
                 </a:solidFill>
@@ -6560,7 +6397,7 @@
             </a:lvl8pPr>
             <a:lvl9pPr lvl="8" algn="r">
               <a:buNone/>
-              <a:defRPr sz="1300" b="1">
+              <a:defRPr b="1" sz="1300">
                 <a:solidFill>
                   <a:srgbClr val="0091EA"/>
                 </a:solidFill>
@@ -6572,7 +6409,7 @@
             </a:lvl9pPr>
           </a:lstStyle>
           <a:p>
-            <a:pPr marL="0" lvl="0" indent="0">
+            <a:pPr indent="0" lvl="0" marL="0">
               <a:spcBef>
                 <a:spcPts val="0"/>
               </a:spcBef>
@@ -6583,16 +6420,7 @@
             </a:pPr>
             <a:fld id="{00000000-1234-1234-1234-123412341234}" type="slidenum">
               <a:rPr lang="en"/>
-              <a:pPr marL="0" lvl="0" indent="0">
-                <a:spcBef>
-                  <a:spcPts val="0"/>
-                </a:spcBef>
-                <a:spcAft>
-                  <a:spcPts val="0"/>
-                </a:spcAft>
-                <a:buNone/>
-              </a:pPr>
-              <a:t>‹N°›</a:t>
+              <a:t>‹#›</a:t>
             </a:fld>
             <a:endParaRPr>
               <a:latin typeface="Roboto Slab"/>
@@ -6605,26 +6433,26 @@
       </p:sp>
     </p:spTree>
   </p:cSld>
-  <p:clrMap bg1="lt1" tx1="dk1" bg2="dk2" tx2="lt2" accent1="accent1" accent2="accent2" accent3="accent3" accent4="accent4" accent5="accent5" accent6="accent6" hlink="hlink" folHlink="folHlink"/>
+  <p:clrMap accent1="accent1" accent2="accent2" accent3="accent3" accent4="accent4" accent5="accent5" accent6="accent6" bg1="lt1" bg2="dk2" tx1="dk1" tx2="lt2" folHlink="folHlink" hlink="hlink"/>
   <p:sldLayoutIdLst>
-    <p:sldLayoutId id="2147483648" r:id="rId1"/>
-    <p:sldLayoutId id="2147483649" r:id="rId2"/>
-    <p:sldLayoutId id="2147483650" r:id="rId3"/>
-    <p:sldLayoutId id="2147483651" r:id="rId4"/>
-    <p:sldLayoutId id="2147483652" r:id="rId5"/>
-    <p:sldLayoutId id="2147483653" r:id="rId6"/>
-    <p:sldLayoutId id="2147483654" r:id="rId7"/>
-    <p:sldLayoutId id="2147483655" r:id="rId8"/>
-    <p:sldLayoutId id="2147483656" r:id="rId9"/>
-    <p:sldLayoutId id="2147483657" r:id="rId10"/>
+    <p:sldLayoutId id="2147483648" r:id="rId2"/>
+    <p:sldLayoutId id="2147483649" r:id="rId3"/>
+    <p:sldLayoutId id="2147483650" r:id="rId4"/>
+    <p:sldLayoutId id="2147483651" r:id="rId5"/>
+    <p:sldLayoutId id="2147483652" r:id="rId6"/>
+    <p:sldLayoutId id="2147483653" r:id="rId7"/>
+    <p:sldLayoutId id="2147483654" r:id="rId8"/>
+    <p:sldLayoutId id="2147483655" r:id="rId9"/>
+    <p:sldLayoutId id="2147483656" r:id="rId10"/>
+    <p:sldLayoutId id="2147483657" r:id="rId11"/>
   </p:sldLayoutIdLst>
   <p:transition>
     <p:fade thruBlk="1"/>
   </p:transition>
-  <p:hf hdr="0" ftr="0" dt="0"/>
+  <p:hf dt="0" ftr="0" hdr="0"/>
   <p:txStyles>
     <p:titleStyle>
-      <a:defPPr marR="0" lvl="0" algn="l" rtl="0">
+      <a:defPPr lvl="0" marR="0" rtl="0" algn="l">
         <a:lnSpc>
           <a:spcPct val="100000"/>
         </a:lnSpc>
@@ -6635,7 +6463,7 @@
           <a:spcPts val="0"/>
         </a:spcAft>
       </a:defPPr>
-      <a:lvl1pPr marR="0" lvl="0" algn="l" rtl="0">
+      <a:lvl1pPr lvl="0" marR="0" rtl="0" algn="l">
         <a:lnSpc>
           <a:spcPct val="100000"/>
         </a:lnSpc>
@@ -6649,7 +6477,7 @@
           <a:srgbClr val="000000"/>
         </a:buClr>
         <a:buFont typeface="Arial"/>
-        <a:defRPr sz="1400" b="0" i="0" u="none" strike="noStrike" cap="none">
+        <a:defRPr b="0" i="0" sz="1400" u="none" cap="none" strike="noStrike">
           <a:solidFill>
             <a:srgbClr val="000000"/>
           </a:solidFill>
@@ -6659,7 +6487,7 @@
           <a:sym typeface="Arial"/>
         </a:defRPr>
       </a:lvl1pPr>
-      <a:lvl2pPr marR="0" lvl="1" algn="l" rtl="0">
+      <a:lvl2pPr lvl="1" marR="0" rtl="0" algn="l">
         <a:lnSpc>
           <a:spcPct val="100000"/>
         </a:lnSpc>
@@ -6673,7 +6501,7 @@
           <a:srgbClr val="000000"/>
         </a:buClr>
         <a:buFont typeface="Arial"/>
-        <a:defRPr sz="1400" b="0" i="0" u="none" strike="noStrike" cap="none">
+        <a:defRPr b="0" i="0" sz="1400" u="none" cap="none" strike="noStrike">
           <a:solidFill>
             <a:srgbClr val="000000"/>
           </a:solidFill>
@@ -6683,7 +6511,7 @@
           <a:sym typeface="Arial"/>
         </a:defRPr>
       </a:lvl2pPr>
-      <a:lvl3pPr marR="0" lvl="2" algn="l" rtl="0">
+      <a:lvl3pPr lvl="2" marR="0" rtl="0" algn="l">
         <a:lnSpc>
           <a:spcPct val="100000"/>
         </a:lnSpc>
@@ -6697,7 +6525,7 @@
           <a:srgbClr val="000000"/>
         </a:buClr>
         <a:buFont typeface="Arial"/>
-        <a:defRPr sz="1400" b="0" i="0" u="none" strike="noStrike" cap="none">
+        <a:defRPr b="0" i="0" sz="1400" u="none" cap="none" strike="noStrike">
           <a:solidFill>
             <a:srgbClr val="000000"/>
           </a:solidFill>
@@ -6707,7 +6535,7 @@
           <a:sym typeface="Arial"/>
         </a:defRPr>
       </a:lvl3pPr>
-      <a:lvl4pPr marR="0" lvl="3" algn="l" rtl="0">
+      <a:lvl4pPr lvl="3" marR="0" rtl="0" algn="l">
         <a:lnSpc>
           <a:spcPct val="100000"/>
         </a:lnSpc>
@@ -6721,7 +6549,7 @@
           <a:srgbClr val="000000"/>
         </a:buClr>
         <a:buFont typeface="Arial"/>
-        <a:defRPr sz="1400" b="0" i="0" u="none" strike="noStrike" cap="none">
+        <a:defRPr b="0" i="0" sz="1400" u="none" cap="none" strike="noStrike">
           <a:solidFill>
             <a:srgbClr val="000000"/>
           </a:solidFill>
@@ -6731,7 +6559,7 @@
           <a:sym typeface="Arial"/>
         </a:defRPr>
       </a:lvl4pPr>
-      <a:lvl5pPr marR="0" lvl="4" algn="l" rtl="0">
+      <a:lvl5pPr lvl="4" marR="0" rtl="0" algn="l">
         <a:lnSpc>
           <a:spcPct val="100000"/>
         </a:lnSpc>
@@ -6745,7 +6573,7 @@
           <a:srgbClr val="000000"/>
         </a:buClr>
         <a:buFont typeface="Arial"/>
-        <a:defRPr sz="1400" b="0" i="0" u="none" strike="noStrike" cap="none">
+        <a:defRPr b="0" i="0" sz="1400" u="none" cap="none" strike="noStrike">
           <a:solidFill>
             <a:srgbClr val="000000"/>
           </a:solidFill>
@@ -6755,7 +6583,7 @@
           <a:sym typeface="Arial"/>
         </a:defRPr>
       </a:lvl5pPr>
-      <a:lvl6pPr marR="0" lvl="5" algn="l" rtl="0">
+      <a:lvl6pPr lvl="5" marR="0" rtl="0" algn="l">
         <a:lnSpc>
           <a:spcPct val="100000"/>
         </a:lnSpc>
@@ -6769,7 +6597,7 @@
           <a:srgbClr val="000000"/>
         </a:buClr>
         <a:buFont typeface="Arial"/>
-        <a:defRPr sz="1400" b="0" i="0" u="none" strike="noStrike" cap="none">
+        <a:defRPr b="0" i="0" sz="1400" u="none" cap="none" strike="noStrike">
           <a:solidFill>
             <a:srgbClr val="000000"/>
           </a:solidFill>
@@ -6779,7 +6607,7 @@
           <a:sym typeface="Arial"/>
         </a:defRPr>
       </a:lvl6pPr>
-      <a:lvl7pPr marR="0" lvl="6" algn="l" rtl="0">
+      <a:lvl7pPr lvl="6" marR="0" rtl="0" algn="l">
         <a:lnSpc>
           <a:spcPct val="100000"/>
         </a:lnSpc>
@@ -6793,7 +6621,7 @@
           <a:srgbClr val="000000"/>
         </a:buClr>
         <a:buFont typeface="Arial"/>
-        <a:defRPr sz="1400" b="0" i="0" u="none" strike="noStrike" cap="none">
+        <a:defRPr b="0" i="0" sz="1400" u="none" cap="none" strike="noStrike">
           <a:solidFill>
             <a:srgbClr val="000000"/>
           </a:solidFill>
@@ -6803,7 +6631,7 @@
           <a:sym typeface="Arial"/>
         </a:defRPr>
       </a:lvl7pPr>
-      <a:lvl8pPr marR="0" lvl="7" algn="l" rtl="0">
+      <a:lvl8pPr lvl="7" marR="0" rtl="0" algn="l">
         <a:lnSpc>
           <a:spcPct val="100000"/>
         </a:lnSpc>
@@ -6817,7 +6645,7 @@
           <a:srgbClr val="000000"/>
         </a:buClr>
         <a:buFont typeface="Arial"/>
-        <a:defRPr sz="1400" b="0" i="0" u="none" strike="noStrike" cap="none">
+        <a:defRPr b="0" i="0" sz="1400" u="none" cap="none" strike="noStrike">
           <a:solidFill>
             <a:srgbClr val="000000"/>
           </a:solidFill>
@@ -6827,7 +6655,7 @@
           <a:sym typeface="Arial"/>
         </a:defRPr>
       </a:lvl8pPr>
-      <a:lvl9pPr marR="0" lvl="8" algn="l" rtl="0">
+      <a:lvl9pPr lvl="8" marR="0" rtl="0" algn="l">
         <a:lnSpc>
           <a:spcPct val="100000"/>
         </a:lnSpc>
@@ -6841,7 +6669,7 @@
           <a:srgbClr val="000000"/>
         </a:buClr>
         <a:buFont typeface="Arial"/>
-        <a:defRPr sz="1400" b="0" i="0" u="none" strike="noStrike" cap="none">
+        <a:defRPr b="0" i="0" sz="1400" u="none" cap="none" strike="noStrike">
           <a:solidFill>
             <a:srgbClr val="000000"/>
           </a:solidFill>
@@ -6853,7 +6681,7 @@
       </a:lvl9pPr>
     </p:titleStyle>
     <p:bodyStyle>
-      <a:defPPr marR="0" lvl="0" algn="l" rtl="0">
+      <a:defPPr lvl="0" marR="0" rtl="0" algn="l">
         <a:lnSpc>
           <a:spcPct val="100000"/>
         </a:lnSpc>
@@ -6864,7 +6692,7 @@
           <a:spcPts val="0"/>
         </a:spcAft>
       </a:defPPr>
-      <a:lvl1pPr marR="0" lvl="0" algn="l" rtl="0">
+      <a:lvl1pPr lvl="0" marR="0" rtl="0" algn="l">
         <a:lnSpc>
           <a:spcPct val="100000"/>
         </a:lnSpc>
@@ -6878,7 +6706,7 @@
           <a:srgbClr val="000000"/>
         </a:buClr>
         <a:buFont typeface="Arial"/>
-        <a:defRPr sz="1400" b="0" i="0" u="none" strike="noStrike" cap="none">
+        <a:defRPr b="0" i="0" sz="1400" u="none" cap="none" strike="noStrike">
           <a:solidFill>
             <a:srgbClr val="000000"/>
           </a:solidFill>
@@ -6888,7 +6716,7 @@
           <a:sym typeface="Arial"/>
         </a:defRPr>
       </a:lvl1pPr>
-      <a:lvl2pPr marR="0" lvl="1" algn="l" rtl="0">
+      <a:lvl2pPr lvl="1" marR="0" rtl="0" algn="l">
         <a:lnSpc>
           <a:spcPct val="100000"/>
         </a:lnSpc>
@@ -6902,7 +6730,7 @@
           <a:srgbClr val="000000"/>
         </a:buClr>
         <a:buFont typeface="Arial"/>
-        <a:defRPr sz="1400" b="0" i="0" u="none" strike="noStrike" cap="none">
+        <a:defRPr b="0" i="0" sz="1400" u="none" cap="none" strike="noStrike">
           <a:solidFill>
             <a:srgbClr val="000000"/>
           </a:solidFill>
@@ -6912,7 +6740,7 @@
           <a:sym typeface="Arial"/>
         </a:defRPr>
       </a:lvl2pPr>
-      <a:lvl3pPr marR="0" lvl="2" algn="l" rtl="0">
+      <a:lvl3pPr lvl="2" marR="0" rtl="0" algn="l">
         <a:lnSpc>
           <a:spcPct val="100000"/>
         </a:lnSpc>
@@ -6926,7 +6754,7 @@
           <a:srgbClr val="000000"/>
         </a:buClr>
         <a:buFont typeface="Arial"/>
-        <a:defRPr sz="1400" b="0" i="0" u="none" strike="noStrike" cap="none">
+        <a:defRPr b="0" i="0" sz="1400" u="none" cap="none" strike="noStrike">
           <a:solidFill>
             <a:srgbClr val="000000"/>
           </a:solidFill>
@@ -6936,7 +6764,7 @@
           <a:sym typeface="Arial"/>
         </a:defRPr>
       </a:lvl3pPr>
-      <a:lvl4pPr marR="0" lvl="3" algn="l" rtl="0">
+      <a:lvl4pPr lvl="3" marR="0" rtl="0" algn="l">
         <a:lnSpc>
           <a:spcPct val="100000"/>
         </a:lnSpc>
@@ -6950,7 +6778,7 @@
           <a:srgbClr val="000000"/>
         </a:buClr>
         <a:buFont typeface="Arial"/>
-        <a:defRPr sz="1400" b="0" i="0" u="none" strike="noStrike" cap="none">
+        <a:defRPr b="0" i="0" sz="1400" u="none" cap="none" strike="noStrike">
           <a:solidFill>
             <a:srgbClr val="000000"/>
           </a:solidFill>
@@ -6960,7 +6788,7 @@
           <a:sym typeface="Arial"/>
         </a:defRPr>
       </a:lvl4pPr>
-      <a:lvl5pPr marR="0" lvl="4" algn="l" rtl="0">
+      <a:lvl5pPr lvl="4" marR="0" rtl="0" algn="l">
         <a:lnSpc>
           <a:spcPct val="100000"/>
         </a:lnSpc>
@@ -6974,7 +6802,7 @@
           <a:srgbClr val="000000"/>
         </a:buClr>
         <a:buFont typeface="Arial"/>
-        <a:defRPr sz="1400" b="0" i="0" u="none" strike="noStrike" cap="none">
+        <a:defRPr b="0" i="0" sz="1400" u="none" cap="none" strike="noStrike">
           <a:solidFill>
             <a:srgbClr val="000000"/>
           </a:solidFill>
@@ -6984,7 +6812,7 @@
           <a:sym typeface="Arial"/>
         </a:defRPr>
       </a:lvl5pPr>
-      <a:lvl6pPr marR="0" lvl="5" algn="l" rtl="0">
+      <a:lvl6pPr lvl="5" marR="0" rtl="0" algn="l">
         <a:lnSpc>
           <a:spcPct val="100000"/>
         </a:lnSpc>
@@ -6998,7 +6826,7 @@
           <a:srgbClr val="000000"/>
         </a:buClr>
         <a:buFont typeface="Arial"/>
-        <a:defRPr sz="1400" b="0" i="0" u="none" strike="noStrike" cap="none">
+        <a:defRPr b="0" i="0" sz="1400" u="none" cap="none" strike="noStrike">
           <a:solidFill>
             <a:srgbClr val="000000"/>
           </a:solidFill>
@@ -7008,7 +6836,7 @@
           <a:sym typeface="Arial"/>
         </a:defRPr>
       </a:lvl6pPr>
-      <a:lvl7pPr marR="0" lvl="6" algn="l" rtl="0">
+      <a:lvl7pPr lvl="6" marR="0" rtl="0" algn="l">
         <a:lnSpc>
           <a:spcPct val="100000"/>
         </a:lnSpc>
@@ -7022,7 +6850,7 @@
           <a:srgbClr val="000000"/>
         </a:buClr>
         <a:buFont typeface="Arial"/>
-        <a:defRPr sz="1400" b="0" i="0" u="none" strike="noStrike" cap="none">
+        <a:defRPr b="0" i="0" sz="1400" u="none" cap="none" strike="noStrike">
           <a:solidFill>
             <a:srgbClr val="000000"/>
           </a:solidFill>
@@ -7032,7 +6860,7 @@
           <a:sym typeface="Arial"/>
         </a:defRPr>
       </a:lvl7pPr>
-      <a:lvl8pPr marR="0" lvl="7" algn="l" rtl="0">
+      <a:lvl8pPr lvl="7" marR="0" rtl="0" algn="l">
         <a:lnSpc>
           <a:spcPct val="100000"/>
         </a:lnSpc>
@@ -7046,7 +6874,7 @@
           <a:srgbClr val="000000"/>
         </a:buClr>
         <a:buFont typeface="Arial"/>
-        <a:defRPr sz="1400" b="0" i="0" u="none" strike="noStrike" cap="none">
+        <a:defRPr b="0" i="0" sz="1400" u="none" cap="none" strike="noStrike">
           <a:solidFill>
             <a:srgbClr val="000000"/>
           </a:solidFill>
@@ -7056,7 +6884,7 @@
           <a:sym typeface="Arial"/>
         </a:defRPr>
       </a:lvl8pPr>
-      <a:lvl9pPr marR="0" lvl="8" algn="l" rtl="0">
+      <a:lvl9pPr lvl="8" marR="0" rtl="0" algn="l">
         <a:lnSpc>
           <a:spcPct val="100000"/>
         </a:lnSpc>
@@ -7070,7 +6898,7 @@
           <a:srgbClr val="000000"/>
         </a:buClr>
         <a:buFont typeface="Arial"/>
-        <a:defRPr sz="1400" b="0" i="0" u="none" strike="noStrike" cap="none">
+        <a:defRPr b="0" i="0" sz="1400" u="none" cap="none" strike="noStrike">
           <a:solidFill>
             <a:srgbClr val="000000"/>
           </a:solidFill>
@@ -7082,7 +6910,7 @@
       </a:lvl9pPr>
     </p:bodyStyle>
     <p:otherStyle>
-      <a:defPPr marR="0" lvl="0" algn="l" rtl="0">
+      <a:defPPr lvl="0" marR="0" rtl="0" algn="l">
         <a:lnSpc>
           <a:spcPct val="100000"/>
         </a:lnSpc>
@@ -7093,7 +6921,7 @@
           <a:spcPts val="0"/>
         </a:spcAft>
       </a:defPPr>
-      <a:lvl1pPr marR="0" lvl="0" algn="l" rtl="0">
+      <a:lvl1pPr lvl="0" marR="0" rtl="0" algn="l">
         <a:lnSpc>
           <a:spcPct val="100000"/>
         </a:lnSpc>
@@ -7107,7 +6935,7 @@
           <a:srgbClr val="000000"/>
         </a:buClr>
         <a:buFont typeface="Arial"/>
-        <a:defRPr sz="1400" b="0" i="0" u="none" strike="noStrike" cap="none">
+        <a:defRPr b="0" i="0" sz="1400" u="none" cap="none" strike="noStrike">
           <a:solidFill>
             <a:srgbClr val="000000"/>
           </a:solidFill>
@@ -7117,7 +6945,7 @@
           <a:sym typeface="Arial"/>
         </a:defRPr>
       </a:lvl1pPr>
-      <a:lvl2pPr marR="0" lvl="1" algn="l" rtl="0">
+      <a:lvl2pPr lvl="1" marR="0" rtl="0" algn="l">
         <a:lnSpc>
           <a:spcPct val="100000"/>
         </a:lnSpc>
@@ -7131,7 +6959,7 @@
           <a:srgbClr val="000000"/>
         </a:buClr>
         <a:buFont typeface="Arial"/>
-        <a:defRPr sz="1400" b="0" i="0" u="none" strike="noStrike" cap="none">
+        <a:defRPr b="0" i="0" sz="1400" u="none" cap="none" strike="noStrike">
           <a:solidFill>
             <a:srgbClr val="000000"/>
           </a:solidFill>
@@ -7141,7 +6969,7 @@
           <a:sym typeface="Arial"/>
         </a:defRPr>
       </a:lvl2pPr>
-      <a:lvl3pPr marR="0" lvl="2" algn="l" rtl="0">
+      <a:lvl3pPr lvl="2" marR="0" rtl="0" algn="l">
         <a:lnSpc>
           <a:spcPct val="100000"/>
         </a:lnSpc>
@@ -7155,7 +6983,7 @@
           <a:srgbClr val="000000"/>
         </a:buClr>
         <a:buFont typeface="Arial"/>
-        <a:defRPr sz="1400" b="0" i="0" u="none" strike="noStrike" cap="none">
+        <a:defRPr b="0" i="0" sz="1400" u="none" cap="none" strike="noStrike">
           <a:solidFill>
             <a:srgbClr val="000000"/>
           </a:solidFill>
@@ -7165,7 +6993,7 @@
           <a:sym typeface="Arial"/>
         </a:defRPr>
       </a:lvl3pPr>
-      <a:lvl4pPr marR="0" lvl="3" algn="l" rtl="0">
+      <a:lvl4pPr lvl="3" marR="0" rtl="0" algn="l">
         <a:lnSpc>
           <a:spcPct val="100000"/>
         </a:lnSpc>
@@ -7179,7 +7007,7 @@
           <a:srgbClr val="000000"/>
         </a:buClr>
         <a:buFont typeface="Arial"/>
-        <a:defRPr sz="1400" b="0" i="0" u="none" strike="noStrike" cap="none">
+        <a:defRPr b="0" i="0" sz="1400" u="none" cap="none" strike="noStrike">
           <a:solidFill>
             <a:srgbClr val="000000"/>
           </a:solidFill>
@@ -7189,7 +7017,7 @@
           <a:sym typeface="Arial"/>
         </a:defRPr>
       </a:lvl4pPr>
-      <a:lvl5pPr marR="0" lvl="4" algn="l" rtl="0">
+      <a:lvl5pPr lvl="4" marR="0" rtl="0" algn="l">
         <a:lnSpc>
           <a:spcPct val="100000"/>
         </a:lnSpc>
@@ -7203,7 +7031,7 @@
           <a:srgbClr val="000000"/>
         </a:buClr>
         <a:buFont typeface="Arial"/>
-        <a:defRPr sz="1400" b="0" i="0" u="none" strike="noStrike" cap="none">
+        <a:defRPr b="0" i="0" sz="1400" u="none" cap="none" strike="noStrike">
           <a:solidFill>
             <a:srgbClr val="000000"/>
           </a:solidFill>
@@ -7213,7 +7041,7 @@
           <a:sym typeface="Arial"/>
         </a:defRPr>
       </a:lvl5pPr>
-      <a:lvl6pPr marR="0" lvl="5" algn="l" rtl="0">
+      <a:lvl6pPr lvl="5" marR="0" rtl="0" algn="l">
         <a:lnSpc>
           <a:spcPct val="100000"/>
         </a:lnSpc>
@@ -7227,7 +7055,7 @@
           <a:srgbClr val="000000"/>
         </a:buClr>
         <a:buFont typeface="Arial"/>
-        <a:defRPr sz="1400" b="0" i="0" u="none" strike="noStrike" cap="none">
+        <a:defRPr b="0" i="0" sz="1400" u="none" cap="none" strike="noStrike">
           <a:solidFill>
             <a:srgbClr val="000000"/>
           </a:solidFill>
@@ -7237,7 +7065,7 @@
           <a:sym typeface="Arial"/>
         </a:defRPr>
       </a:lvl6pPr>
-      <a:lvl7pPr marR="0" lvl="6" algn="l" rtl="0">
+      <a:lvl7pPr lvl="6" marR="0" rtl="0" algn="l">
         <a:lnSpc>
           <a:spcPct val="100000"/>
         </a:lnSpc>
@@ -7251,7 +7079,7 @@
           <a:srgbClr val="000000"/>
         </a:buClr>
         <a:buFont typeface="Arial"/>
-        <a:defRPr sz="1400" b="0" i="0" u="none" strike="noStrike" cap="none">
+        <a:defRPr b="0" i="0" sz="1400" u="none" cap="none" strike="noStrike">
           <a:solidFill>
             <a:srgbClr val="000000"/>
           </a:solidFill>
@@ -7261,7 +7089,7 @@
           <a:sym typeface="Arial"/>
         </a:defRPr>
       </a:lvl7pPr>
-      <a:lvl8pPr marR="0" lvl="7" algn="l" rtl="0">
+      <a:lvl8pPr lvl="7" marR="0" rtl="0" algn="l">
         <a:lnSpc>
           <a:spcPct val="100000"/>
         </a:lnSpc>
@@ -7275,7 +7103,7 @@
           <a:srgbClr val="000000"/>
         </a:buClr>
         <a:buFont typeface="Arial"/>
-        <a:defRPr sz="1400" b="0" i="0" u="none" strike="noStrike" cap="none">
+        <a:defRPr b="0" i="0" sz="1400" u="none" cap="none" strike="noStrike">
           <a:solidFill>
             <a:srgbClr val="000000"/>
           </a:solidFill>
@@ -7285,7 +7113,7 @@
           <a:sym typeface="Arial"/>
         </a:defRPr>
       </a:lvl8pPr>
-      <a:lvl9pPr marR="0" lvl="8" algn="l" rtl="0">
+      <a:lvl9pPr lvl="8" marR="0" rtl="0" algn="l">
         <a:lnSpc>
           <a:spcPct val="100000"/>
         </a:lnSpc>
@@ -7299,7 +7127,7 @@
           <a:srgbClr val="000000"/>
         </a:buClr>
         <a:buFont typeface="Arial"/>
-        <a:defRPr sz="1400" b="0" i="0" u="none" strike="noStrike" cap="none">
+        <a:defRPr b="0" i="0" sz="1400" u="none" cap="none" strike="noStrike">
           <a:solidFill>
             <a:srgbClr val="000000"/>
           </a:solidFill>
@@ -7315,11 +7143,11 @@
 </file>
 
 <file path=ppt/slides/slide1.xml><?xml version="1.0" encoding="utf-8"?>
-<p:sld xmlns:a="http://schemas.openxmlformats.org/drawingml/2006/main" xmlns:r="http://schemas.openxmlformats.org/officeDocument/2006/relationships" xmlns:p="http://schemas.openxmlformats.org/presentationml/2006/main">
+<p:sld xmlns:a="http://schemas.openxmlformats.org/drawingml/2006/main" xmlns:r="http://schemas.openxmlformats.org/officeDocument/2006/relationships" xmlns:mc="http://schemas.openxmlformats.org/markup-compatibility/2006" xmlns:mv="urn:schemas-microsoft-com:mac:vml" xmlns:p="http://schemas.openxmlformats.org/presentationml/2006/main" xmlns:c="http://schemas.openxmlformats.org/drawingml/2006/chart" xmlns:dgm="http://schemas.openxmlformats.org/drawingml/2006/diagram" xmlns:o="urn:schemas-microsoft-com:office:office" xmlns:v="urn:schemas-microsoft-com:vml" xmlns:pvml="urn:schemas-microsoft-com:office:powerpoint" xmlns:com="http://schemas.openxmlformats.org/drawingml/2006/compatibility" xmlns:p14="http://schemas.microsoft.com/office/powerpoint/2010/main" xmlns:p15="http://schemas.microsoft.com/office/powerpoint/2012/main">
   <p:cSld>
     <p:spTree>
       <p:nvGrpSpPr>
-        <p:cNvPr id="1" name="Shape 69"/>
+        <p:cNvPr id="69" name="Shape 69"/>
         <p:cNvGrpSpPr/>
         <p:nvPr/>
       </p:nvGrpSpPr>
@@ -7334,9 +7162,7 @@
       <p:sp>
         <p:nvSpPr>
           <p:cNvPr id="70" name="Shape 70"/>
-          <p:cNvSpPr txBox="1">
-            <a:spLocks noGrp="1"/>
-          </p:cNvSpPr>
+          <p:cNvSpPr txBox="1"/>
           <p:nvPr>
             <p:ph type="ctrTitle"/>
           </p:nvPr>
@@ -7351,12 +7177,12 @@
           </a:prstGeom>
         </p:spPr>
         <p:txBody>
-          <a:bodyPr spcFirstLastPara="1" wrap="square" lIns="91425" tIns="91425" rIns="91425" bIns="91425" anchor="t" anchorCtr="0">
+          <a:bodyPr anchorCtr="0" anchor="t" bIns="91425" lIns="91425" spcFirstLastPara="1" rIns="91425" wrap="square" tIns="91425">
             <a:noAutofit/>
           </a:bodyPr>
           <a:lstStyle/>
           <a:p>
-            <a:pPr marL="0" lvl="0" indent="0" algn="ctr">
+            <a:pPr indent="0" lvl="0" marL="0" algn="ctr">
               <a:spcBef>
                 <a:spcPts val="0"/>
               </a:spcBef>
@@ -7366,10 +7192,10 @@
               <a:buNone/>
             </a:pPr>
             <a:r>
-              <a:rPr lang="en" dirty="0"/>
+              <a:rPr lang="en"/>
               <a:t>Lost &amp; Found</a:t>
             </a:r>
-            <a:endParaRPr dirty="0"/>
+            <a:endParaRPr/>
           </a:p>
         </p:txBody>
       </p:sp>
@@ -7393,12 +7219,12 @@
           </a:ln>
         </p:spPr>
         <p:txBody>
-          <a:bodyPr spcFirstLastPara="1" wrap="square" lIns="91425" tIns="91425" rIns="91425" bIns="91425" anchor="t" anchorCtr="0">
+          <a:bodyPr anchorCtr="0" anchor="t" bIns="91425" lIns="91425" spcFirstLastPara="1" rIns="91425" wrap="square" tIns="91425">
             <a:noAutofit/>
           </a:bodyPr>
           <a:lstStyle/>
           <a:p>
-            <a:pPr marL="0" lvl="0" indent="0" algn="ctr">
+            <a:pPr indent="0" lvl="0" marL="0" algn="ctr">
               <a:spcBef>
                 <a:spcPts val="0"/>
               </a:spcBef>
@@ -7430,7 +7256,7 @@
             </a:endParaRPr>
           </a:p>
           <a:p>
-            <a:pPr marL="0" lvl="0" indent="0" algn="ctr">
+            <a:pPr indent="0" lvl="0" marL="0" algn="ctr">
               <a:spcBef>
                 <a:spcPts val="0"/>
               </a:spcBef>
@@ -7462,7 +7288,7 @@
             </a:endParaRPr>
           </a:p>
           <a:p>
-            <a:pPr marL="0" lvl="0" indent="0" algn="ctr">
+            <a:pPr indent="0" lvl="0" marL="0" algn="ctr">
               <a:spcBef>
                 <a:spcPts val="0"/>
               </a:spcBef>
@@ -7532,11 +7358,11 @@
 </file>
 
 <file path=ppt/slides/slide10.xml><?xml version="1.0" encoding="utf-8"?>
-<p:sld xmlns:a="http://schemas.openxmlformats.org/drawingml/2006/main" xmlns:r="http://schemas.openxmlformats.org/officeDocument/2006/relationships" xmlns:p="http://schemas.openxmlformats.org/presentationml/2006/main">
+<p:sld xmlns:a="http://schemas.openxmlformats.org/drawingml/2006/main" xmlns:r="http://schemas.openxmlformats.org/officeDocument/2006/relationships" xmlns:mc="http://schemas.openxmlformats.org/markup-compatibility/2006" xmlns:mv="urn:schemas-microsoft-com:mac:vml" xmlns:p="http://schemas.openxmlformats.org/presentationml/2006/main" xmlns:c="http://schemas.openxmlformats.org/drawingml/2006/chart" xmlns:dgm="http://schemas.openxmlformats.org/drawingml/2006/diagram" xmlns:o="urn:schemas-microsoft-com:office:office" xmlns:v="urn:schemas-microsoft-com:vml" xmlns:pvml="urn:schemas-microsoft-com:office:powerpoint" xmlns:com="http://schemas.openxmlformats.org/drawingml/2006/compatibility" xmlns:p14="http://schemas.microsoft.com/office/powerpoint/2010/main" xmlns:p15="http://schemas.microsoft.com/office/powerpoint/2012/main">
   <p:cSld>
     <p:spTree>
       <p:nvGrpSpPr>
-        <p:cNvPr id="1" name="Shape 150"/>
+        <p:cNvPr id="153" name="Shape 153"/>
         <p:cNvGrpSpPr/>
         <p:nvPr/>
       </p:nvGrpSpPr>
@@ -7550,12 +7376,10 @@
       </p:grpSpPr>
       <p:sp>
         <p:nvSpPr>
-          <p:cNvPr id="151" name="Shape 151"/>
-          <p:cNvSpPr txBox="1">
-            <a:spLocks noGrp="1"/>
-          </p:cNvSpPr>
+          <p:cNvPr id="154" name="Shape 154"/>
+          <p:cNvSpPr txBox="1"/>
           <p:nvPr>
-            <p:ph type="ctrTitle" idx="4294967295"/>
+            <p:ph idx="4294967295" type="ctrTitle"/>
           </p:nvPr>
         </p:nvSpPr>
         <p:spPr>
@@ -7568,12 +7392,12 @@
           </a:prstGeom>
         </p:spPr>
         <p:txBody>
-          <a:bodyPr spcFirstLastPara="1" wrap="square" lIns="91425" tIns="91425" rIns="91425" bIns="91425" anchor="b" anchorCtr="0">
+          <a:bodyPr anchorCtr="0" anchor="b" bIns="91425" lIns="91425" spcFirstLastPara="1" rIns="91425" wrap="square" tIns="91425">
             <a:noAutofit/>
           </a:bodyPr>
           <a:lstStyle/>
           <a:p>
-            <a:pPr marL="0" lvl="0" indent="0" rtl="0">
+            <a:pPr indent="0" lvl="0" marL="0" rtl="0">
               <a:spcBef>
                 <a:spcPts val="0"/>
               </a:spcBef>
@@ -7583,21 +7407,19 @@
               <a:buNone/>
             </a:pPr>
             <a:r>
-              <a:rPr lang="en" sz="6000" b="1"/>
+              <a:rPr b="1" lang="en" sz="6000"/>
               <a:t>Thanks!</a:t>
             </a:r>
-            <a:endParaRPr sz="6000" b="1"/>
+            <a:endParaRPr b="1" sz="6000"/>
           </a:p>
         </p:txBody>
       </p:sp>
       <p:sp>
         <p:nvSpPr>
-          <p:cNvPr id="152" name="Shape 152"/>
-          <p:cNvSpPr txBox="1">
-            <a:spLocks noGrp="1"/>
-          </p:cNvSpPr>
+          <p:cNvPr id="155" name="Shape 155"/>
+          <p:cNvSpPr txBox="1"/>
           <p:nvPr>
-            <p:ph type="subTitle" idx="4294967295"/>
+            <p:ph idx="4294967295" type="subTitle"/>
           </p:nvPr>
         </p:nvSpPr>
         <p:spPr>
@@ -7610,12 +7432,12 @@
           </a:prstGeom>
         </p:spPr>
         <p:txBody>
-          <a:bodyPr spcFirstLastPara="1" wrap="square" lIns="91425" tIns="91425" rIns="91425" bIns="91425" anchor="t" anchorCtr="0">
+          <a:bodyPr anchorCtr="0" anchor="t" bIns="91425" lIns="91425" spcFirstLastPara="1" rIns="91425" wrap="square" tIns="91425">
             <a:noAutofit/>
           </a:bodyPr>
           <a:lstStyle/>
           <a:p>
-            <a:pPr marL="0" lvl="0" indent="0" rtl="0">
+            <a:pPr indent="0" lvl="0" marL="0" rtl="0">
               <a:spcBef>
                 <a:spcPts val="600"/>
               </a:spcBef>
@@ -7625,21 +7447,19 @@
               <a:buNone/>
             </a:pPr>
             <a:r>
-              <a:rPr lang="en" sz="3600" b="1"/>
+              <a:rPr b="1" lang="en" sz="3600"/>
               <a:t>Any questions?</a:t>
             </a:r>
-            <a:endParaRPr sz="3600" b="1"/>
+            <a:endParaRPr b="1" sz="3600"/>
           </a:p>
         </p:txBody>
       </p:sp>
       <p:sp>
         <p:nvSpPr>
-          <p:cNvPr id="153" name="Shape 153"/>
-          <p:cNvSpPr txBox="1">
-            <a:spLocks noGrp="1"/>
-          </p:cNvSpPr>
+          <p:cNvPr id="156" name="Shape 156"/>
+          <p:cNvSpPr txBox="1"/>
           <p:nvPr>
-            <p:ph type="sldNum" idx="12"/>
+            <p:ph idx="12" type="sldNum"/>
           </p:nvPr>
         </p:nvSpPr>
         <p:spPr>
@@ -7652,12 +7472,12 @@
           </a:prstGeom>
         </p:spPr>
         <p:txBody>
-          <a:bodyPr spcFirstLastPara="1" wrap="square" lIns="91425" tIns="91425" rIns="91425" bIns="91425" anchor="t" anchorCtr="0">
+          <a:bodyPr anchorCtr="0" anchor="t" bIns="91425" lIns="91425" spcFirstLastPara="1" rIns="91425" wrap="square" tIns="91425">
             <a:noAutofit/>
           </a:bodyPr>
           <a:lstStyle/>
           <a:p>
-            <a:pPr marL="0" lvl="0" indent="0" rtl="0">
+            <a:pPr indent="0" lvl="0" marL="0" rtl="0">
               <a:spcBef>
                 <a:spcPts val="0"/>
               </a:spcBef>
@@ -7668,16 +7488,7 @@
             </a:pPr>
             <a:fld id="{00000000-1234-1234-1234-123412341234}" type="slidenum">
               <a:rPr lang="en"/>
-              <a:pPr marL="0" lvl="0" indent="0" rtl="0">
-                <a:spcBef>
-                  <a:spcPts val="0"/>
-                </a:spcBef>
-                <a:spcAft>
-                  <a:spcPts val="0"/>
-                </a:spcAft>
-                <a:buNone/>
-              </a:pPr>
-              <a:t>10</a:t>
+              <a:t>‹#›</a:t>
             </a:fld>
             <a:endParaRPr/>
           </a:p>
@@ -7692,11 +7503,11 @@
 </file>
 
 <file path=ppt/slides/slide2.xml><?xml version="1.0" encoding="utf-8"?>
-<p:sld xmlns:a="http://schemas.openxmlformats.org/drawingml/2006/main" xmlns:r="http://schemas.openxmlformats.org/officeDocument/2006/relationships" xmlns:p="http://schemas.openxmlformats.org/presentationml/2006/main">
+<p:sld xmlns:a="http://schemas.openxmlformats.org/drawingml/2006/main" xmlns:r="http://schemas.openxmlformats.org/officeDocument/2006/relationships" xmlns:mc="http://schemas.openxmlformats.org/markup-compatibility/2006" xmlns:mv="urn:schemas-microsoft-com:mac:vml" xmlns:p="http://schemas.openxmlformats.org/presentationml/2006/main" xmlns:c="http://schemas.openxmlformats.org/drawingml/2006/chart" xmlns:dgm="http://schemas.openxmlformats.org/drawingml/2006/diagram" xmlns:o="urn:schemas-microsoft-com:office:office" xmlns:v="urn:schemas-microsoft-com:vml" xmlns:pvml="urn:schemas-microsoft-com:office:powerpoint" xmlns:com="http://schemas.openxmlformats.org/drawingml/2006/compatibility" xmlns:p14="http://schemas.microsoft.com/office/powerpoint/2010/main" xmlns:p15="http://schemas.microsoft.com/office/powerpoint/2012/main">
   <p:cSld>
     <p:spTree>
       <p:nvGrpSpPr>
-        <p:cNvPr id="1" name="Shape 76"/>
+        <p:cNvPr id="76" name="Shape 76"/>
         <p:cNvGrpSpPr/>
         <p:nvPr/>
       </p:nvGrpSpPr>
@@ -7723,31 +7534,34 @@
             <a:avLst/>
           </a:prstGeom>
           <a:noFill/>
-          <a:ln w="9525" cap="flat" cmpd="sng">
+          <a:ln cap="flat" cmpd="sng" w="9525">
             <a:solidFill>
               <a:srgbClr val="CFD8DC"/>
             </a:solidFill>
             <a:prstDash val="dash"/>
             <a:round/>
-            <a:headEnd type="none" w="sm" len="sm"/>
-            <a:tailEnd type="none" w="sm" len="sm"/>
+            <a:headEnd len="sm" w="sm" type="none"/>
+            <a:tailEnd len="sm" w="sm" type="none"/>
           </a:ln>
         </p:spPr>
         <p:txBody>
-          <a:bodyPr spcFirstLastPara="1" wrap="square" lIns="91425" tIns="91425" rIns="91425" bIns="91425" anchor="ctr" anchorCtr="0">
+          <a:bodyPr anchorCtr="0" anchor="ctr" bIns="91425" lIns="91425" spcFirstLastPara="1" rIns="91425" wrap="square" tIns="91425">
             <a:noAutofit/>
           </a:bodyPr>
           <a:lstStyle/>
           <a:p>
-            <a:pPr marL="0" lvl="0" indent="0">
-              <a:spcBef>
-                <a:spcPts val="0"/>
-              </a:spcBef>
-              <a:spcAft>
-                <a:spcPts val="0"/>
-              </a:spcAft>
-              <a:buNone/>
-            </a:pPr>
+            <a:pPr indent="0" lvl="0" marL="0">
+              <a:spcBef>
+                <a:spcPts val="0"/>
+              </a:spcBef>
+              <a:spcAft>
+                <a:spcPts val="0"/>
+              </a:spcAft>
+              <a:buNone/>
+            </a:pPr>
+            <a:r>
+              <a:t/>
+            </a:r>
             <a:endParaRPr/>
           </a:p>
         </p:txBody>
@@ -7755,11 +7569,9 @@
       <p:sp>
         <p:nvSpPr>
           <p:cNvPr id="78" name="Shape 78"/>
-          <p:cNvSpPr txBox="1">
-            <a:spLocks noGrp="1"/>
-          </p:cNvSpPr>
+          <p:cNvSpPr txBox="1"/>
           <p:nvPr>
-            <p:ph type="ctrTitle" idx="4294967295"/>
+            <p:ph idx="4294967295" type="ctrTitle"/>
           </p:nvPr>
         </p:nvSpPr>
         <p:spPr>
@@ -7772,12 +7584,12 @@
           </a:prstGeom>
         </p:spPr>
         <p:txBody>
-          <a:bodyPr spcFirstLastPara="1" wrap="square" lIns="91425" tIns="91425" rIns="91425" bIns="91425" anchor="b" anchorCtr="0">
+          <a:bodyPr anchorCtr="0" anchor="b" bIns="91425" lIns="91425" spcFirstLastPara="1" rIns="91425" wrap="square" tIns="91425">
             <a:noAutofit/>
           </a:bodyPr>
           <a:lstStyle/>
           <a:p>
-            <a:pPr marL="0" lvl="0" indent="0" algn="r" rtl="0">
+            <a:pPr indent="0" lvl="0" marL="0" rtl="0" algn="r">
               <a:spcBef>
                 <a:spcPts val="0"/>
               </a:spcBef>
@@ -7787,13 +7599,13 @@
               <a:buNone/>
             </a:pPr>
             <a:r>
-              <a:rPr lang="en" sz="6000" b="1"/>
+              <a:rPr b="1" lang="en" sz="6000"/>
               <a:t>Our</a:t>
             </a:r>
-            <a:endParaRPr sz="6000" b="1"/>
-          </a:p>
-          <a:p>
-            <a:pPr marL="0" lvl="0" indent="0" algn="r" rtl="0">
+            <a:endParaRPr b="1" sz="6000"/>
+          </a:p>
+          <a:p>
+            <a:pPr indent="0" lvl="0" marL="0" rtl="0" algn="r">
               <a:spcBef>
                 <a:spcPts val="0"/>
               </a:spcBef>
@@ -7803,21 +7615,19 @@
               <a:buNone/>
             </a:pPr>
             <a:r>
-              <a:rPr lang="en" sz="6000" b="1"/>
+              <a:rPr b="1" lang="en" sz="6000"/>
               <a:t>Idea</a:t>
             </a:r>
-            <a:endParaRPr sz="6000" b="1"/>
+            <a:endParaRPr b="1" sz="6000"/>
           </a:p>
         </p:txBody>
       </p:sp>
       <p:sp>
         <p:nvSpPr>
           <p:cNvPr id="79" name="Shape 79"/>
-          <p:cNvSpPr txBox="1">
-            <a:spLocks noGrp="1"/>
-          </p:cNvSpPr>
+          <p:cNvSpPr txBox="1"/>
           <p:nvPr>
-            <p:ph type="subTitle" idx="4294967295"/>
+            <p:ph idx="4294967295" type="subTitle"/>
           </p:nvPr>
         </p:nvSpPr>
         <p:spPr>
@@ -7830,12 +7640,12 @@
           </a:prstGeom>
         </p:spPr>
         <p:txBody>
-          <a:bodyPr spcFirstLastPara="1" wrap="square" lIns="91425" tIns="91425" rIns="91425" bIns="91425" anchor="t" anchorCtr="0">
+          <a:bodyPr anchorCtr="0" anchor="t" bIns="91425" lIns="91425" spcFirstLastPara="1" rIns="91425" wrap="square" tIns="91425">
             <a:noAutofit/>
           </a:bodyPr>
           <a:lstStyle/>
           <a:p>
-            <a:pPr marL="0" lvl="0" indent="0" algn="r" rtl="0">
+            <a:pPr indent="0" lvl="0" marL="0" rtl="0" algn="r">
               <a:spcBef>
                 <a:spcPts val="600"/>
               </a:spcBef>
@@ -7859,7 +7669,7 @@
           <p:nvPr/>
         </p:nvCxnSpPr>
         <p:spPr>
-          <a:xfrm rot="10800000" flipH="1">
+          <a:xfrm flipH="1" rot="10800000">
             <a:off x="6282450" y="705375"/>
             <a:ext cx="121500" cy="518700"/>
           </a:xfrm>
@@ -7867,14 +7677,14 @@
             <a:avLst/>
           </a:prstGeom>
           <a:noFill/>
-          <a:ln w="9525" cap="flat" cmpd="sng">
+          <a:ln cap="flat" cmpd="sng" w="9525">
             <a:solidFill>
               <a:srgbClr val="CFD8DC"/>
             </a:solidFill>
             <a:prstDash val="solid"/>
             <a:round/>
-            <a:headEnd type="none" w="med" len="med"/>
-            <a:tailEnd type="none" w="med" len="med"/>
+            <a:headEnd len="med" w="med" type="none"/>
+            <a:tailEnd len="med" w="med" type="none"/>
           </a:ln>
         </p:spPr>
       </p:cxnSp>
@@ -7893,14 +7703,14 @@
             <a:avLst/>
           </a:prstGeom>
           <a:noFill/>
-          <a:ln w="9525" cap="flat" cmpd="sng">
+          <a:ln cap="flat" cmpd="sng" w="9525">
             <a:solidFill>
               <a:srgbClr val="CFD8DC"/>
             </a:solidFill>
             <a:prstDash val="solid"/>
             <a:round/>
-            <a:headEnd type="none" w="med" len="med"/>
-            <a:tailEnd type="none" w="med" len="med"/>
+            <a:headEnd len="med" w="med" type="none"/>
+            <a:tailEnd len="med" w="med" type="none"/>
           </a:ln>
         </p:spPr>
       </p:cxnSp>
@@ -7921,14 +7731,14 @@
             <a:avLst/>
           </a:prstGeom>
           <a:noFill/>
-          <a:ln w="9525" cap="flat" cmpd="sng">
+          <a:ln cap="flat" cmpd="sng" w="9525">
             <a:solidFill>
               <a:srgbClr val="CFD8DC"/>
             </a:solidFill>
             <a:prstDash val="solid"/>
             <a:round/>
-            <a:headEnd type="none" w="med" len="med"/>
-            <a:tailEnd type="none" w="med" len="med"/>
+            <a:headEnd len="med" w="med" type="none"/>
+            <a:tailEnd len="med" w="med" type="none"/>
           </a:ln>
         </p:spPr>
       </p:cxnSp>
@@ -7947,31 +7757,34 @@
             <a:avLst/>
           </a:prstGeom>
           <a:noFill/>
-          <a:ln w="19050" cap="flat" cmpd="sng">
+          <a:ln cap="flat" cmpd="sng" w="19050">
             <a:solidFill>
               <a:srgbClr val="CFD8DC"/>
             </a:solidFill>
             <a:prstDash val="solid"/>
             <a:round/>
-            <a:headEnd type="none" w="sm" len="sm"/>
-            <a:tailEnd type="none" w="sm" len="sm"/>
+            <a:headEnd len="sm" w="sm" type="none"/>
+            <a:tailEnd len="sm" w="sm" type="none"/>
           </a:ln>
         </p:spPr>
         <p:txBody>
-          <a:bodyPr spcFirstLastPara="1" wrap="square" lIns="91425" tIns="91425" rIns="91425" bIns="91425" anchor="ctr" anchorCtr="0">
+          <a:bodyPr anchorCtr="0" anchor="ctr" bIns="91425" lIns="91425" spcFirstLastPara="1" rIns="91425" wrap="square" tIns="91425">
             <a:noAutofit/>
           </a:bodyPr>
           <a:lstStyle/>
           <a:p>
-            <a:pPr marL="0" lvl="0" indent="0">
-              <a:spcBef>
-                <a:spcPts val="0"/>
-              </a:spcBef>
-              <a:spcAft>
-                <a:spcPts val="0"/>
-              </a:spcAft>
-              <a:buNone/>
-            </a:pPr>
+            <a:pPr indent="0" lvl="0" marL="0">
+              <a:spcBef>
+                <a:spcPts val="0"/>
+              </a:spcBef>
+              <a:spcAft>
+                <a:spcPts val="0"/>
+              </a:spcAft>
+              <a:buNone/>
+            </a:pPr>
+            <a:r>
+              <a:t/>
+            </a:r>
             <a:endParaRPr/>
           </a:p>
         </p:txBody>
@@ -7979,11 +7792,9 @@
       <p:sp>
         <p:nvSpPr>
           <p:cNvPr id="84" name="Shape 84"/>
-          <p:cNvSpPr txBox="1">
-            <a:spLocks noGrp="1"/>
-          </p:cNvSpPr>
+          <p:cNvSpPr txBox="1"/>
           <p:nvPr>
-            <p:ph type="sldNum" idx="12"/>
+            <p:ph idx="12" type="sldNum"/>
           </p:nvPr>
         </p:nvSpPr>
         <p:spPr>
@@ -7996,12 +7807,12 @@
           </a:prstGeom>
         </p:spPr>
         <p:txBody>
-          <a:bodyPr spcFirstLastPara="1" wrap="square" lIns="91425" tIns="91425" rIns="91425" bIns="91425" anchor="t" anchorCtr="0">
+          <a:bodyPr anchorCtr="0" anchor="t" bIns="91425" lIns="91425" spcFirstLastPara="1" rIns="91425" wrap="square" tIns="91425">
             <a:noAutofit/>
           </a:bodyPr>
           <a:lstStyle/>
           <a:p>
-            <a:pPr marL="0" lvl="0" indent="0" rtl="0">
+            <a:pPr indent="0" lvl="0" marL="0" rtl="0">
               <a:spcBef>
                 <a:spcPts val="0"/>
               </a:spcBef>
@@ -8012,16 +7823,7 @@
             </a:pPr>
             <a:fld id="{00000000-1234-1234-1234-123412341234}" type="slidenum">
               <a:rPr lang="en"/>
-              <a:pPr marL="0" lvl="0" indent="0" rtl="0">
-                <a:spcBef>
-                  <a:spcPts val="0"/>
-                </a:spcBef>
-                <a:spcAft>
-                  <a:spcPts val="0"/>
-                </a:spcAft>
-                <a:buNone/>
-              </a:pPr>
-              <a:t>2</a:t>
+              <a:t>‹#›</a:t>
             </a:fld>
             <a:endParaRPr/>
           </a:p>
@@ -8064,11 +7866,11 @@
 </file>
 
 <file path=ppt/slides/slide3.xml><?xml version="1.0" encoding="utf-8"?>
-<p:sld xmlns:a="http://schemas.openxmlformats.org/drawingml/2006/main" xmlns:r="http://schemas.openxmlformats.org/officeDocument/2006/relationships" xmlns:p="http://schemas.openxmlformats.org/presentationml/2006/main">
+<p:sld xmlns:a="http://schemas.openxmlformats.org/drawingml/2006/main" xmlns:r="http://schemas.openxmlformats.org/officeDocument/2006/relationships" xmlns:mc="http://schemas.openxmlformats.org/markup-compatibility/2006" xmlns:mv="urn:schemas-microsoft-com:mac:vml" xmlns:p="http://schemas.openxmlformats.org/presentationml/2006/main" xmlns:c="http://schemas.openxmlformats.org/drawingml/2006/chart" xmlns:dgm="http://schemas.openxmlformats.org/drawingml/2006/diagram" xmlns:o="urn:schemas-microsoft-com:office:office" xmlns:v="urn:schemas-microsoft-com:vml" xmlns:pvml="urn:schemas-microsoft-com:office:powerpoint" xmlns:com="http://schemas.openxmlformats.org/drawingml/2006/compatibility" xmlns:p14="http://schemas.microsoft.com/office/powerpoint/2010/main" xmlns:p15="http://schemas.microsoft.com/office/powerpoint/2012/main">
   <p:cSld>
     <p:spTree>
       <p:nvGrpSpPr>
-        <p:cNvPr id="1" name="Shape 89"/>
+        <p:cNvPr id="89" name="Shape 89"/>
         <p:cNvGrpSpPr/>
         <p:nvPr/>
       </p:nvGrpSpPr>
@@ -8083,9 +7885,7 @@
       <p:sp>
         <p:nvSpPr>
           <p:cNvPr id="90" name="Shape 90"/>
-          <p:cNvSpPr txBox="1">
-            <a:spLocks noGrp="1"/>
-          </p:cNvSpPr>
+          <p:cNvSpPr txBox="1"/>
           <p:nvPr>
             <p:ph type="title"/>
           </p:nvPr>
@@ -8100,12 +7900,12 @@
           </a:prstGeom>
         </p:spPr>
         <p:txBody>
-          <a:bodyPr spcFirstLastPara="1" wrap="square" lIns="91425" tIns="91425" rIns="91425" bIns="91425" anchor="b" anchorCtr="0">
+          <a:bodyPr anchorCtr="0" anchor="b" bIns="91425" lIns="91425" spcFirstLastPara="1" rIns="91425" wrap="square" tIns="91425">
             <a:noAutofit/>
           </a:bodyPr>
           <a:lstStyle/>
           <a:p>
-            <a:pPr marL="0" lvl="0" indent="0" rtl="0">
+            <a:pPr indent="0" lvl="0" marL="0" rtl="0">
               <a:spcBef>
                 <a:spcPts val="0"/>
               </a:spcBef>
@@ -8125,11 +7925,9 @@
       <p:sp>
         <p:nvSpPr>
           <p:cNvPr id="91" name="Shape 91"/>
-          <p:cNvSpPr txBox="1">
-            <a:spLocks noGrp="1"/>
-          </p:cNvSpPr>
+          <p:cNvSpPr txBox="1"/>
           <p:nvPr>
-            <p:ph type="body" idx="1"/>
+            <p:ph idx="1" type="body"/>
           </p:nvPr>
         </p:nvSpPr>
         <p:spPr>
@@ -8142,12 +7940,12 @@
           </a:prstGeom>
         </p:spPr>
         <p:txBody>
-          <a:bodyPr spcFirstLastPara="1" wrap="square" lIns="91425" tIns="91425" rIns="91425" bIns="91425" anchor="t" anchorCtr="0">
+          <a:bodyPr anchorCtr="0" anchor="t" bIns="91425" lIns="91425" spcFirstLastPara="1" rIns="91425" wrap="square" tIns="91425">
             <a:noAutofit/>
           </a:bodyPr>
           <a:lstStyle/>
           <a:p>
-            <a:pPr marL="457200" lvl="0" indent="-317500" rtl="0">
+            <a:pPr indent="-317500" lvl="0" marL="457200" rtl="0">
               <a:spcBef>
                 <a:spcPts val="600"/>
               </a:spcBef>
@@ -8158,16 +7956,16 @@
               <a:buChar char="◎"/>
             </a:pPr>
             <a:r>
-              <a:rPr lang="en" sz="1400" dirty="0"/>
+              <a:rPr lang="en" sz="1400"/>
               <a:t>The person who lost an object is a publisher. He won’t get notified when someone finds his item. His publication will have a range of 0m and a duration of 1 day. (1 hour for the demo)</a:t>
             </a:r>
             <a:br>
-              <a:rPr lang="en" sz="1400" dirty="0"/>
+              <a:rPr lang="en" sz="1400"/>
             </a:br>
-            <a:endParaRPr sz="1400" dirty="0"/>
-          </a:p>
-          <a:p>
-            <a:pPr marL="457200" lvl="0" indent="-317500" rtl="0">
+            <a:endParaRPr sz="1400"/>
+          </a:p>
+          <a:p>
+            <a:pPr indent="-317500" lvl="0" marL="457200" rtl="0">
               <a:spcBef>
                 <a:spcPts val="0"/>
               </a:spcBef>
@@ -8178,33 +7976,31 @@
               <a:buChar char="◎"/>
             </a:pPr>
             <a:r>
-              <a:rPr lang="en" sz="1400" dirty="0"/>
+              <a:rPr lang="en" sz="1400"/>
               <a:t>The person who found an object is a subscriber. He’s the one that is getting matches. He is responsible to find the owner (like in real life). His subscription will have a range of 3km and a duration of 1 hour.</a:t>
             </a:r>
             <a:br>
-              <a:rPr lang="en" sz="1400" dirty="0"/>
+              <a:rPr lang="en" sz="1400"/>
             </a:br>
-            <a:endParaRPr sz="1400" dirty="0"/>
-          </a:p>
-          <a:p>
-            <a:pPr marL="457200" lvl="0" indent="-317500" rtl="0">
-              <a:spcBef>
-                <a:spcPts val="0"/>
-              </a:spcBef>
-              <a:spcAft>
-                <a:spcPts val="0"/>
-              </a:spcAft>
-              <a:buSzPts val="1400"/>
-              <a:buChar char="◎"/>
+            <a:endParaRPr sz="1400"/>
+          </a:p>
+          <a:p>
+            <a:pPr indent="0" lvl="0" marL="0" rtl="0">
+              <a:spcBef>
+                <a:spcPts val="600"/>
+              </a:spcBef>
+              <a:spcAft>
+                <a:spcPts val="0"/>
+              </a:spcAft>
+              <a:buNone/>
             </a:pPr>
             <a:r>
-              <a:rPr lang="en" sz="1400" dirty="0"/>
-              <a:t>When a match occurs, you will be able to see it in the “Status” page. You can also click on the match to get the location of the publication.</a:t>
+              <a:t/>
             </a:r>
-            <a:endParaRPr sz="1400" dirty="0"/>
-          </a:p>
-          <a:p>
-            <a:pPr marL="0" lvl="0" indent="0" rtl="0">
+            <a:endParaRPr sz="1400"/>
+          </a:p>
+          <a:p>
+            <a:pPr indent="0" lvl="0" marL="0" rtl="0">
               <a:spcBef>
                 <a:spcPts val="600"/>
               </a:spcBef>
@@ -8213,10 +8009,13 @@
               </a:spcAft>
               <a:buNone/>
             </a:pPr>
-            <a:endParaRPr sz="1400" dirty="0"/>
-          </a:p>
-          <a:p>
-            <a:pPr marL="0" lvl="0" indent="0" rtl="0">
+            <a:r>
+              <a:t/>
+            </a:r>
+            <a:endParaRPr sz="1400"/>
+          </a:p>
+          <a:p>
+            <a:pPr indent="0" lvl="0" marL="0" rtl="0">
               <a:spcBef>
                 <a:spcPts val="600"/>
               </a:spcBef>
@@ -8225,18 +8024,19 @@
               </a:spcAft>
               <a:buNone/>
             </a:pPr>
-            <a:endParaRPr dirty="0"/>
+            <a:r>
+              <a:t/>
+            </a:r>
+            <a:endParaRPr/>
           </a:p>
         </p:txBody>
       </p:sp>
       <p:sp>
         <p:nvSpPr>
           <p:cNvPr id="92" name="Shape 92"/>
-          <p:cNvSpPr txBox="1">
-            <a:spLocks noGrp="1"/>
-          </p:cNvSpPr>
+          <p:cNvSpPr txBox="1"/>
           <p:nvPr>
-            <p:ph type="sldNum" idx="12"/>
+            <p:ph idx="12" type="sldNum"/>
           </p:nvPr>
         </p:nvSpPr>
         <p:spPr>
@@ -8249,12 +8049,12 @@
           </a:prstGeom>
         </p:spPr>
         <p:txBody>
-          <a:bodyPr spcFirstLastPara="1" wrap="square" lIns="91425" tIns="91425" rIns="91425" bIns="91425" anchor="t" anchorCtr="0">
+          <a:bodyPr anchorCtr="0" anchor="t" bIns="91425" lIns="91425" spcFirstLastPara="1" rIns="91425" wrap="square" tIns="91425">
             <a:noAutofit/>
           </a:bodyPr>
           <a:lstStyle/>
           <a:p>
-            <a:pPr marL="0" lvl="0" indent="0" rtl="0">
+            <a:pPr indent="0" lvl="0" marL="0" rtl="0">
               <a:spcBef>
                 <a:spcPts val="0"/>
               </a:spcBef>
@@ -8265,16 +8065,7 @@
             </a:pPr>
             <a:fld id="{00000000-1234-1234-1234-123412341234}" type="slidenum">
               <a:rPr lang="en"/>
-              <a:pPr marL="0" lvl="0" indent="0" rtl="0">
-                <a:spcBef>
-                  <a:spcPts val="0"/>
-                </a:spcBef>
-                <a:spcAft>
-                  <a:spcPts val="0"/>
-                </a:spcAft>
-                <a:buNone/>
-              </a:pPr>
-              <a:t>3</a:t>
+              <a:t>‹#›</a:t>
             </a:fld>
             <a:endParaRPr/>
           </a:p>
@@ -8289,11 +8080,11 @@
 </file>
 
 <file path=ppt/slides/slide4.xml><?xml version="1.0" encoding="utf-8"?>
-<p:sld xmlns:a="http://schemas.openxmlformats.org/drawingml/2006/main" xmlns:r="http://schemas.openxmlformats.org/officeDocument/2006/relationships" xmlns:p="http://schemas.openxmlformats.org/presentationml/2006/main">
+<p:sld xmlns:a="http://schemas.openxmlformats.org/drawingml/2006/main" xmlns:r="http://schemas.openxmlformats.org/officeDocument/2006/relationships" xmlns:mc="http://schemas.openxmlformats.org/markup-compatibility/2006" xmlns:mv="urn:schemas-microsoft-com:mac:vml" xmlns:p="http://schemas.openxmlformats.org/presentationml/2006/main" xmlns:c="http://schemas.openxmlformats.org/drawingml/2006/chart" xmlns:dgm="http://schemas.openxmlformats.org/drawingml/2006/diagram" xmlns:o="urn:schemas-microsoft-com:office:office" xmlns:v="urn:schemas-microsoft-com:vml" xmlns:pvml="urn:schemas-microsoft-com:office:powerpoint" xmlns:com="http://schemas.openxmlformats.org/drawingml/2006/compatibility" xmlns:p14="http://schemas.microsoft.com/office/powerpoint/2010/main" xmlns:p15="http://schemas.microsoft.com/office/powerpoint/2012/main">
   <p:cSld>
     <p:spTree>
       <p:nvGrpSpPr>
-        <p:cNvPr id="1" name="Shape 96"/>
+        <p:cNvPr id="96" name="Shape 96"/>
         <p:cNvGrpSpPr/>
         <p:nvPr/>
       </p:nvGrpSpPr>
@@ -8308,9 +8099,7 @@
       <p:sp>
         <p:nvSpPr>
           <p:cNvPr id="97" name="Shape 97"/>
-          <p:cNvSpPr txBox="1">
-            <a:spLocks noGrp="1"/>
-          </p:cNvSpPr>
+          <p:cNvSpPr txBox="1"/>
           <p:nvPr>
             <p:ph type="title"/>
           </p:nvPr>
@@ -8325,12 +8114,12 @@
           </a:prstGeom>
         </p:spPr>
         <p:txBody>
-          <a:bodyPr spcFirstLastPara="1" wrap="square" lIns="91425" tIns="91425" rIns="91425" bIns="91425" anchor="b" anchorCtr="0">
+          <a:bodyPr anchorCtr="0" anchor="b" bIns="91425" lIns="91425" spcFirstLastPara="1" rIns="91425" wrap="square" tIns="91425">
             <a:noAutofit/>
           </a:bodyPr>
           <a:lstStyle/>
           <a:p>
-            <a:pPr marL="0" lvl="0" indent="0" rtl="0">
+            <a:pPr indent="0" lvl="0" marL="0" rtl="0">
               <a:spcBef>
                 <a:spcPts val="0"/>
               </a:spcBef>
@@ -8350,11 +8139,9 @@
       <p:sp>
         <p:nvSpPr>
           <p:cNvPr id="98" name="Shape 98"/>
-          <p:cNvSpPr txBox="1">
-            <a:spLocks noGrp="1"/>
-          </p:cNvSpPr>
+          <p:cNvSpPr txBox="1"/>
           <p:nvPr>
-            <p:ph type="body" idx="1"/>
+            <p:ph idx="1" type="body"/>
           </p:nvPr>
         </p:nvSpPr>
         <p:spPr>
@@ -8367,12 +8154,12 @@
           </a:prstGeom>
         </p:spPr>
         <p:txBody>
-          <a:bodyPr spcFirstLastPara="1" wrap="square" lIns="91425" tIns="91425" rIns="91425" bIns="91425" anchor="t" anchorCtr="0">
+          <a:bodyPr anchorCtr="0" anchor="t" bIns="91425" lIns="91425" spcFirstLastPara="1" rIns="91425" wrap="square" tIns="91425">
             <a:noAutofit/>
           </a:bodyPr>
           <a:lstStyle/>
           <a:p>
-            <a:pPr marL="457200" lvl="0" indent="-317500" rtl="0">
+            <a:pPr indent="-317500" lvl="0" marL="457200" rtl="0">
               <a:spcBef>
                 <a:spcPts val="600"/>
               </a:spcBef>
@@ -8383,13 +8170,13 @@
               <a:buChar char="◎"/>
             </a:pPr>
             <a:r>
-              <a:rPr lang="en" sz="1400" dirty="0"/>
+              <a:rPr lang="en" sz="1400"/>
               <a:t>We just added a new functionality that shows the email address of the object owner when clicking on a match.</a:t>
             </a:r>
-            <a:endParaRPr sz="1400" dirty="0"/>
-          </a:p>
-          <a:p>
-            <a:pPr marL="457200" lvl="0" indent="-317500" rtl="0">
+            <a:endParaRPr sz="1400"/>
+          </a:p>
+          <a:p>
+            <a:pPr indent="-317500" lvl="0" marL="457200" rtl="0">
               <a:spcBef>
                 <a:spcPts val="1000"/>
               </a:spcBef>
@@ -8400,13 +8187,13 @@
               <a:buChar char="◎"/>
             </a:pPr>
             <a:r>
-              <a:rPr lang="en" sz="1400" dirty="0"/>
+              <a:rPr lang="en" sz="1400"/>
               <a:t>Possibility to create an account.</a:t>
             </a:r>
-            <a:endParaRPr sz="1400" dirty="0"/>
-          </a:p>
-          <a:p>
-            <a:pPr marL="457200" lvl="0" indent="-317500" rtl="0">
+            <a:endParaRPr sz="1400"/>
+          </a:p>
+          <a:p>
+            <a:pPr indent="-317500" lvl="0" marL="457200" rtl="0">
               <a:spcBef>
                 <a:spcPts val="1000"/>
               </a:spcBef>
@@ -8417,16 +8204,16 @@
               <a:buChar char="◎"/>
             </a:pPr>
             <a:r>
-              <a:rPr lang="en" sz="1400" dirty="0"/>
+              <a:rPr lang="en" sz="1400"/>
               <a:t>Settings page finished with the possibility to modify your personal information as well as your credentials.</a:t>
             </a:r>
             <a:br>
-              <a:rPr lang="en" sz="1400" dirty="0"/>
+              <a:rPr lang="en" sz="1400"/>
             </a:br>
-            <a:endParaRPr sz="1400" dirty="0"/>
-          </a:p>
-          <a:p>
-            <a:pPr marL="0" lvl="0" indent="0" rtl="0">
+            <a:endParaRPr sz="1400"/>
+          </a:p>
+          <a:p>
+            <a:pPr indent="0" lvl="0" marL="0" rtl="0">
               <a:spcBef>
                 <a:spcPts val="1000"/>
               </a:spcBef>
@@ -8435,18 +8222,19 @@
               </a:spcAft>
               <a:buNone/>
             </a:pPr>
-            <a:endParaRPr dirty="0"/>
+            <a:r>
+              <a:t/>
+            </a:r>
+            <a:endParaRPr/>
           </a:p>
         </p:txBody>
       </p:sp>
       <p:sp>
         <p:nvSpPr>
           <p:cNvPr id="99" name="Shape 99"/>
-          <p:cNvSpPr txBox="1">
-            <a:spLocks noGrp="1"/>
-          </p:cNvSpPr>
+          <p:cNvSpPr txBox="1"/>
           <p:nvPr>
-            <p:ph type="sldNum" idx="12"/>
+            <p:ph idx="12" type="sldNum"/>
           </p:nvPr>
         </p:nvSpPr>
         <p:spPr>
@@ -8459,12 +8247,12 @@
           </a:prstGeom>
         </p:spPr>
         <p:txBody>
-          <a:bodyPr spcFirstLastPara="1" wrap="square" lIns="91425" tIns="91425" rIns="91425" bIns="91425" anchor="t" anchorCtr="0">
+          <a:bodyPr anchorCtr="0" anchor="t" bIns="91425" lIns="91425" spcFirstLastPara="1" rIns="91425" wrap="square" tIns="91425">
             <a:noAutofit/>
           </a:bodyPr>
           <a:lstStyle/>
           <a:p>
-            <a:pPr marL="0" lvl="0" indent="0" rtl="0">
+            <a:pPr indent="0" lvl="0" marL="0" rtl="0">
               <a:spcBef>
                 <a:spcPts val="0"/>
               </a:spcBef>
@@ -8475,16 +8263,7 @@
             </a:pPr>
             <a:fld id="{00000000-1234-1234-1234-123412341234}" type="slidenum">
               <a:rPr lang="en"/>
-              <a:pPr marL="0" lvl="0" indent="0" rtl="0">
-                <a:spcBef>
-                  <a:spcPts val="0"/>
-                </a:spcBef>
-                <a:spcAft>
-                  <a:spcPts val="0"/>
-                </a:spcAft>
-                <a:buNone/>
-              </a:pPr>
-              <a:t>4</a:t>
+              <a:t>‹#›</a:t>
             </a:fld>
             <a:endParaRPr/>
           </a:p>
@@ -8499,11 +8278,11 @@
 </file>
 
 <file path=ppt/slides/slide5.xml><?xml version="1.0" encoding="utf-8"?>
-<p:sld xmlns:a="http://schemas.openxmlformats.org/drawingml/2006/main" xmlns:r="http://schemas.openxmlformats.org/officeDocument/2006/relationships" xmlns:p="http://schemas.openxmlformats.org/presentationml/2006/main">
+<p:sld xmlns:a="http://schemas.openxmlformats.org/drawingml/2006/main" xmlns:r="http://schemas.openxmlformats.org/officeDocument/2006/relationships" xmlns:mc="http://schemas.openxmlformats.org/markup-compatibility/2006" xmlns:mv="urn:schemas-microsoft-com:mac:vml" xmlns:p="http://schemas.openxmlformats.org/presentationml/2006/main" xmlns:c="http://schemas.openxmlformats.org/drawingml/2006/chart" xmlns:dgm="http://schemas.openxmlformats.org/drawingml/2006/diagram" xmlns:o="urn:schemas-microsoft-com:office:office" xmlns:v="urn:schemas-microsoft-com:vml" xmlns:pvml="urn:schemas-microsoft-com:office:powerpoint" xmlns:com="http://schemas.openxmlformats.org/drawingml/2006/compatibility" xmlns:p14="http://schemas.microsoft.com/office/powerpoint/2010/main" xmlns:p15="http://schemas.microsoft.com/office/powerpoint/2012/main">
   <p:cSld>
     <p:spTree>
       <p:nvGrpSpPr>
-        <p:cNvPr id="1" name="Shape 103"/>
+        <p:cNvPr id="103" name="Shape 103"/>
         <p:cNvGrpSpPr/>
         <p:nvPr/>
       </p:nvGrpSpPr>
@@ -8518,11 +8297,9 @@
       <p:sp>
         <p:nvSpPr>
           <p:cNvPr id="104" name="Shape 104"/>
-          <p:cNvSpPr txBox="1">
-            <a:spLocks noGrp="1"/>
-          </p:cNvSpPr>
+          <p:cNvSpPr txBox="1"/>
           <p:nvPr>
-            <p:ph type="sldNum" idx="12"/>
+            <p:ph idx="12" type="sldNum"/>
           </p:nvPr>
         </p:nvSpPr>
         <p:spPr>
@@ -8535,12 +8312,12 @@
           </a:prstGeom>
         </p:spPr>
         <p:txBody>
-          <a:bodyPr spcFirstLastPara="1" wrap="square" lIns="91425" tIns="91425" rIns="91425" bIns="91425" anchor="t" anchorCtr="0">
+          <a:bodyPr anchorCtr="0" anchor="t" bIns="91425" lIns="91425" spcFirstLastPara="1" rIns="91425" wrap="square" tIns="91425">
             <a:noAutofit/>
           </a:bodyPr>
           <a:lstStyle/>
           <a:p>
-            <a:pPr marL="0" lvl="0" indent="0">
+            <a:pPr indent="0" lvl="0" marL="0">
               <a:spcBef>
                 <a:spcPts val="0"/>
               </a:spcBef>
@@ -8551,16 +8328,7 @@
             </a:pPr>
             <a:fld id="{00000000-1234-1234-1234-123412341234}" type="slidenum">
               <a:rPr lang="en"/>
-              <a:pPr marL="0" lvl="0" indent="0">
-                <a:spcBef>
-                  <a:spcPts val="0"/>
-                </a:spcBef>
-                <a:spcAft>
-                  <a:spcPts val="0"/>
-                </a:spcAft>
-                <a:buNone/>
-              </a:pPr>
-              <a:t>5</a:t>
+              <a:t>‹#›</a:t>
             </a:fld>
             <a:endParaRPr/>
           </a:p>
@@ -8569,11 +8337,9 @@
       <p:sp>
         <p:nvSpPr>
           <p:cNvPr id="105" name="Shape 105"/>
-          <p:cNvSpPr txBox="1">
-            <a:spLocks noGrp="1"/>
-          </p:cNvSpPr>
+          <p:cNvSpPr txBox="1"/>
           <p:nvPr>
-            <p:ph type="ctrTitle" idx="4294967295"/>
+            <p:ph idx="4294967295" type="ctrTitle"/>
           </p:nvPr>
         </p:nvSpPr>
         <p:spPr>
@@ -8586,12 +8352,12 @@
           </a:prstGeom>
         </p:spPr>
         <p:txBody>
-          <a:bodyPr spcFirstLastPara="1" wrap="square" lIns="91425" tIns="91425" rIns="91425" bIns="91425" anchor="b" anchorCtr="0">
+          <a:bodyPr anchorCtr="0" anchor="b" bIns="91425" lIns="91425" spcFirstLastPara="1" rIns="91425" wrap="square" tIns="91425">
             <a:noAutofit/>
           </a:bodyPr>
           <a:lstStyle/>
           <a:p>
-            <a:pPr marL="0" lvl="0" indent="0" algn="ctr" rtl="0">
+            <a:pPr indent="0" lvl="0" marL="0" rtl="0" algn="ctr">
               <a:spcBef>
                 <a:spcPts val="0"/>
               </a:spcBef>
@@ -8601,10 +8367,14 @@
               <a:buNone/>
             </a:pPr>
             <a:r>
-              <a:rPr lang="en" sz="6000" b="1"/>
-              <a:t>Demo time !</a:t>
+              <a:rPr b="1" lang="en" sz="6000"/>
+              <a:t>Demo t</a:t>
             </a:r>
-            <a:endParaRPr sz="6000" b="1"/>
+            <a:r>
+              <a:rPr b="1" lang="en" sz="6000"/>
+              <a:t>ime !</a:t>
+            </a:r>
+            <a:endParaRPr b="1" sz="6000"/>
           </a:p>
         </p:txBody>
       </p:sp>
@@ -8617,11 +8387,11 @@
 </file>
 
 <file path=ppt/slides/slide6.xml><?xml version="1.0" encoding="utf-8"?>
-<p:sld xmlns:a="http://schemas.openxmlformats.org/drawingml/2006/main" xmlns:r="http://schemas.openxmlformats.org/officeDocument/2006/relationships" xmlns:p="http://schemas.openxmlformats.org/presentationml/2006/main">
+<p:sld xmlns:a="http://schemas.openxmlformats.org/drawingml/2006/main" xmlns:r="http://schemas.openxmlformats.org/officeDocument/2006/relationships" xmlns:mc="http://schemas.openxmlformats.org/markup-compatibility/2006" xmlns:mv="urn:schemas-microsoft-com:mac:vml" xmlns:p="http://schemas.openxmlformats.org/presentationml/2006/main" xmlns:c="http://schemas.openxmlformats.org/drawingml/2006/chart" xmlns:dgm="http://schemas.openxmlformats.org/drawingml/2006/diagram" xmlns:o="urn:schemas-microsoft-com:office:office" xmlns:v="urn:schemas-microsoft-com:vml" xmlns:pvml="urn:schemas-microsoft-com:office:powerpoint" xmlns:com="http://schemas.openxmlformats.org/drawingml/2006/compatibility" xmlns:p14="http://schemas.microsoft.com/office/powerpoint/2010/main" xmlns:p15="http://schemas.microsoft.com/office/powerpoint/2012/main">
   <p:cSld>
     <p:spTree>
       <p:nvGrpSpPr>
-        <p:cNvPr id="1" name="Shape 109"/>
+        <p:cNvPr id="109" name="Shape 109"/>
         <p:cNvGrpSpPr/>
         <p:nvPr/>
       </p:nvGrpSpPr>
@@ -8636,9 +8406,7 @@
       <p:sp>
         <p:nvSpPr>
           <p:cNvPr id="110" name="Shape 110"/>
-          <p:cNvSpPr txBox="1">
-            <a:spLocks noGrp="1"/>
-          </p:cNvSpPr>
+          <p:cNvSpPr txBox="1"/>
           <p:nvPr>
             <p:ph type="title"/>
           </p:nvPr>
@@ -8653,12 +8421,12 @@
           </a:prstGeom>
         </p:spPr>
         <p:txBody>
-          <a:bodyPr spcFirstLastPara="1" wrap="square" lIns="91425" tIns="91425" rIns="91425" bIns="91425" anchor="b" anchorCtr="0">
+          <a:bodyPr anchorCtr="0" anchor="b" bIns="91425" lIns="91425" spcFirstLastPara="1" rIns="91425" wrap="square" tIns="91425">
             <a:noAutofit/>
           </a:bodyPr>
           <a:lstStyle/>
           <a:p>
-            <a:pPr marL="0" lvl="0" indent="0" rtl="0">
+            <a:pPr indent="0" lvl="0" marL="0" rtl="0">
               <a:spcBef>
                 <a:spcPts val="0"/>
               </a:spcBef>
@@ -8678,11 +8446,9 @@
       <p:sp>
         <p:nvSpPr>
           <p:cNvPr id="111" name="Shape 111"/>
-          <p:cNvSpPr txBox="1">
-            <a:spLocks noGrp="1"/>
-          </p:cNvSpPr>
+          <p:cNvSpPr txBox="1"/>
           <p:nvPr>
-            <p:ph type="sldNum" idx="12"/>
+            <p:ph idx="12" type="sldNum"/>
           </p:nvPr>
         </p:nvSpPr>
         <p:spPr>
@@ -8695,12 +8461,12 @@
           </a:prstGeom>
         </p:spPr>
         <p:txBody>
-          <a:bodyPr spcFirstLastPara="1" wrap="square" lIns="91425" tIns="91425" rIns="91425" bIns="91425" anchor="t" anchorCtr="0">
+          <a:bodyPr anchorCtr="0" anchor="t" bIns="91425" lIns="91425" spcFirstLastPara="1" rIns="91425" wrap="square" tIns="91425">
             <a:noAutofit/>
           </a:bodyPr>
           <a:lstStyle/>
           <a:p>
-            <a:pPr marL="0" lvl="0" indent="0" rtl="0">
+            <a:pPr indent="0" lvl="0" marL="0" rtl="0">
               <a:spcBef>
                 <a:spcPts val="0"/>
               </a:spcBef>
@@ -8711,16 +8477,7 @@
             </a:pPr>
             <a:fld id="{00000000-1234-1234-1234-123412341234}" type="slidenum">
               <a:rPr lang="en"/>
-              <a:pPr marL="0" lvl="0" indent="0" rtl="0">
-                <a:spcBef>
-                  <a:spcPts val="0"/>
-                </a:spcBef>
-                <a:spcAft>
-                  <a:spcPts val="0"/>
-                </a:spcAft>
-                <a:buNone/>
-              </a:pPr>
-              <a:t>6</a:t>
+              <a:t>‹#›</a:t>
             </a:fld>
             <a:endParaRPr/>
           </a:p>
@@ -8746,12 +8503,12 @@
           </a:ln>
         </p:spPr>
         <p:txBody>
-          <a:bodyPr spcFirstLastPara="1" wrap="square" lIns="91425" tIns="91425" rIns="91425" bIns="91425" anchor="t" anchorCtr="0">
+          <a:bodyPr anchorCtr="0" anchor="t" bIns="91425" lIns="91425" spcFirstLastPara="1" rIns="91425" wrap="square" tIns="91425">
             <a:noAutofit/>
           </a:bodyPr>
           <a:lstStyle/>
           <a:p>
-            <a:pPr marL="0" lvl="0" indent="0" algn="r" rtl="0">
+            <a:pPr indent="0" lvl="0" marL="0" rtl="0" algn="r">
               <a:spcBef>
                 <a:spcPts val="0"/>
               </a:spcBef>
@@ -8789,8 +8546,8 @@
         </p:blipFill>
         <p:spPr>
           <a:xfrm>
-            <a:off x="0" y="1656477"/>
-            <a:ext cx="9144000" cy="3821796"/>
+            <a:off x="152400" y="1576326"/>
+            <a:ext cx="8839201" cy="3694403"/>
           </a:xfrm>
           <a:prstGeom prst="rect">
             <a:avLst/>
@@ -8810,11 +8567,11 @@
 </file>
 
 <file path=ppt/slides/slide7.xml><?xml version="1.0" encoding="utf-8"?>
-<p:sld xmlns:a="http://schemas.openxmlformats.org/drawingml/2006/main" xmlns:r="http://schemas.openxmlformats.org/officeDocument/2006/relationships" xmlns:p="http://schemas.openxmlformats.org/presentationml/2006/main">
+<p:sld xmlns:a="http://schemas.openxmlformats.org/drawingml/2006/main" xmlns:r="http://schemas.openxmlformats.org/officeDocument/2006/relationships" xmlns:mc="http://schemas.openxmlformats.org/markup-compatibility/2006" xmlns:mv="urn:schemas-microsoft-com:mac:vml" xmlns:p="http://schemas.openxmlformats.org/presentationml/2006/main" xmlns:c="http://schemas.openxmlformats.org/drawingml/2006/chart" xmlns:dgm="http://schemas.openxmlformats.org/drawingml/2006/diagram" xmlns:o="urn:schemas-microsoft-com:office:office" xmlns:v="urn:schemas-microsoft-com:vml" xmlns:pvml="urn:schemas-microsoft-com:office:powerpoint" xmlns:com="http://schemas.openxmlformats.org/drawingml/2006/compatibility" xmlns:p14="http://schemas.microsoft.com/office/powerpoint/2010/main" xmlns:p15="http://schemas.microsoft.com/office/powerpoint/2012/main">
   <p:cSld>
     <p:spTree>
       <p:nvGrpSpPr>
-        <p:cNvPr id="1" name="Shape 117"/>
+        <p:cNvPr id="117" name="Shape 117"/>
         <p:cNvGrpSpPr/>
         <p:nvPr/>
       </p:nvGrpSpPr>
@@ -8829,9 +8586,7 @@
       <p:sp>
         <p:nvSpPr>
           <p:cNvPr id="118" name="Shape 118"/>
-          <p:cNvSpPr txBox="1">
-            <a:spLocks noGrp="1"/>
-          </p:cNvSpPr>
+          <p:cNvSpPr txBox="1"/>
           <p:nvPr>
             <p:ph type="title"/>
           </p:nvPr>
@@ -8846,12 +8601,12 @@
           </a:prstGeom>
         </p:spPr>
         <p:txBody>
-          <a:bodyPr spcFirstLastPara="1" wrap="square" lIns="91425" tIns="91425" rIns="91425" bIns="91425" anchor="b" anchorCtr="0">
+          <a:bodyPr anchorCtr="0" anchor="b" bIns="91425" lIns="91425" spcFirstLastPara="1" rIns="91425" wrap="square" tIns="91425">
             <a:noAutofit/>
           </a:bodyPr>
           <a:lstStyle/>
           <a:p>
-            <a:pPr marL="0" lvl="0" indent="0" rtl="0">
+            <a:pPr indent="0" lvl="0" marL="0" rtl="0">
               <a:spcBef>
                 <a:spcPts val="0"/>
               </a:spcBef>
@@ -8871,11 +8626,9 @@
       <p:sp>
         <p:nvSpPr>
           <p:cNvPr id="119" name="Shape 119"/>
-          <p:cNvSpPr txBox="1">
-            <a:spLocks noGrp="1"/>
-          </p:cNvSpPr>
+          <p:cNvSpPr txBox="1"/>
           <p:nvPr>
-            <p:ph type="sldNum" idx="12"/>
+            <p:ph idx="12" type="sldNum"/>
           </p:nvPr>
         </p:nvSpPr>
         <p:spPr>
@@ -8888,12 +8641,12 @@
           </a:prstGeom>
         </p:spPr>
         <p:txBody>
-          <a:bodyPr spcFirstLastPara="1" wrap="square" lIns="91425" tIns="91425" rIns="91425" bIns="91425" anchor="t" anchorCtr="0">
+          <a:bodyPr anchorCtr="0" anchor="t" bIns="91425" lIns="91425" spcFirstLastPara="1" rIns="91425" wrap="square" tIns="91425">
             <a:noAutofit/>
           </a:bodyPr>
           <a:lstStyle/>
           <a:p>
-            <a:pPr marL="0" lvl="0" indent="0" rtl="0">
+            <a:pPr indent="0" lvl="0" marL="0" rtl="0">
               <a:spcBef>
                 <a:spcPts val="0"/>
               </a:spcBef>
@@ -8904,16 +8657,7 @@
             </a:pPr>
             <a:fld id="{00000000-1234-1234-1234-123412341234}" type="slidenum">
               <a:rPr lang="en"/>
-              <a:pPr marL="0" lvl="0" indent="0" rtl="0">
-                <a:spcBef>
-                  <a:spcPts val="0"/>
-                </a:spcBef>
-                <a:spcAft>
-                  <a:spcPts val="0"/>
-                </a:spcAft>
-                <a:buNone/>
-              </a:pPr>
-              <a:t>7</a:t>
+              <a:t>‹#›</a:t>
             </a:fld>
             <a:endParaRPr/>
           </a:p>
@@ -8922,11 +8666,9 @@
       <p:sp>
         <p:nvSpPr>
           <p:cNvPr id="120" name="Shape 120"/>
-          <p:cNvSpPr txBox="1">
-            <a:spLocks noGrp="1"/>
-          </p:cNvSpPr>
+          <p:cNvSpPr txBox="1"/>
           <p:nvPr>
-            <p:ph type="body" idx="4294967295"/>
+            <p:ph idx="4294967295" type="body"/>
           </p:nvPr>
         </p:nvSpPr>
         <p:spPr>
@@ -8939,12 +8681,12 @@
           </a:prstGeom>
         </p:spPr>
         <p:txBody>
-          <a:bodyPr spcFirstLastPara="1" wrap="square" lIns="91425" tIns="91425" rIns="91425" bIns="91425" anchor="t" anchorCtr="0">
+          <a:bodyPr anchorCtr="0" anchor="t" bIns="91425" lIns="91425" spcFirstLastPara="1" rIns="91425" wrap="square" tIns="91425">
             <a:noAutofit/>
           </a:bodyPr>
           <a:lstStyle/>
           <a:p>
-            <a:pPr marL="457200" lvl="0" indent="-317500" rtl="0">
+            <a:pPr indent="-317500" lvl="0" marL="457200" rtl="0">
               <a:spcBef>
                 <a:spcPts val="600"/>
               </a:spcBef>
@@ -8955,13 +8697,13 @@
               <a:buChar char="◎"/>
             </a:pPr>
             <a:r>
-              <a:rPr lang="en" sz="1400" dirty="0"/>
+              <a:rPr lang="en" sz="1400"/>
               <a:t>When creating a new notice, the app will use MatchMore’s API to create a new publication/subscription on MatchMore’s server.</a:t>
             </a:r>
-            <a:endParaRPr sz="1400" dirty="0"/>
-          </a:p>
-          <a:p>
-            <a:pPr marL="457200" lvl="0" indent="-317500" rtl="0">
+            <a:endParaRPr sz="1400"/>
+          </a:p>
+          <a:p>
+            <a:pPr indent="-317500" lvl="0" marL="457200" rtl="0">
               <a:spcBef>
                 <a:spcPts val="1000"/>
               </a:spcBef>
@@ -8972,13 +8714,13 @@
               <a:buChar char="◎"/>
             </a:pPr>
             <a:r>
-              <a:rPr lang="en" sz="1400" dirty="0"/>
+              <a:rPr lang="en" sz="1400"/>
               <a:t>If there is a match, MatchMore’s server will indicate it to the app through MatchMore’s API</a:t>
             </a:r>
-            <a:endParaRPr sz="1400" dirty="0"/>
-          </a:p>
-          <a:p>
-            <a:pPr marL="457200" lvl="0" indent="-317500" rtl="0">
+            <a:endParaRPr sz="1400"/>
+          </a:p>
+          <a:p>
+            <a:pPr indent="-317500" lvl="0" marL="457200" rtl="0">
               <a:spcBef>
                 <a:spcPts val="1000"/>
               </a:spcBef>
@@ -8989,13 +8731,13 @@
               <a:buChar char="◎"/>
             </a:pPr>
             <a:r>
-              <a:rPr lang="en" sz="1400" dirty="0"/>
+              <a:rPr lang="en" sz="1400"/>
               <a:t>We use Google Maps API to show a map with our location within our app and in order to show where the item is located, we use MatchMore’s API to ask MatchMore’s server where said item is.</a:t>
             </a:r>
-            <a:endParaRPr sz="1400" dirty="0"/>
-          </a:p>
-          <a:p>
-            <a:pPr marL="457200" lvl="0" indent="-317500" rtl="0">
+            <a:endParaRPr sz="1400"/>
+          </a:p>
+          <a:p>
+            <a:pPr indent="-317500" lvl="0" marL="457200" rtl="0">
               <a:spcBef>
                 <a:spcPts val="1000"/>
               </a:spcBef>
@@ -9006,13 +8748,13 @@
               <a:buChar char="◎"/>
             </a:pPr>
             <a:r>
-              <a:rPr lang="en" sz="1400" dirty="0"/>
+              <a:rPr lang="en" sz="1400"/>
               <a:t>We use EJB and Servlets to retrieve the data necessary to login.</a:t>
             </a:r>
-            <a:endParaRPr sz="1400" dirty="0"/>
-          </a:p>
-          <a:p>
-            <a:pPr marL="457200" lvl="0" indent="-317500" rtl="0">
+            <a:endParaRPr sz="1400"/>
+          </a:p>
+          <a:p>
+            <a:pPr indent="-317500" lvl="0" marL="457200" rtl="0">
               <a:spcBef>
                 <a:spcPts val="1000"/>
               </a:spcBef>
@@ -9023,10 +8765,10 @@
               <a:buChar char="◎"/>
             </a:pPr>
             <a:r>
-              <a:rPr lang="en" sz="1400" dirty="0"/>
+              <a:rPr lang="en" sz="1400"/>
               <a:t>We use EJB, Servlets and JSP to modify our database.</a:t>
             </a:r>
-            <a:endParaRPr sz="1400" dirty="0"/>
+            <a:endParaRPr sz="1400"/>
           </a:p>
         </p:txBody>
       </p:sp>
@@ -9039,11 +8781,11 @@
 </file>
 
 <file path=ppt/slides/slide8.xml><?xml version="1.0" encoding="utf-8"?>
-<p:sld xmlns:a="http://schemas.openxmlformats.org/drawingml/2006/main" xmlns:r="http://schemas.openxmlformats.org/officeDocument/2006/relationships" xmlns:p="http://schemas.openxmlformats.org/presentationml/2006/main">
+<p:sld xmlns:a="http://schemas.openxmlformats.org/drawingml/2006/main" xmlns:r="http://schemas.openxmlformats.org/officeDocument/2006/relationships" xmlns:mc="http://schemas.openxmlformats.org/markup-compatibility/2006" xmlns:mv="urn:schemas-microsoft-com:mac:vml" xmlns:p="http://schemas.openxmlformats.org/presentationml/2006/main" xmlns:c="http://schemas.openxmlformats.org/drawingml/2006/chart" xmlns:dgm="http://schemas.openxmlformats.org/drawingml/2006/diagram" xmlns:o="urn:schemas-microsoft-com:office:office" xmlns:v="urn:schemas-microsoft-com:vml" xmlns:pvml="urn:schemas-microsoft-com:office:powerpoint" xmlns:com="http://schemas.openxmlformats.org/drawingml/2006/compatibility" xmlns:p14="http://schemas.microsoft.com/office/powerpoint/2010/main" xmlns:p15="http://schemas.microsoft.com/office/powerpoint/2012/main">
   <p:cSld>
     <p:spTree>
       <p:nvGrpSpPr>
-        <p:cNvPr id="1" name="Shape 124"/>
+        <p:cNvPr id="124" name="Shape 124"/>
         <p:cNvGrpSpPr/>
         <p:nvPr/>
       </p:nvGrpSpPr>
@@ -9058,9 +8800,7 @@
       <p:sp>
         <p:nvSpPr>
           <p:cNvPr id="125" name="Shape 125"/>
-          <p:cNvSpPr txBox="1">
-            <a:spLocks noGrp="1"/>
-          </p:cNvSpPr>
+          <p:cNvSpPr txBox="1"/>
           <p:nvPr>
             <p:ph type="title"/>
           </p:nvPr>
@@ -9075,12 +8815,12 @@
           </a:prstGeom>
         </p:spPr>
         <p:txBody>
-          <a:bodyPr spcFirstLastPara="1" wrap="square" lIns="91425" tIns="91425" rIns="91425" bIns="91425" anchor="b" anchorCtr="0">
+          <a:bodyPr anchorCtr="0" anchor="b" bIns="91425" lIns="91425" spcFirstLastPara="1" rIns="91425" wrap="square" tIns="91425">
             <a:noAutofit/>
           </a:bodyPr>
           <a:lstStyle/>
           <a:p>
-            <a:pPr marL="0" lvl="0" indent="0" rtl="0">
+            <a:pPr indent="0" lvl="0" marL="0" rtl="0">
               <a:spcBef>
                 <a:spcPts val="0"/>
               </a:spcBef>
@@ -9100,11 +8840,9 @@
       <p:sp>
         <p:nvSpPr>
           <p:cNvPr id="126" name="Shape 126"/>
-          <p:cNvSpPr txBox="1">
-            <a:spLocks noGrp="1"/>
-          </p:cNvSpPr>
+          <p:cNvSpPr txBox="1"/>
           <p:nvPr>
-            <p:ph type="body" idx="1"/>
+            <p:ph idx="1" type="body"/>
           </p:nvPr>
         </p:nvSpPr>
         <p:spPr>
@@ -9117,12 +8855,12 @@
           </a:prstGeom>
         </p:spPr>
         <p:txBody>
-          <a:bodyPr spcFirstLastPara="1" wrap="square" lIns="91425" tIns="91425" rIns="91425" bIns="91425" anchor="t" anchorCtr="0">
+          <a:bodyPr anchorCtr="0" anchor="t" bIns="91425" lIns="91425" spcFirstLastPara="1" rIns="91425" wrap="square" tIns="91425">
             <a:noAutofit/>
           </a:bodyPr>
           <a:lstStyle/>
           <a:p>
-            <a:pPr marL="457200" lvl="0" indent="-317500" algn="just" rtl="0">
+            <a:pPr indent="-317500" lvl="0" marL="457200" rtl="0" algn="just">
               <a:spcBef>
                 <a:spcPts val="600"/>
               </a:spcBef>
@@ -9134,12 +8872,20 @@
             </a:pPr>
             <a:r>
               <a:rPr lang="en" sz="1400"/>
-              <a:t>App entirely and back-end coded by Henri Keopraseuth, with the help of StackOverflow and other websites.</a:t>
+              <a:t>App </a:t>
+            </a:r>
+            <a:r>
+              <a:rPr lang="en" sz="1400"/>
+              <a:t>entirely and back-end</a:t>
+            </a:r>
+            <a:r>
+              <a:rPr lang="en" sz="1400"/>
+              <a:t> coded by Henri Keopraseuth, with the help of StackOverflow and other websites.</a:t>
             </a:r>
             <a:endParaRPr sz="1400"/>
           </a:p>
           <a:p>
-            <a:pPr marL="0" lvl="0" indent="0" rtl="0">
+            <a:pPr indent="0" lvl="0" marL="0" rtl="0">
               <a:spcBef>
                 <a:spcPts val="1000"/>
               </a:spcBef>
@@ -9148,6 +8894,9 @@
               </a:spcAft>
               <a:buNone/>
             </a:pPr>
+            <a:r>
+              <a:t/>
+            </a:r>
             <a:endParaRPr/>
           </a:p>
         </p:txBody>
@@ -9155,11 +8904,9 @@
       <p:sp>
         <p:nvSpPr>
           <p:cNvPr id="127" name="Shape 127"/>
-          <p:cNvSpPr txBox="1">
-            <a:spLocks noGrp="1"/>
-          </p:cNvSpPr>
+          <p:cNvSpPr txBox="1"/>
           <p:nvPr>
-            <p:ph type="sldNum" idx="12"/>
+            <p:ph idx="12" type="sldNum"/>
           </p:nvPr>
         </p:nvSpPr>
         <p:spPr>
@@ -9172,12 +8919,12 @@
           </a:prstGeom>
         </p:spPr>
         <p:txBody>
-          <a:bodyPr spcFirstLastPara="1" wrap="square" lIns="91425" tIns="91425" rIns="91425" bIns="91425" anchor="t" anchorCtr="0">
+          <a:bodyPr anchorCtr="0" anchor="t" bIns="91425" lIns="91425" spcFirstLastPara="1" rIns="91425" wrap="square" tIns="91425">
             <a:noAutofit/>
           </a:bodyPr>
           <a:lstStyle/>
           <a:p>
-            <a:pPr marL="0" lvl="0" indent="0" rtl="0">
+            <a:pPr indent="0" lvl="0" marL="0" rtl="0">
               <a:spcBef>
                 <a:spcPts val="0"/>
               </a:spcBef>
@@ -9188,16 +8935,7 @@
             </a:pPr>
             <a:fld id="{00000000-1234-1234-1234-123412341234}" type="slidenum">
               <a:rPr lang="en"/>
-              <a:pPr marL="0" lvl="0" indent="0" rtl="0">
-                <a:spcBef>
-                  <a:spcPts val="0"/>
-                </a:spcBef>
-                <a:spcAft>
-                  <a:spcPts val="0"/>
-                </a:spcAft>
-                <a:buNone/>
-              </a:pPr>
-              <a:t>8</a:t>
+              <a:t>‹#›</a:t>
             </a:fld>
             <a:endParaRPr/>
           </a:p>
@@ -9211,7 +8949,7 @@
         </p:nvSpPr>
         <p:spPr>
           <a:xfrm>
-            <a:off x="1319550" y="3935275"/>
+            <a:off x="1167150" y="3935275"/>
             <a:ext cx="258900" cy="258900"/>
           </a:xfrm>
           <a:prstGeom prst="ellipse">
@@ -9220,31 +8958,34 @@
           <a:solidFill>
             <a:srgbClr val="0091EA"/>
           </a:solidFill>
-          <a:ln w="9525" cap="flat" cmpd="sng">
+          <a:ln cap="flat" cmpd="sng" w="9525">
             <a:solidFill>
               <a:srgbClr val="0091EA"/>
             </a:solidFill>
             <a:prstDash val="solid"/>
             <a:round/>
-            <a:headEnd type="none" w="sm" len="sm"/>
-            <a:tailEnd type="none" w="sm" len="sm"/>
+            <a:headEnd len="sm" w="sm" type="none"/>
+            <a:tailEnd len="sm" w="sm" type="none"/>
           </a:ln>
         </p:spPr>
         <p:txBody>
-          <a:bodyPr spcFirstLastPara="1" wrap="square" lIns="91425" tIns="91425" rIns="91425" bIns="91425" anchor="ctr" anchorCtr="0">
+          <a:bodyPr anchorCtr="0" anchor="ctr" bIns="91425" lIns="91425" spcFirstLastPara="1" rIns="91425" wrap="square" tIns="91425">
             <a:noAutofit/>
           </a:bodyPr>
           <a:lstStyle/>
           <a:p>
-            <a:pPr marL="0" lvl="0" indent="0">
-              <a:spcBef>
-                <a:spcPts val="0"/>
-              </a:spcBef>
-              <a:spcAft>
-                <a:spcPts val="0"/>
-              </a:spcAft>
-              <a:buNone/>
-            </a:pPr>
+            <a:pPr indent="0" lvl="0" marL="0">
+              <a:spcBef>
+                <a:spcPts val="0"/>
+              </a:spcBef>
+              <a:spcAft>
+                <a:spcPts val="0"/>
+              </a:spcAft>
+              <a:buNone/>
+            </a:pPr>
+            <a:r>
+              <a:t/>
+            </a:r>
             <a:endParaRPr/>
           </a:p>
         </p:txBody>
@@ -9257,7 +8998,7 @@
         </p:nvSpPr>
         <p:spPr>
           <a:xfrm>
-            <a:off x="615000" y="3279700"/>
+            <a:off x="462600" y="3279700"/>
             <a:ext cx="1668000" cy="476700"/>
           </a:xfrm>
           <a:prstGeom prst="rect">
@@ -9269,12 +9010,12 @@
           </a:ln>
         </p:spPr>
         <p:txBody>
-          <a:bodyPr spcFirstLastPara="1" wrap="square" lIns="91425" tIns="91425" rIns="91425" bIns="91425" anchor="t" anchorCtr="0">
+          <a:bodyPr anchorCtr="0" anchor="t" bIns="91425" lIns="91425" spcFirstLastPara="1" rIns="91425" wrap="square" tIns="91425">
             <a:noAutofit/>
           </a:bodyPr>
           <a:lstStyle/>
           <a:p>
-            <a:pPr marL="0" lvl="0" indent="0" algn="ctr" rtl="0">
+            <a:pPr indent="0" lvl="0" marL="0" rtl="0" algn="ctr">
               <a:spcBef>
                 <a:spcPts val="0"/>
               </a:spcBef>
@@ -9306,7 +9047,7 @@
             </a:endParaRPr>
           </a:p>
           <a:p>
-            <a:pPr marL="0" lvl="0" indent="0" algn="ctr" rtl="0">
+            <a:pPr indent="0" lvl="0" marL="0" rtl="0" algn="ctr">
               <a:spcBef>
                 <a:spcPts val="0"/>
               </a:spcBef>
@@ -9347,7 +9088,7 @@
         </p:nvSpPr>
         <p:spPr>
           <a:xfrm>
-            <a:off x="3077625" y="3935275"/>
+            <a:off x="2925225" y="3935275"/>
             <a:ext cx="258900" cy="258900"/>
           </a:xfrm>
           <a:prstGeom prst="ellipse">
@@ -9356,31 +9097,34 @@
           <a:solidFill>
             <a:srgbClr val="0091EA"/>
           </a:solidFill>
-          <a:ln w="9525" cap="flat" cmpd="sng">
+          <a:ln cap="flat" cmpd="sng" w="9525">
             <a:solidFill>
               <a:srgbClr val="0091EA"/>
             </a:solidFill>
             <a:prstDash val="solid"/>
             <a:round/>
-            <a:headEnd type="none" w="sm" len="sm"/>
-            <a:tailEnd type="none" w="sm" len="sm"/>
+            <a:headEnd len="sm" w="sm" type="none"/>
+            <a:tailEnd len="sm" w="sm" type="none"/>
           </a:ln>
         </p:spPr>
         <p:txBody>
-          <a:bodyPr spcFirstLastPara="1" wrap="square" lIns="91425" tIns="91425" rIns="91425" bIns="91425" anchor="ctr" anchorCtr="0">
+          <a:bodyPr anchorCtr="0" anchor="ctr" bIns="91425" lIns="91425" spcFirstLastPara="1" rIns="91425" wrap="square" tIns="91425">
             <a:noAutofit/>
           </a:bodyPr>
           <a:lstStyle/>
           <a:p>
-            <a:pPr marL="0" lvl="0" indent="0">
-              <a:spcBef>
-                <a:spcPts val="0"/>
-              </a:spcBef>
-              <a:spcAft>
-                <a:spcPts val="0"/>
-              </a:spcAft>
-              <a:buNone/>
-            </a:pPr>
+            <a:pPr indent="0" lvl="0" marL="0">
+              <a:spcBef>
+                <a:spcPts val="0"/>
+              </a:spcBef>
+              <a:spcAft>
+                <a:spcPts val="0"/>
+              </a:spcAft>
+              <a:buNone/>
+            </a:pPr>
+            <a:r>
+              <a:t/>
+            </a:r>
             <a:endParaRPr/>
           </a:p>
         </p:txBody>
@@ -9393,7 +9137,7 @@
         </p:nvSpPr>
         <p:spPr>
           <a:xfrm>
-            <a:off x="2373075" y="3279700"/>
+            <a:off x="2220675" y="3279700"/>
             <a:ext cx="1668000" cy="476700"/>
           </a:xfrm>
           <a:prstGeom prst="rect">
@@ -9405,12 +9149,12 @@
           </a:ln>
         </p:spPr>
         <p:txBody>
-          <a:bodyPr spcFirstLastPara="1" wrap="square" lIns="91425" tIns="91425" rIns="91425" bIns="91425" anchor="t" anchorCtr="0">
+          <a:bodyPr anchorCtr="0" anchor="t" bIns="91425" lIns="91425" spcFirstLastPara="1" rIns="91425" wrap="square" tIns="91425">
             <a:noAutofit/>
           </a:bodyPr>
           <a:lstStyle/>
           <a:p>
-            <a:pPr marL="0" lvl="0" indent="0" algn="ctr" rtl="0">
+            <a:pPr indent="0" lvl="0" marL="0" rtl="0" algn="ctr">
               <a:spcBef>
                 <a:spcPts val="0"/>
               </a:spcBef>
@@ -9442,7 +9186,7 @@
             </a:endParaRPr>
           </a:p>
           <a:p>
-            <a:pPr marL="0" lvl="0" indent="0" algn="ctr" rtl="0">
+            <a:pPr indent="0" lvl="0" marL="0" rtl="0" algn="ctr">
               <a:spcBef>
                 <a:spcPts val="0"/>
               </a:spcBef>
@@ -9483,7 +9227,7 @@
         </p:nvSpPr>
         <p:spPr>
           <a:xfrm>
-            <a:off x="4041075" y="3935275"/>
+            <a:off x="3888675" y="3935275"/>
             <a:ext cx="258900" cy="258900"/>
           </a:xfrm>
           <a:prstGeom prst="ellipse">
@@ -9492,31 +9236,34 @@
           <a:solidFill>
             <a:srgbClr val="0091EA"/>
           </a:solidFill>
-          <a:ln w="9525" cap="flat" cmpd="sng">
+          <a:ln cap="flat" cmpd="sng" w="9525">
             <a:solidFill>
               <a:srgbClr val="0091EA"/>
             </a:solidFill>
             <a:prstDash val="solid"/>
             <a:round/>
-            <a:headEnd type="none" w="sm" len="sm"/>
-            <a:tailEnd type="none" w="sm" len="sm"/>
+            <a:headEnd len="sm" w="sm" type="none"/>
+            <a:tailEnd len="sm" w="sm" type="none"/>
           </a:ln>
         </p:spPr>
         <p:txBody>
-          <a:bodyPr spcFirstLastPara="1" wrap="square" lIns="91425" tIns="91425" rIns="91425" bIns="91425" anchor="ctr" anchorCtr="0">
+          <a:bodyPr anchorCtr="0" anchor="ctr" bIns="91425" lIns="91425" spcFirstLastPara="1" rIns="91425" wrap="square" tIns="91425">
             <a:noAutofit/>
           </a:bodyPr>
           <a:lstStyle/>
           <a:p>
-            <a:pPr marL="0" lvl="0" indent="0">
-              <a:spcBef>
-                <a:spcPts val="0"/>
-              </a:spcBef>
-              <a:spcAft>
-                <a:spcPts val="0"/>
-              </a:spcAft>
-              <a:buNone/>
-            </a:pPr>
+            <a:pPr indent="0" lvl="0" marL="0">
+              <a:spcBef>
+                <a:spcPts val="0"/>
+              </a:spcBef>
+              <a:spcAft>
+                <a:spcPts val="0"/>
+              </a:spcAft>
+              <a:buNone/>
+            </a:pPr>
+            <a:r>
+              <a:t/>
+            </a:r>
             <a:endParaRPr/>
           </a:p>
         </p:txBody>
@@ -9529,7 +9276,7 @@
         </p:nvSpPr>
         <p:spPr>
           <a:xfrm>
-            <a:off x="6690025" y="3279700"/>
+            <a:off x="6537625" y="3279700"/>
             <a:ext cx="1668000" cy="476700"/>
           </a:xfrm>
           <a:prstGeom prst="rect">
@@ -9541,12 +9288,12 @@
           </a:ln>
         </p:spPr>
         <p:txBody>
-          <a:bodyPr spcFirstLastPara="1" wrap="square" lIns="91425" tIns="91425" rIns="91425" bIns="91425" anchor="t" anchorCtr="0">
+          <a:bodyPr anchorCtr="0" anchor="t" bIns="91425" lIns="91425" spcFirstLastPara="1" rIns="91425" wrap="square" tIns="91425">
             <a:noAutofit/>
           </a:bodyPr>
           <a:lstStyle/>
           <a:p>
-            <a:pPr marL="0" lvl="0" indent="0" algn="ctr" rtl="0">
+            <a:pPr indent="0" lvl="0" marL="0" rtl="0" algn="ctr">
               <a:spcBef>
                 <a:spcPts val="0"/>
               </a:spcBef>
@@ -9578,7 +9325,7 @@
             </a:endParaRPr>
           </a:p>
           <a:p>
-            <a:pPr marL="0" lvl="0" indent="0" algn="ctr" rtl="0">
+            <a:pPr indent="0" lvl="0" marL="0" rtl="0" algn="ctr">
               <a:spcBef>
                 <a:spcPts val="0"/>
               </a:spcBef>
@@ -9620,22 +9367,22 @@
           <p:nvPr/>
         </p:nvCxnSpPr>
         <p:spPr>
-          <a:xfrm rot="10800000" flipH="1">
-            <a:off x="1569225" y="4064725"/>
+          <a:xfrm flipH="1" rot="10800000">
+            <a:off x="1416825" y="4064725"/>
             <a:ext cx="1508400" cy="2100"/>
           </a:xfrm>
           <a:prstGeom prst="straightConnector1">
             <a:avLst/>
           </a:prstGeom>
           <a:noFill/>
-          <a:ln w="9525" cap="flat" cmpd="sng">
+          <a:ln cap="flat" cmpd="sng" w="9525">
             <a:solidFill>
               <a:srgbClr val="0091EA"/>
             </a:solidFill>
             <a:prstDash val="solid"/>
             <a:round/>
-            <a:headEnd type="none" w="med" len="med"/>
-            <a:tailEnd type="none" w="med" len="med"/>
+            <a:headEnd len="med" w="med" type="none"/>
+            <a:tailEnd len="med" w="med" type="none"/>
           </a:ln>
         </p:spPr>
       </p:cxnSp>
@@ -9650,21 +9397,21 @@
         </p:nvCxnSpPr>
         <p:spPr>
           <a:xfrm>
-            <a:off x="3336525" y="4064725"/>
+            <a:off x="3184125" y="4064725"/>
             <a:ext cx="704700" cy="0"/>
           </a:xfrm>
           <a:prstGeom prst="straightConnector1">
             <a:avLst/>
           </a:prstGeom>
           <a:noFill/>
-          <a:ln w="9525" cap="flat" cmpd="sng">
+          <a:ln cap="flat" cmpd="sng" w="9525">
             <a:solidFill>
               <a:srgbClr val="0091EA"/>
             </a:solidFill>
             <a:prstDash val="solid"/>
             <a:round/>
-            <a:headEnd type="none" w="med" len="med"/>
-            <a:tailEnd type="none" w="med" len="med"/>
+            <a:headEnd len="med" w="med" type="none"/>
+            <a:tailEnd len="med" w="med" type="none"/>
           </a:ln>
         </p:spPr>
       </p:cxnSp>
@@ -9676,7 +9423,7 @@
         </p:nvSpPr>
         <p:spPr>
           <a:xfrm>
-            <a:off x="7394575" y="3935275"/>
+            <a:off x="7242175" y="3935275"/>
             <a:ext cx="258900" cy="258900"/>
           </a:xfrm>
           <a:prstGeom prst="ellipse">
@@ -9685,31 +9432,34 @@
           <a:solidFill>
             <a:srgbClr val="0091EA"/>
           </a:solidFill>
-          <a:ln w="9525" cap="flat" cmpd="sng">
+          <a:ln cap="flat" cmpd="sng" w="9525">
             <a:solidFill>
               <a:srgbClr val="0091EA"/>
             </a:solidFill>
             <a:prstDash val="solid"/>
             <a:round/>
-            <a:headEnd type="none" w="sm" len="sm"/>
-            <a:tailEnd type="none" w="sm" len="sm"/>
+            <a:headEnd len="sm" w="sm" type="none"/>
+            <a:tailEnd len="sm" w="sm" type="none"/>
           </a:ln>
         </p:spPr>
         <p:txBody>
-          <a:bodyPr spcFirstLastPara="1" wrap="square" lIns="91425" tIns="91425" rIns="91425" bIns="91425" anchor="ctr" anchorCtr="0">
+          <a:bodyPr anchorCtr="0" anchor="ctr" bIns="91425" lIns="91425" spcFirstLastPara="1" rIns="91425" wrap="square" tIns="91425">
             <a:noAutofit/>
           </a:bodyPr>
           <a:lstStyle/>
           <a:p>
-            <a:pPr marL="0" lvl="0" indent="0">
-              <a:spcBef>
-                <a:spcPts val="0"/>
-              </a:spcBef>
-              <a:spcAft>
-                <a:spcPts val="0"/>
-              </a:spcAft>
-              <a:buNone/>
-            </a:pPr>
+            <a:pPr indent="0" lvl="0" marL="0">
+              <a:spcBef>
+                <a:spcPts val="0"/>
+              </a:spcBef>
+              <a:spcAft>
+                <a:spcPts val="0"/>
+              </a:spcAft>
+              <a:buNone/>
+            </a:pPr>
+            <a:r>
+              <a:t/>
+            </a:r>
             <a:endParaRPr/>
           </a:p>
         </p:txBody>
@@ -9722,7 +9472,7 @@
         </p:nvSpPr>
         <p:spPr>
           <a:xfrm>
-            <a:off x="3336525" y="4373050"/>
+            <a:off x="3184125" y="4373050"/>
             <a:ext cx="1668000" cy="476700"/>
           </a:xfrm>
           <a:prstGeom prst="rect">
@@ -9734,12 +9484,12 @@
           </a:ln>
         </p:spPr>
         <p:txBody>
-          <a:bodyPr spcFirstLastPara="1" wrap="square" lIns="91425" tIns="91425" rIns="91425" bIns="91425" anchor="t" anchorCtr="0">
+          <a:bodyPr anchorCtr="0" anchor="t" bIns="91425" lIns="91425" spcFirstLastPara="1" rIns="91425" wrap="square" tIns="91425">
             <a:noAutofit/>
           </a:bodyPr>
           <a:lstStyle/>
           <a:p>
-            <a:pPr marL="0" lvl="0" indent="0" algn="ctr" rtl="0">
+            <a:pPr indent="0" lvl="0" marL="0" rtl="0" algn="ctr">
               <a:spcBef>
                 <a:spcPts val="0"/>
               </a:spcBef>
@@ -9771,7 +9521,7 @@
             </a:endParaRPr>
           </a:p>
           <a:p>
-            <a:pPr marL="0" lvl="0" indent="0" algn="ctr" rtl="0">
+            <a:pPr indent="0" lvl="0" marL="0" rtl="0" algn="ctr">
               <a:spcBef>
                 <a:spcPts val="0"/>
               </a:spcBef>
@@ -9814,21 +9564,21 @@
         </p:nvCxnSpPr>
         <p:spPr>
           <a:xfrm>
-            <a:off x="4304275" y="4056625"/>
+            <a:off x="4151875" y="4056625"/>
             <a:ext cx="3090300" cy="8100"/>
           </a:xfrm>
           <a:prstGeom prst="straightConnector1">
             <a:avLst/>
           </a:prstGeom>
           <a:noFill/>
-          <a:ln w="9525" cap="flat" cmpd="sng">
+          <a:ln cap="flat" cmpd="sng" w="9525">
             <a:solidFill>
               <a:srgbClr val="0091EA"/>
             </a:solidFill>
             <a:prstDash val="solid"/>
             <a:round/>
-            <a:headEnd type="none" w="med" len="med"/>
-            <a:tailEnd type="none" w="med" len="med"/>
+            <a:headEnd len="med" w="med" type="none"/>
+            <a:tailEnd len="med" w="med" type="none"/>
           </a:ln>
         </p:spPr>
       </p:cxnSp>
@@ -9840,7 +9590,7 @@
         </p:nvSpPr>
         <p:spPr>
           <a:xfrm>
-            <a:off x="5034125" y="3807925"/>
+            <a:off x="4881725" y="3807925"/>
             <a:ext cx="1626300" cy="258900"/>
           </a:xfrm>
           <a:prstGeom prst="rect">
@@ -9852,12 +9602,12 @@
           </a:ln>
         </p:spPr>
         <p:txBody>
-          <a:bodyPr spcFirstLastPara="1" wrap="square" lIns="91425" tIns="91425" rIns="91425" bIns="91425" anchor="t" anchorCtr="0">
+          <a:bodyPr anchorCtr="0" anchor="t" bIns="91425" lIns="91425" spcFirstLastPara="1" rIns="91425" wrap="square" tIns="91425">
             <a:noAutofit/>
           </a:bodyPr>
           <a:lstStyle/>
           <a:p>
-            <a:pPr marL="0" lvl="0" indent="0" algn="ctr" rtl="0">
+            <a:pPr indent="0" lvl="0" marL="0" rtl="0" algn="ctr">
               <a:spcBef>
                 <a:spcPts val="0"/>
               </a:spcBef>
@@ -9890,6 +9640,173 @@
           </a:p>
         </p:txBody>
       </p:sp>
+      <p:cxnSp>
+        <p:nvCxnSpPr>
+          <p:cNvPr id="140" name="Shape 140"/>
+          <p:cNvCxnSpPr>
+            <a:endCxn id="141" idx="2"/>
+          </p:cNvCxnSpPr>
+          <p:nvPr/>
+        </p:nvCxnSpPr>
+        <p:spPr>
+          <a:xfrm>
+            <a:off x="7501075" y="4065775"/>
+            <a:ext cx="317400" cy="0"/>
+          </a:xfrm>
+          <a:prstGeom prst="straightConnector1">
+            <a:avLst/>
+          </a:prstGeom>
+          <a:noFill/>
+          <a:ln cap="flat" cmpd="sng" w="9525">
+            <a:solidFill>
+              <a:srgbClr val="0091EA"/>
+            </a:solidFill>
+            <a:prstDash val="solid"/>
+            <a:round/>
+            <a:headEnd len="med" w="med" type="none"/>
+            <a:tailEnd len="med" w="med" type="none"/>
+          </a:ln>
+        </p:spPr>
+      </p:cxnSp>
+      <p:sp>
+        <p:nvSpPr>
+          <p:cNvPr id="141" name="Shape 141"/>
+          <p:cNvSpPr/>
+          <p:nvPr/>
+        </p:nvSpPr>
+        <p:spPr>
+          <a:xfrm>
+            <a:off x="7818475" y="3936325"/>
+            <a:ext cx="258900" cy="258900"/>
+          </a:xfrm>
+          <a:prstGeom prst="ellipse">
+            <a:avLst/>
+          </a:prstGeom>
+          <a:solidFill>
+            <a:srgbClr val="0091EA"/>
+          </a:solidFill>
+          <a:ln cap="flat" cmpd="sng" w="9525">
+            <a:solidFill>
+              <a:srgbClr val="0091EA"/>
+            </a:solidFill>
+            <a:prstDash val="solid"/>
+            <a:round/>
+            <a:headEnd len="sm" w="sm" type="none"/>
+            <a:tailEnd len="sm" w="sm" type="none"/>
+          </a:ln>
+        </p:spPr>
+        <p:txBody>
+          <a:bodyPr anchorCtr="0" anchor="ctr" bIns="91425" lIns="91425" spcFirstLastPara="1" rIns="91425" wrap="square" tIns="91425">
+            <a:noAutofit/>
+          </a:bodyPr>
+          <a:lstStyle/>
+          <a:p>
+            <a:pPr indent="0" lvl="0" marL="0">
+              <a:spcBef>
+                <a:spcPts val="0"/>
+              </a:spcBef>
+              <a:spcAft>
+                <a:spcPts val="0"/>
+              </a:spcAft>
+              <a:buNone/>
+            </a:pPr>
+            <a:r>
+              <a:t/>
+            </a:r>
+            <a:endParaRPr/>
+          </a:p>
+        </p:txBody>
+      </p:sp>
+      <p:sp>
+        <p:nvSpPr>
+          <p:cNvPr id="142" name="Shape 142"/>
+          <p:cNvSpPr txBox="1"/>
+          <p:nvPr/>
+        </p:nvSpPr>
+        <p:spPr>
+          <a:xfrm>
+            <a:off x="7113925" y="4375150"/>
+            <a:ext cx="1668000" cy="476700"/>
+          </a:xfrm>
+          <a:prstGeom prst="rect">
+            <a:avLst/>
+          </a:prstGeom>
+          <a:noFill/>
+          <a:ln>
+            <a:noFill/>
+          </a:ln>
+        </p:spPr>
+        <p:txBody>
+          <a:bodyPr anchorCtr="0" anchor="t" bIns="91425" lIns="91425" spcFirstLastPara="1" rIns="91425" wrap="square" tIns="91425">
+            <a:noAutofit/>
+          </a:bodyPr>
+          <a:lstStyle/>
+          <a:p>
+            <a:pPr indent="0" lvl="0" marL="0" rtl="0" algn="ctr">
+              <a:spcBef>
+                <a:spcPts val="0"/>
+              </a:spcBef>
+              <a:spcAft>
+                <a:spcPts val="0"/>
+              </a:spcAft>
+              <a:buNone/>
+            </a:pPr>
+            <a:r>
+              <a:rPr lang="en">
+                <a:solidFill>
+                  <a:srgbClr val="0091EA"/>
+                </a:solidFill>
+                <a:latin typeface="Source Sans Pro"/>
+                <a:ea typeface="Source Sans Pro"/>
+                <a:cs typeface="Source Sans Pro"/>
+                <a:sym typeface="Source Sans Pro"/>
+              </a:rPr>
+              <a:t>18.05</a:t>
+            </a:r>
+            <a:endParaRPr>
+              <a:solidFill>
+                <a:srgbClr val="0091EA"/>
+              </a:solidFill>
+              <a:latin typeface="Source Sans Pro"/>
+              <a:ea typeface="Source Sans Pro"/>
+              <a:cs typeface="Source Sans Pro"/>
+              <a:sym typeface="Source Sans Pro"/>
+            </a:endParaRPr>
+          </a:p>
+          <a:p>
+            <a:pPr indent="0" lvl="0" marL="0" rtl="0" algn="ctr">
+              <a:spcBef>
+                <a:spcPts val="0"/>
+              </a:spcBef>
+              <a:spcAft>
+                <a:spcPts val="0"/>
+              </a:spcAft>
+              <a:buNone/>
+            </a:pPr>
+            <a:r>
+              <a:rPr lang="en">
+                <a:solidFill>
+                  <a:srgbClr val="0091EA"/>
+                </a:solidFill>
+                <a:latin typeface="Source Sans Pro"/>
+                <a:ea typeface="Source Sans Pro"/>
+                <a:cs typeface="Source Sans Pro"/>
+                <a:sym typeface="Source Sans Pro"/>
+              </a:rPr>
+              <a:t>Bug fixes</a:t>
+            </a:r>
+            <a:endParaRPr>
+              <a:solidFill>
+                <a:srgbClr val="0091EA"/>
+              </a:solidFill>
+              <a:latin typeface="Source Sans Pro"/>
+              <a:ea typeface="Source Sans Pro"/>
+              <a:cs typeface="Source Sans Pro"/>
+              <a:sym typeface="Source Sans Pro"/>
+            </a:endParaRPr>
+          </a:p>
+        </p:txBody>
+      </p:sp>
     </p:spTree>
   </p:cSld>
   <p:clrMapOvr>
@@ -9899,11 +9816,11 @@
 </file>
 
 <file path=ppt/slides/slide9.xml><?xml version="1.0" encoding="utf-8"?>
-<p:sld xmlns:a="http://schemas.openxmlformats.org/drawingml/2006/main" xmlns:r="http://schemas.openxmlformats.org/officeDocument/2006/relationships" xmlns:p="http://schemas.openxmlformats.org/presentationml/2006/main">
+<p:sld xmlns:a="http://schemas.openxmlformats.org/drawingml/2006/main" xmlns:r="http://schemas.openxmlformats.org/officeDocument/2006/relationships" xmlns:mc="http://schemas.openxmlformats.org/markup-compatibility/2006" xmlns:mv="urn:schemas-microsoft-com:mac:vml" xmlns:p="http://schemas.openxmlformats.org/presentationml/2006/main" xmlns:c="http://schemas.openxmlformats.org/drawingml/2006/chart" xmlns:dgm="http://schemas.openxmlformats.org/drawingml/2006/diagram" xmlns:o="urn:schemas-microsoft-com:office:office" xmlns:v="urn:schemas-microsoft-com:vml" xmlns:pvml="urn:schemas-microsoft-com:office:powerpoint" xmlns:com="http://schemas.openxmlformats.org/drawingml/2006/compatibility" xmlns:p14="http://schemas.microsoft.com/office/powerpoint/2010/main" xmlns:p15="http://schemas.microsoft.com/office/powerpoint/2012/main">
   <p:cSld>
     <p:spTree>
       <p:nvGrpSpPr>
-        <p:cNvPr id="1" name="Shape 143"/>
+        <p:cNvPr id="146" name="Shape 146"/>
         <p:cNvGrpSpPr/>
         <p:nvPr/>
       </p:nvGrpSpPr>
@@ -9917,10 +9834,8 @@
       </p:grpSpPr>
       <p:sp>
         <p:nvSpPr>
-          <p:cNvPr id="144" name="Shape 144"/>
-          <p:cNvSpPr txBox="1">
-            <a:spLocks noGrp="1"/>
-          </p:cNvSpPr>
+          <p:cNvPr id="147" name="Shape 147"/>
+          <p:cNvSpPr txBox="1"/>
           <p:nvPr>
             <p:ph type="title"/>
           </p:nvPr>
@@ -9935,12 +9850,12 @@
           </a:prstGeom>
         </p:spPr>
         <p:txBody>
-          <a:bodyPr spcFirstLastPara="1" wrap="square" lIns="91425" tIns="91425" rIns="91425" bIns="91425" anchor="b" anchorCtr="0">
+          <a:bodyPr anchorCtr="0" anchor="b" bIns="91425" lIns="91425" spcFirstLastPara="1" rIns="91425" wrap="square" tIns="91425">
             <a:noAutofit/>
           </a:bodyPr>
           <a:lstStyle/>
           <a:p>
-            <a:pPr marL="0" lvl="0" indent="0" rtl="0">
+            <a:pPr indent="0" lvl="0" marL="0" rtl="0">
               <a:spcBef>
                 <a:spcPts val="0"/>
               </a:spcBef>
@@ -9959,12 +9874,10 @@
       </p:sp>
       <p:sp>
         <p:nvSpPr>
-          <p:cNvPr id="145" name="Shape 145"/>
-          <p:cNvSpPr txBox="1">
-            <a:spLocks noGrp="1"/>
-          </p:cNvSpPr>
+          <p:cNvPr id="148" name="Shape 148"/>
+          <p:cNvSpPr txBox="1"/>
           <p:nvPr>
-            <p:ph type="body" idx="1"/>
+            <p:ph idx="1" type="body"/>
           </p:nvPr>
         </p:nvSpPr>
         <p:spPr>
@@ -9977,12 +9890,12 @@
           </a:prstGeom>
         </p:spPr>
         <p:txBody>
-          <a:bodyPr spcFirstLastPara="1" wrap="square" lIns="91425" tIns="91425" rIns="91425" bIns="91425" anchor="t" anchorCtr="0">
+          <a:bodyPr anchorCtr="0" anchor="t" bIns="91425" lIns="91425" spcFirstLastPara="1" rIns="91425" wrap="square" tIns="91425">
             <a:noAutofit/>
           </a:bodyPr>
           <a:lstStyle/>
           <a:p>
-            <a:pPr marL="457200" lvl="0" indent="-317500" algn="just" rtl="0">
+            <a:pPr indent="-317500" lvl="0" marL="457200" rtl="0" algn="just">
               <a:spcBef>
                 <a:spcPts val="600"/>
               </a:spcBef>
@@ -9999,7 +9912,7 @@
             <a:endParaRPr sz="1400"/>
           </a:p>
           <a:p>
-            <a:pPr marL="457200" lvl="0" indent="-317500" algn="just" rtl="0">
+            <a:pPr indent="-317500" lvl="0" marL="457200" rtl="0" algn="just">
               <a:spcBef>
                 <a:spcPts val="1000"/>
               </a:spcBef>
@@ -10011,12 +9924,12 @@
             </a:pPr>
             <a:r>
               <a:rPr lang="en" sz="1400"/>
-              <a:t>Notifications (firebase)</a:t>
+              <a:t>Possibility to personalize the notice (ex: duration of publication/subscription)</a:t>
             </a:r>
             <a:endParaRPr sz="1400"/>
           </a:p>
           <a:p>
-            <a:pPr marL="457200" lvl="0" indent="-317500" algn="just" rtl="0">
+            <a:pPr indent="-317500" lvl="0" marL="457200" rtl="0" algn="just">
               <a:spcBef>
                 <a:spcPts val="1000"/>
               </a:spcBef>
@@ -10033,7 +9946,24 @@
             <a:endParaRPr sz="1400"/>
           </a:p>
           <a:p>
-            <a:pPr marL="457200" lvl="0" indent="-317500" algn="just" rtl="0">
+            <a:pPr indent="-317500" lvl="0" marL="457200" rtl="0" algn="just">
+              <a:spcBef>
+                <a:spcPts val="1000"/>
+              </a:spcBef>
+              <a:spcAft>
+                <a:spcPts val="0"/>
+              </a:spcAft>
+              <a:buSzPts val="1400"/>
+              <a:buChar char="◎"/>
+            </a:pPr>
+            <a:r>
+              <a:rPr lang="en" sz="1400"/>
+              <a:t>Notifications when there is a match (publisher and subscriber) (firebase)</a:t>
+            </a:r>
+            <a:endParaRPr sz="1400"/>
+          </a:p>
+          <a:p>
+            <a:pPr indent="-317500" lvl="0" marL="457200" rtl="0" algn="just">
               <a:spcBef>
                 <a:spcPts val="1000"/>
               </a:spcBef>
@@ -10050,7 +9980,7 @@
             <a:endParaRPr sz="1400"/>
           </a:p>
           <a:p>
-            <a:pPr marL="0" lvl="0" indent="0" rtl="0">
+            <a:pPr indent="0" lvl="0" marL="0" rtl="0">
               <a:spcBef>
                 <a:spcPts val="1000"/>
               </a:spcBef>
@@ -10059,18 +9989,19 @@
               </a:spcAft>
               <a:buNone/>
             </a:pPr>
+            <a:r>
+              <a:t/>
+            </a:r>
             <a:endParaRPr/>
           </a:p>
         </p:txBody>
       </p:sp>
       <p:sp>
         <p:nvSpPr>
-          <p:cNvPr id="146" name="Shape 146"/>
-          <p:cNvSpPr txBox="1">
-            <a:spLocks noGrp="1"/>
-          </p:cNvSpPr>
+          <p:cNvPr id="149" name="Shape 149"/>
+          <p:cNvSpPr txBox="1"/>
           <p:nvPr>
-            <p:ph type="sldNum" idx="12"/>
+            <p:ph idx="12" type="sldNum"/>
           </p:nvPr>
         </p:nvSpPr>
         <p:spPr>
@@ -10083,12 +10014,12 @@
           </a:prstGeom>
         </p:spPr>
         <p:txBody>
-          <a:bodyPr spcFirstLastPara="1" wrap="square" lIns="91425" tIns="91425" rIns="91425" bIns="91425" anchor="t" anchorCtr="0">
+          <a:bodyPr anchorCtr="0" anchor="t" bIns="91425" lIns="91425" spcFirstLastPara="1" rIns="91425" wrap="square" tIns="91425">
             <a:noAutofit/>
           </a:bodyPr>
           <a:lstStyle/>
           <a:p>
-            <a:pPr marL="0" lvl="0" indent="0" rtl="0">
+            <a:pPr indent="0" lvl="0" marL="0" rtl="0">
               <a:spcBef>
                 <a:spcPts val="0"/>
               </a:spcBef>
@@ -10099,16 +10030,7 @@
             </a:pPr>
             <a:fld id="{00000000-1234-1234-1234-123412341234}" type="slidenum">
               <a:rPr lang="en"/>
-              <a:pPr marL="0" lvl="0" indent="0" rtl="0">
-                <a:spcBef>
-                  <a:spcPts val="0"/>
-                </a:spcBef>
-                <a:spcAft>
-                  <a:spcPts val="0"/>
-                </a:spcAft>
-                <a:buNone/>
-              </a:pPr>
-              <a:t>9</a:t>
+              <a:t>‹#›</a:t>
             </a:fld>
             <a:endParaRPr/>
           </a:p>
@@ -10123,7 +10045,7 @@
 </file>
 
 <file path=ppt/theme/theme1.xml><?xml version="1.0" encoding="utf-8"?>
-<a:theme xmlns:a="http://schemas.openxmlformats.org/drawingml/2006/main" name="Cordelia template">
+<a:theme xmlns:a="http://schemas.openxmlformats.org/drawingml/2006/main" xmlns:r="http://schemas.openxmlformats.org/officeDocument/2006/relationships" name="Cordelia template">
   <a:themeElements>
     <a:clrScheme name="Custom 347">
       <a:dk1>
@@ -10398,13 +10320,11 @@
       </a:bgFillStyleLst>
     </a:fmtScheme>
   </a:themeElements>
-  <a:objectDefaults/>
-  <a:extraClrSchemeLst/>
 </a:theme>
 </file>
 
 <file path=ppt/theme/theme2.xml><?xml version="1.0" encoding="utf-8"?>
-<a:theme xmlns:a="http://schemas.openxmlformats.org/drawingml/2006/main">
+<a:theme xmlns:a="http://schemas.openxmlformats.org/drawingml/2006/main" xmlns:r="http://schemas.openxmlformats.org/officeDocument/2006/relationships">
   <a:themeElements>
     <a:clrScheme name="Default">
       <a:dk1>
@@ -10679,7 +10599,5 @@
       </a:bgFillStyleLst>
     </a:fmtScheme>
   </a:themeElements>
-  <a:objectDefaults/>
-  <a:extraClrSchemeLst/>
 </a:theme>
 </file>